--- a/2020/11月.pptx
+++ b/2020/11月.pptx
@@ -3,15 +3,35 @@
 <p:presentation xmlns:a="http://schemas.openxmlformats.org/drawingml/2006/main" xmlns:r="http://schemas.openxmlformats.org/officeDocument/2006/relationships" xmlns:p="http://schemas.openxmlformats.org/presentationml/2006/main" saveSubsetFonts="1">
   <p:sldMasterIdLst>
     <p:sldMasterId id="2147483648" r:id="rId1"/>
+    <p:sldMasterId id="2147483660" r:id="rId2"/>
   </p:sldMasterIdLst>
   <p:sldIdLst>
-    <p:sldId id="256" r:id="rId2"/>
-    <p:sldId id="257" r:id="rId3"/>
-    <p:sldId id="261" r:id="rId4"/>
-    <p:sldId id="258" r:id="rId5"/>
-    <p:sldId id="262" r:id="rId6"/>
-    <p:sldId id="263" r:id="rId7"/>
-    <p:sldId id="264" r:id="rId8"/>
+    <p:sldId id="256" r:id="rId3"/>
+    <p:sldId id="257" r:id="rId4"/>
+    <p:sldId id="261" r:id="rId5"/>
+    <p:sldId id="258" r:id="rId6"/>
+    <p:sldId id="262" r:id="rId7"/>
+    <p:sldId id="263" r:id="rId8"/>
+    <p:sldId id="264" r:id="rId9"/>
+    <p:sldId id="265" r:id="rId10"/>
+    <p:sldId id="266" r:id="rId11"/>
+    <p:sldId id="267" r:id="rId12"/>
+    <p:sldId id="268" r:id="rId13"/>
+    <p:sldId id="269" r:id="rId14"/>
+    <p:sldId id="270" r:id="rId15"/>
+    <p:sldId id="271" r:id="rId16"/>
+    <p:sldId id="272" r:id="rId17"/>
+    <p:sldId id="273" r:id="rId18"/>
+    <p:sldId id="274" r:id="rId19"/>
+    <p:sldId id="275" r:id="rId20"/>
+    <p:sldId id="276" r:id="rId21"/>
+    <p:sldId id="277" r:id="rId22"/>
+    <p:sldId id="278" r:id="rId23"/>
+    <p:sldId id="279" r:id="rId24"/>
+    <p:sldId id="280" r:id="rId25"/>
+    <p:sldId id="281" r:id="rId26"/>
+    <p:sldId id="282" r:id="rId27"/>
+    <p:sldId id="283" r:id="rId28"/>
   </p:sldIdLst>
   <p:sldSz cx="12192000" cy="6858000"/>
   <p:notesSz cx="6858000" cy="9144000"/>
@@ -112,7 +132,7 @@
   </p:defaultTextStyle>
   <p:extLst>
     <p:ext uri="{EFAFB233-063F-42B5-8137-9DF3F51BA10A}">
-      <p15:sldGuideLst xmlns:p15="http://schemas.microsoft.com/office/powerpoint/2012/main">
+      <p15:sldGuideLst xmlns:p15="http://schemas.microsoft.com/office/powerpoint/2012/main" xmlns="">
         <p15:guide id="1" orient="horz" pos="2160" userDrawn="1">
           <p15:clr>
             <a:srgbClr val="A4A3A4"/>
@@ -310,7 +330,8 @@
           <a:p>
             <a:fld id="{84F2C051-AA91-4AE7-9172-015E1D31CFD1}" type="datetimeFigureOut">
               <a:rPr lang="zh-TW" altLang="en-US" smtClean="0"/>
-              <a:t>2020/6/13</a:t>
+              <a:pPr/>
+              <a:t>2020/10/25</a:t>
             </a:fld>
             <a:endParaRPr lang="zh-TW" altLang="en-US"/>
           </a:p>
@@ -352,6 +373,7 @@
           <a:p>
             <a:fld id="{E9745DD1-95DC-4C32-B1A0-3F7D8B7C757D}" type="slidenum">
               <a:rPr lang="zh-TW" altLang="en-US" smtClean="0"/>
+              <a:pPr/>
               <a:t>‹#›</a:t>
             </a:fld>
             <a:endParaRPr lang="zh-TW" altLang="en-US"/>
@@ -361,7 +383,7 @@
     </p:spTree>
     <p:extLst>
       <p:ext uri="{BB962C8B-B14F-4D97-AF65-F5344CB8AC3E}">
-        <p14:creationId xmlns:p14="http://schemas.microsoft.com/office/powerpoint/2010/main" val="355346373"/>
+        <p14:creationId xmlns:p14="http://schemas.microsoft.com/office/powerpoint/2010/main" xmlns="" val="355346373"/>
       </p:ext>
     </p:extLst>
   </p:cSld>
@@ -480,7 +502,8 @@
           <a:p>
             <a:fld id="{84F2C051-AA91-4AE7-9172-015E1D31CFD1}" type="datetimeFigureOut">
               <a:rPr lang="zh-TW" altLang="en-US" smtClean="0"/>
-              <a:t>2020/6/13</a:t>
+              <a:pPr/>
+              <a:t>2020/10/25</a:t>
             </a:fld>
             <a:endParaRPr lang="zh-TW" altLang="en-US"/>
           </a:p>
@@ -522,6 +545,7 @@
           <a:p>
             <a:fld id="{E9745DD1-95DC-4C32-B1A0-3F7D8B7C757D}" type="slidenum">
               <a:rPr lang="zh-TW" altLang="en-US" smtClean="0"/>
+              <a:pPr/>
               <a:t>‹#›</a:t>
             </a:fld>
             <a:endParaRPr lang="zh-TW" altLang="en-US"/>
@@ -531,7 +555,7 @@
     </p:spTree>
     <p:extLst>
       <p:ext uri="{BB962C8B-B14F-4D97-AF65-F5344CB8AC3E}">
-        <p14:creationId xmlns:p14="http://schemas.microsoft.com/office/powerpoint/2010/main" val="646508304"/>
+        <p14:creationId xmlns:p14="http://schemas.microsoft.com/office/powerpoint/2010/main" xmlns="" val="646508304"/>
       </p:ext>
     </p:extLst>
   </p:cSld>
@@ -660,7 +684,8 @@
           <a:p>
             <a:fld id="{84F2C051-AA91-4AE7-9172-015E1D31CFD1}" type="datetimeFigureOut">
               <a:rPr lang="zh-TW" altLang="en-US" smtClean="0"/>
-              <a:t>2020/6/13</a:t>
+              <a:pPr/>
+              <a:t>2020/10/25</a:t>
             </a:fld>
             <a:endParaRPr lang="zh-TW" altLang="en-US"/>
           </a:p>
@@ -702,6 +727,7 @@
           <a:p>
             <a:fld id="{E9745DD1-95DC-4C32-B1A0-3F7D8B7C757D}" type="slidenum">
               <a:rPr lang="zh-TW" altLang="en-US" smtClean="0"/>
+              <a:pPr/>
               <a:t>‹#›</a:t>
             </a:fld>
             <a:endParaRPr lang="zh-TW" altLang="en-US"/>
@@ -711,7 +737,7 @@
     </p:spTree>
     <p:extLst>
       <p:ext uri="{BB962C8B-B14F-4D97-AF65-F5344CB8AC3E}">
-        <p14:creationId xmlns:p14="http://schemas.microsoft.com/office/powerpoint/2010/main" val="4205983246"/>
+        <p14:creationId xmlns:p14="http://schemas.microsoft.com/office/powerpoint/2010/main" xmlns="" val="4205983246"/>
       </p:ext>
     </p:extLst>
   </p:cSld>
@@ -721,7 +747,246 @@
 </p:sldLayout>
 </file>
 
-<file path=ppt/slideLayouts/slideLayout2.xml><?xml version="1.0" encoding="utf-8"?>
+<file path=ppt/slideLayouts/slideLayout12.xml><?xml version="1.0" encoding="utf-8"?>
+<p:sldLayout xmlns:a="http://schemas.openxmlformats.org/drawingml/2006/main" xmlns:r="http://schemas.openxmlformats.org/officeDocument/2006/relationships" xmlns:p="http://schemas.openxmlformats.org/presentationml/2006/main" type="title" preserve="1">
+  <p:cSld name="標題投影片">
+    <p:spTree>
+      <p:nvGrpSpPr>
+        <p:cNvPr id="1" name=""/>
+        <p:cNvGrpSpPr/>
+        <p:nvPr/>
+      </p:nvGrpSpPr>
+      <p:grpSpPr>
+        <a:xfrm>
+          <a:off x="0" y="0"/>
+          <a:ext cx="0" cy="0"/>
+          <a:chOff x="0" y="0"/>
+          <a:chExt cx="0" cy="0"/>
+        </a:xfrm>
+      </p:grpSpPr>
+      <p:sp>
+        <p:nvSpPr>
+          <p:cNvPr id="2" name="標題 1"/>
+          <p:cNvSpPr>
+            <a:spLocks noGrp="1"/>
+          </p:cNvSpPr>
+          <p:nvPr>
+            <p:ph type="ctrTitle"/>
+          </p:nvPr>
+        </p:nvSpPr>
+        <p:spPr>
+          <a:xfrm>
+            <a:off x="914400" y="2130426"/>
+            <a:ext cx="10363200" cy="1470025"/>
+          </a:xfrm>
+        </p:spPr>
+        <p:txBody>
+          <a:bodyPr/>
+          <a:lstStyle/>
+          <a:p>
+            <a:r>
+              <a:rPr lang="zh-TW" altLang="en-US" smtClean="0"/>
+              <a:t>按一下以編輯母片標題樣式</a:t>
+            </a:r>
+            <a:endParaRPr lang="zh-TW" altLang="en-US"/>
+          </a:p>
+        </p:txBody>
+      </p:sp>
+      <p:sp>
+        <p:nvSpPr>
+          <p:cNvPr id="3" name="副標題 2"/>
+          <p:cNvSpPr>
+            <a:spLocks noGrp="1"/>
+          </p:cNvSpPr>
+          <p:nvPr>
+            <p:ph type="subTitle" idx="1"/>
+          </p:nvPr>
+        </p:nvSpPr>
+        <p:spPr>
+          <a:xfrm>
+            <a:off x="1828800" y="3886200"/>
+            <a:ext cx="8534400" cy="1752600"/>
+          </a:xfrm>
+        </p:spPr>
+        <p:txBody>
+          <a:bodyPr/>
+          <a:lstStyle>
+            <a:lvl1pPr marL="0" indent="0" algn="ctr">
+              <a:buNone/>
+              <a:defRPr>
+                <a:solidFill>
+                  <a:schemeClr val="tx1">
+                    <a:tint val="75000"/>
+                  </a:schemeClr>
+                </a:solidFill>
+              </a:defRPr>
+            </a:lvl1pPr>
+            <a:lvl2pPr marL="457200" indent="0" algn="ctr">
+              <a:buNone/>
+              <a:defRPr>
+                <a:solidFill>
+                  <a:schemeClr val="tx1">
+                    <a:tint val="75000"/>
+                  </a:schemeClr>
+                </a:solidFill>
+              </a:defRPr>
+            </a:lvl2pPr>
+            <a:lvl3pPr marL="914400" indent="0" algn="ctr">
+              <a:buNone/>
+              <a:defRPr>
+                <a:solidFill>
+                  <a:schemeClr val="tx1">
+                    <a:tint val="75000"/>
+                  </a:schemeClr>
+                </a:solidFill>
+              </a:defRPr>
+            </a:lvl3pPr>
+            <a:lvl4pPr marL="1371600" indent="0" algn="ctr">
+              <a:buNone/>
+              <a:defRPr>
+                <a:solidFill>
+                  <a:schemeClr val="tx1">
+                    <a:tint val="75000"/>
+                  </a:schemeClr>
+                </a:solidFill>
+              </a:defRPr>
+            </a:lvl4pPr>
+            <a:lvl5pPr marL="1828800" indent="0" algn="ctr">
+              <a:buNone/>
+              <a:defRPr>
+                <a:solidFill>
+                  <a:schemeClr val="tx1">
+                    <a:tint val="75000"/>
+                  </a:schemeClr>
+                </a:solidFill>
+              </a:defRPr>
+            </a:lvl5pPr>
+            <a:lvl6pPr marL="2286000" indent="0" algn="ctr">
+              <a:buNone/>
+              <a:defRPr>
+                <a:solidFill>
+                  <a:schemeClr val="tx1">
+                    <a:tint val="75000"/>
+                  </a:schemeClr>
+                </a:solidFill>
+              </a:defRPr>
+            </a:lvl6pPr>
+            <a:lvl7pPr marL="2743200" indent="0" algn="ctr">
+              <a:buNone/>
+              <a:defRPr>
+                <a:solidFill>
+                  <a:schemeClr val="tx1">
+                    <a:tint val="75000"/>
+                  </a:schemeClr>
+                </a:solidFill>
+              </a:defRPr>
+            </a:lvl7pPr>
+            <a:lvl8pPr marL="3200400" indent="0" algn="ctr">
+              <a:buNone/>
+              <a:defRPr>
+                <a:solidFill>
+                  <a:schemeClr val="tx1">
+                    <a:tint val="75000"/>
+                  </a:schemeClr>
+                </a:solidFill>
+              </a:defRPr>
+            </a:lvl8pPr>
+            <a:lvl9pPr marL="3657600" indent="0" algn="ctr">
+              <a:buNone/>
+              <a:defRPr>
+                <a:solidFill>
+                  <a:schemeClr val="tx1">
+                    <a:tint val="75000"/>
+                  </a:schemeClr>
+                </a:solidFill>
+              </a:defRPr>
+            </a:lvl9pPr>
+          </a:lstStyle>
+          <a:p>
+            <a:r>
+              <a:rPr lang="zh-TW" altLang="en-US" smtClean="0"/>
+              <a:t>按一下以編輯母片副標題樣式</a:t>
+            </a:r>
+            <a:endParaRPr lang="zh-TW" altLang="en-US"/>
+          </a:p>
+        </p:txBody>
+      </p:sp>
+      <p:sp>
+        <p:nvSpPr>
+          <p:cNvPr id="4" name="日期版面配置區 3"/>
+          <p:cNvSpPr>
+            <a:spLocks noGrp="1"/>
+          </p:cNvSpPr>
+          <p:nvPr>
+            <p:ph type="dt" sz="half" idx="10"/>
+          </p:nvPr>
+        </p:nvSpPr>
+        <p:spPr/>
+        <p:txBody>
+          <a:bodyPr/>
+          <a:lstStyle/>
+          <a:p>
+            <a:fld id="{84F2C051-AA91-4AE7-9172-015E1D31CFD1}" type="datetimeFigureOut">
+              <a:rPr lang="zh-TW" altLang="en-US" smtClean="0"/>
+              <a:pPr/>
+              <a:t>2020/10/25</a:t>
+            </a:fld>
+            <a:endParaRPr lang="zh-TW" altLang="en-US"/>
+          </a:p>
+        </p:txBody>
+      </p:sp>
+      <p:sp>
+        <p:nvSpPr>
+          <p:cNvPr id="5" name="頁尾版面配置區 4"/>
+          <p:cNvSpPr>
+            <a:spLocks noGrp="1"/>
+          </p:cNvSpPr>
+          <p:nvPr>
+            <p:ph type="ftr" sz="quarter" idx="11"/>
+          </p:nvPr>
+        </p:nvSpPr>
+        <p:spPr/>
+        <p:txBody>
+          <a:bodyPr/>
+          <a:lstStyle/>
+          <a:p>
+            <a:endParaRPr lang="zh-TW" altLang="en-US"/>
+          </a:p>
+        </p:txBody>
+      </p:sp>
+      <p:sp>
+        <p:nvSpPr>
+          <p:cNvPr id="6" name="投影片編號版面配置區 5"/>
+          <p:cNvSpPr>
+            <a:spLocks noGrp="1"/>
+          </p:cNvSpPr>
+          <p:nvPr>
+            <p:ph type="sldNum" sz="quarter" idx="12"/>
+          </p:nvPr>
+        </p:nvSpPr>
+        <p:spPr/>
+        <p:txBody>
+          <a:bodyPr/>
+          <a:lstStyle/>
+          <a:p>
+            <a:fld id="{E9745DD1-95DC-4C32-B1A0-3F7D8B7C757D}" type="slidenum">
+              <a:rPr lang="zh-TW" altLang="en-US" smtClean="0"/>
+              <a:pPr/>
+              <a:t>‹#›</a:t>
+            </a:fld>
+            <a:endParaRPr lang="zh-TW" altLang="en-US"/>
+          </a:p>
+        </p:txBody>
+      </p:sp>
+    </p:spTree>
+  </p:cSld>
+  <p:clrMapOvr>
+    <a:masterClrMapping/>
+  </p:clrMapOvr>
+</p:sldLayout>
+</file>
+
+<file path=ppt/slideLayouts/slideLayout13.xml><?xml version="1.0" encoding="utf-8"?>
 <p:sldLayout xmlns:a="http://schemas.openxmlformats.org/drawingml/2006/main" xmlns:r="http://schemas.openxmlformats.org/officeDocument/2006/relationships" xmlns:p="http://schemas.openxmlformats.org/presentationml/2006/main" type="obj" preserve="1">
   <p:cSld name="標題及物件">
     <p:spTree>
@@ -830,7 +1095,8 @@
           <a:p>
             <a:fld id="{84F2C051-AA91-4AE7-9172-015E1D31CFD1}" type="datetimeFigureOut">
               <a:rPr lang="zh-TW" altLang="en-US" smtClean="0"/>
-              <a:t>2020/6/13</a:t>
+              <a:pPr/>
+              <a:t>2020/10/25</a:t>
             </a:fld>
             <a:endParaRPr lang="zh-TW" altLang="en-US"/>
           </a:p>
@@ -872,6 +1138,7 @@
           <a:p>
             <a:fld id="{E9745DD1-95DC-4C32-B1A0-3F7D8B7C757D}" type="slidenum">
               <a:rPr lang="zh-TW" altLang="en-US" smtClean="0"/>
+              <a:pPr/>
               <a:t>‹#›</a:t>
             </a:fld>
             <a:endParaRPr lang="zh-TW" altLang="en-US"/>
@@ -879,11 +1146,6 @@
         </p:txBody>
       </p:sp>
     </p:spTree>
-    <p:extLst>
-      <p:ext uri="{BB962C8B-B14F-4D97-AF65-F5344CB8AC3E}">
-        <p14:creationId xmlns:p14="http://schemas.microsoft.com/office/powerpoint/2010/main" val="1872871816"/>
-      </p:ext>
-    </p:extLst>
   </p:cSld>
   <p:clrMapOvr>
     <a:masterClrMapping/>
@@ -891,9 +1153,9 @@
 </p:sldLayout>
 </file>
 
-<file path=ppt/slideLayouts/slideLayout3.xml><?xml version="1.0" encoding="utf-8"?>
+<file path=ppt/slideLayouts/slideLayout14.xml><?xml version="1.0" encoding="utf-8"?>
 <p:sldLayout xmlns:a="http://schemas.openxmlformats.org/drawingml/2006/main" xmlns:r="http://schemas.openxmlformats.org/officeDocument/2006/relationships" xmlns:p="http://schemas.openxmlformats.org/presentationml/2006/main" type="secHead" preserve="1">
-  <p:cSld name="章節標題">
+  <p:cSld name="區段標題">
     <p:spTree>
       <p:nvGrpSpPr>
         <p:cNvPr id="1" name=""/>
@@ -1076,7 +1338,8 @@
           <a:p>
             <a:fld id="{84F2C051-AA91-4AE7-9172-015E1D31CFD1}" type="datetimeFigureOut">
               <a:rPr lang="zh-TW" altLang="en-US" smtClean="0"/>
-              <a:t>2020/6/13</a:t>
+              <a:pPr/>
+              <a:t>2020/10/25</a:t>
             </a:fld>
             <a:endParaRPr lang="zh-TW" altLang="en-US"/>
           </a:p>
@@ -1118,6 +1381,7 @@
           <a:p>
             <a:fld id="{E9745DD1-95DC-4C32-B1A0-3F7D8B7C757D}" type="slidenum">
               <a:rPr lang="zh-TW" altLang="en-US" smtClean="0"/>
+              <a:pPr/>
               <a:t>‹#›</a:t>
             </a:fld>
             <a:endParaRPr lang="zh-TW" altLang="en-US"/>
@@ -1125,11 +1389,6 @@
         </p:txBody>
       </p:sp>
     </p:spTree>
-    <p:extLst>
-      <p:ext uri="{BB962C8B-B14F-4D97-AF65-F5344CB8AC3E}">
-        <p14:creationId xmlns:p14="http://schemas.microsoft.com/office/powerpoint/2010/main" val="2151624710"/>
-      </p:ext>
-    </p:extLst>
   </p:cSld>
   <p:clrMapOvr>
     <a:masterClrMapping/>
@@ -1137,7 +1396,7 @@
 </p:sldLayout>
 </file>
 
-<file path=ppt/slideLayouts/slideLayout4.xml><?xml version="1.0" encoding="utf-8"?>
+<file path=ppt/slideLayouts/slideLayout15.xml><?xml version="1.0" encoding="utf-8"?>
 <p:sldLayout xmlns:a="http://schemas.openxmlformats.org/drawingml/2006/main" xmlns:r="http://schemas.openxmlformats.org/officeDocument/2006/relationships" xmlns:p="http://schemas.openxmlformats.org/presentationml/2006/main" type="twoObj" preserve="1">
   <p:cSld name="兩項物件">
     <p:spTree>
@@ -1364,7 +1623,8 @@
           <a:p>
             <a:fld id="{84F2C051-AA91-4AE7-9172-015E1D31CFD1}" type="datetimeFigureOut">
               <a:rPr lang="zh-TW" altLang="en-US" smtClean="0"/>
-              <a:t>2020/6/13</a:t>
+              <a:pPr/>
+              <a:t>2020/10/25</a:t>
             </a:fld>
             <a:endParaRPr lang="zh-TW" altLang="en-US"/>
           </a:p>
@@ -1406,6 +1666,7 @@
           <a:p>
             <a:fld id="{E9745DD1-95DC-4C32-B1A0-3F7D8B7C757D}" type="slidenum">
               <a:rPr lang="zh-TW" altLang="en-US" smtClean="0"/>
+              <a:pPr/>
               <a:t>‹#›</a:t>
             </a:fld>
             <a:endParaRPr lang="zh-TW" altLang="en-US"/>
@@ -1413,11 +1674,6 @@
         </p:txBody>
       </p:sp>
     </p:spTree>
-    <p:extLst>
-      <p:ext uri="{BB962C8B-B14F-4D97-AF65-F5344CB8AC3E}">
-        <p14:creationId xmlns:p14="http://schemas.microsoft.com/office/powerpoint/2010/main" val="3379327585"/>
-      </p:ext>
-    </p:extLst>
   </p:cSld>
   <p:clrMapOvr>
     <a:masterClrMapping/>
@@ -1425,7 +1681,7 @@
 </p:sldLayout>
 </file>
 
-<file path=ppt/slideLayouts/slideLayout5.xml><?xml version="1.0" encoding="utf-8"?>
+<file path=ppt/slideLayouts/slideLayout16.xml><?xml version="1.0" encoding="utf-8"?>
 <p:sldLayout xmlns:a="http://schemas.openxmlformats.org/drawingml/2006/main" xmlns:r="http://schemas.openxmlformats.org/officeDocument/2006/relationships" xmlns:p="http://schemas.openxmlformats.org/presentationml/2006/main" type="twoTxTwoObj" preserve="1">
   <p:cSld name="比對">
     <p:spTree>
@@ -1786,7 +2042,8 @@
           <a:p>
             <a:fld id="{84F2C051-AA91-4AE7-9172-015E1D31CFD1}" type="datetimeFigureOut">
               <a:rPr lang="zh-TW" altLang="en-US" smtClean="0"/>
-              <a:t>2020/6/13</a:t>
+              <a:pPr/>
+              <a:t>2020/10/25</a:t>
             </a:fld>
             <a:endParaRPr lang="zh-TW" altLang="en-US"/>
           </a:p>
@@ -1828,6 +2085,7 @@
           <a:p>
             <a:fld id="{E9745DD1-95DC-4C32-B1A0-3F7D8B7C757D}" type="slidenum">
               <a:rPr lang="zh-TW" altLang="en-US" smtClean="0"/>
+              <a:pPr/>
               <a:t>‹#›</a:t>
             </a:fld>
             <a:endParaRPr lang="zh-TW" altLang="en-US"/>
@@ -1835,11 +2093,6 @@
         </p:txBody>
       </p:sp>
     </p:spTree>
-    <p:extLst>
-      <p:ext uri="{BB962C8B-B14F-4D97-AF65-F5344CB8AC3E}">
-        <p14:creationId xmlns:p14="http://schemas.microsoft.com/office/powerpoint/2010/main" val="2464479800"/>
-      </p:ext>
-    </p:extLst>
   </p:cSld>
   <p:clrMapOvr>
     <a:masterClrMapping/>
@@ -1847,7 +2100,7 @@
 </p:sldLayout>
 </file>
 
-<file path=ppt/slideLayouts/slideLayout6.xml><?xml version="1.0" encoding="utf-8"?>
+<file path=ppt/slideLayouts/slideLayout17.xml><?xml version="1.0" encoding="utf-8"?>
 <p:sldLayout xmlns:a="http://schemas.openxmlformats.org/drawingml/2006/main" xmlns:r="http://schemas.openxmlformats.org/officeDocument/2006/relationships" xmlns:p="http://schemas.openxmlformats.org/presentationml/2006/main" type="titleOnly" preserve="1">
   <p:cSld name="只有標題">
     <p:spTree>
@@ -1904,7 +2157,8 @@
           <a:p>
             <a:fld id="{84F2C051-AA91-4AE7-9172-015E1D31CFD1}" type="datetimeFigureOut">
               <a:rPr lang="zh-TW" altLang="en-US" smtClean="0"/>
-              <a:t>2020/6/13</a:t>
+              <a:pPr/>
+              <a:t>2020/10/25</a:t>
             </a:fld>
             <a:endParaRPr lang="zh-TW" altLang="en-US"/>
           </a:p>
@@ -1946,6 +2200,7 @@
           <a:p>
             <a:fld id="{E9745DD1-95DC-4C32-B1A0-3F7D8B7C757D}" type="slidenum">
               <a:rPr lang="zh-TW" altLang="en-US" smtClean="0"/>
+              <a:pPr/>
               <a:t>‹#›</a:t>
             </a:fld>
             <a:endParaRPr lang="zh-TW" altLang="en-US"/>
@@ -1953,11 +2208,6 @@
         </p:txBody>
       </p:sp>
     </p:spTree>
-    <p:extLst>
-      <p:ext uri="{BB962C8B-B14F-4D97-AF65-F5344CB8AC3E}">
-        <p14:creationId xmlns:p14="http://schemas.microsoft.com/office/powerpoint/2010/main" val="595548051"/>
-      </p:ext>
-    </p:extLst>
   </p:cSld>
   <p:clrMapOvr>
     <a:masterClrMapping/>
@@ -1965,7 +2215,7 @@
 </p:sldLayout>
 </file>
 
-<file path=ppt/slideLayouts/slideLayout7.xml><?xml version="1.0" encoding="utf-8"?>
+<file path=ppt/slideLayouts/slideLayout18.xml><?xml version="1.0" encoding="utf-8"?>
 <p:sldLayout xmlns:a="http://schemas.openxmlformats.org/drawingml/2006/main" xmlns:r="http://schemas.openxmlformats.org/officeDocument/2006/relationships" xmlns:p="http://schemas.openxmlformats.org/presentationml/2006/main" type="blank" preserve="1">
   <p:cSld name="空白">
     <p:spTree>
@@ -1999,7 +2249,8 @@
           <a:p>
             <a:fld id="{84F2C051-AA91-4AE7-9172-015E1D31CFD1}" type="datetimeFigureOut">
               <a:rPr lang="zh-TW" altLang="en-US" smtClean="0"/>
-              <a:t>2020/6/13</a:t>
+              <a:pPr/>
+              <a:t>2020/10/25</a:t>
             </a:fld>
             <a:endParaRPr lang="zh-TW" altLang="en-US"/>
           </a:p>
@@ -2041,6 +2292,7 @@
           <a:p>
             <a:fld id="{E9745DD1-95DC-4C32-B1A0-3F7D8B7C757D}" type="slidenum">
               <a:rPr lang="zh-TW" altLang="en-US" smtClean="0"/>
+              <a:pPr/>
               <a:t>‹#›</a:t>
             </a:fld>
             <a:endParaRPr lang="zh-TW" altLang="en-US"/>
@@ -2048,11 +2300,6 @@
         </p:txBody>
       </p:sp>
     </p:spTree>
-    <p:extLst>
-      <p:ext uri="{BB962C8B-B14F-4D97-AF65-F5344CB8AC3E}">
-        <p14:creationId xmlns:p14="http://schemas.microsoft.com/office/powerpoint/2010/main" val="2293158318"/>
-      </p:ext>
-    </p:extLst>
   </p:cSld>
   <p:clrMapOvr>
     <a:masterClrMapping/>
@@ -2060,7 +2307,7 @@
 </p:sldLayout>
 </file>
 
-<file path=ppt/slideLayouts/slideLayout8.xml><?xml version="1.0" encoding="utf-8"?>
+<file path=ppt/slideLayouts/slideLayout19.xml><?xml version="1.0" encoding="utf-8"?>
 <p:sldLayout xmlns:a="http://schemas.openxmlformats.org/drawingml/2006/main" xmlns:r="http://schemas.openxmlformats.org/officeDocument/2006/relationships" xmlns:p="http://schemas.openxmlformats.org/presentationml/2006/main" type="objTx" preserve="1">
   <p:cSld name="含標題的內容">
     <p:spTree>
@@ -2276,7 +2523,8 @@
           <a:p>
             <a:fld id="{84F2C051-AA91-4AE7-9172-015E1D31CFD1}" type="datetimeFigureOut">
               <a:rPr lang="zh-TW" altLang="en-US" smtClean="0"/>
-              <a:t>2020/6/13</a:t>
+              <a:pPr/>
+              <a:t>2020/10/25</a:t>
             </a:fld>
             <a:endParaRPr lang="zh-TW" altLang="en-US"/>
           </a:p>
@@ -2318,6 +2566,174 @@
           <a:p>
             <a:fld id="{E9745DD1-95DC-4C32-B1A0-3F7D8B7C757D}" type="slidenum">
               <a:rPr lang="zh-TW" altLang="en-US" smtClean="0"/>
+              <a:pPr/>
+              <a:t>‹#›</a:t>
+            </a:fld>
+            <a:endParaRPr lang="zh-TW" altLang="en-US"/>
+          </a:p>
+        </p:txBody>
+      </p:sp>
+    </p:spTree>
+  </p:cSld>
+  <p:clrMapOvr>
+    <a:masterClrMapping/>
+  </p:clrMapOvr>
+</p:sldLayout>
+</file>
+
+<file path=ppt/slideLayouts/slideLayout2.xml><?xml version="1.0" encoding="utf-8"?>
+<p:sldLayout xmlns:a="http://schemas.openxmlformats.org/drawingml/2006/main" xmlns:r="http://schemas.openxmlformats.org/officeDocument/2006/relationships" xmlns:p="http://schemas.openxmlformats.org/presentationml/2006/main" type="obj" preserve="1">
+  <p:cSld name="標題及物件">
+    <p:spTree>
+      <p:nvGrpSpPr>
+        <p:cNvPr id="1" name=""/>
+        <p:cNvGrpSpPr/>
+        <p:nvPr/>
+      </p:nvGrpSpPr>
+      <p:grpSpPr>
+        <a:xfrm>
+          <a:off x="0" y="0"/>
+          <a:ext cx="0" cy="0"/>
+          <a:chOff x="0" y="0"/>
+          <a:chExt cx="0" cy="0"/>
+        </a:xfrm>
+      </p:grpSpPr>
+      <p:sp>
+        <p:nvSpPr>
+          <p:cNvPr id="2" name="標題 1"/>
+          <p:cNvSpPr>
+            <a:spLocks noGrp="1"/>
+          </p:cNvSpPr>
+          <p:nvPr>
+            <p:ph type="title"/>
+          </p:nvPr>
+        </p:nvSpPr>
+        <p:spPr/>
+        <p:txBody>
+          <a:bodyPr/>
+          <a:lstStyle/>
+          <a:p>
+            <a:r>
+              <a:rPr lang="zh-TW" altLang="en-US" smtClean="0"/>
+              <a:t>按一下以編輯母片標題樣式</a:t>
+            </a:r>
+            <a:endParaRPr lang="zh-TW" altLang="en-US"/>
+          </a:p>
+        </p:txBody>
+      </p:sp>
+      <p:sp>
+        <p:nvSpPr>
+          <p:cNvPr id="3" name="內容版面配置區 2"/>
+          <p:cNvSpPr>
+            <a:spLocks noGrp="1"/>
+          </p:cNvSpPr>
+          <p:nvPr>
+            <p:ph idx="1"/>
+          </p:nvPr>
+        </p:nvSpPr>
+        <p:spPr/>
+        <p:txBody>
+          <a:bodyPr/>
+          <a:lstStyle/>
+          <a:p>
+            <a:pPr lvl="0"/>
+            <a:r>
+              <a:rPr lang="zh-TW" altLang="en-US" smtClean="0"/>
+              <a:t>按一下以編輯母片文字樣式</a:t>
+            </a:r>
+          </a:p>
+          <a:p>
+            <a:pPr lvl="1"/>
+            <a:r>
+              <a:rPr lang="zh-TW" altLang="en-US" smtClean="0"/>
+              <a:t>第二層</a:t>
+            </a:r>
+          </a:p>
+          <a:p>
+            <a:pPr lvl="2"/>
+            <a:r>
+              <a:rPr lang="zh-TW" altLang="en-US" smtClean="0"/>
+              <a:t>第三層</a:t>
+            </a:r>
+          </a:p>
+          <a:p>
+            <a:pPr lvl="3"/>
+            <a:r>
+              <a:rPr lang="zh-TW" altLang="en-US" smtClean="0"/>
+              <a:t>第四層</a:t>
+            </a:r>
+          </a:p>
+          <a:p>
+            <a:pPr lvl="4"/>
+            <a:r>
+              <a:rPr lang="zh-TW" altLang="en-US" smtClean="0"/>
+              <a:t>第五層</a:t>
+            </a:r>
+            <a:endParaRPr lang="zh-TW" altLang="en-US"/>
+          </a:p>
+        </p:txBody>
+      </p:sp>
+      <p:sp>
+        <p:nvSpPr>
+          <p:cNvPr id="4" name="日期版面配置區 3"/>
+          <p:cNvSpPr>
+            <a:spLocks noGrp="1"/>
+          </p:cNvSpPr>
+          <p:nvPr>
+            <p:ph type="dt" sz="half" idx="10"/>
+          </p:nvPr>
+        </p:nvSpPr>
+        <p:spPr/>
+        <p:txBody>
+          <a:bodyPr/>
+          <a:lstStyle/>
+          <a:p>
+            <a:fld id="{84F2C051-AA91-4AE7-9172-015E1D31CFD1}" type="datetimeFigureOut">
+              <a:rPr lang="zh-TW" altLang="en-US" smtClean="0"/>
+              <a:pPr/>
+              <a:t>2020/10/25</a:t>
+            </a:fld>
+            <a:endParaRPr lang="zh-TW" altLang="en-US"/>
+          </a:p>
+        </p:txBody>
+      </p:sp>
+      <p:sp>
+        <p:nvSpPr>
+          <p:cNvPr id="5" name="頁尾版面配置區 4"/>
+          <p:cNvSpPr>
+            <a:spLocks noGrp="1"/>
+          </p:cNvSpPr>
+          <p:nvPr>
+            <p:ph type="ftr" sz="quarter" idx="11"/>
+          </p:nvPr>
+        </p:nvSpPr>
+        <p:spPr/>
+        <p:txBody>
+          <a:bodyPr/>
+          <a:lstStyle/>
+          <a:p>
+            <a:endParaRPr lang="zh-TW" altLang="en-US"/>
+          </a:p>
+        </p:txBody>
+      </p:sp>
+      <p:sp>
+        <p:nvSpPr>
+          <p:cNvPr id="6" name="投影片編號版面配置區 5"/>
+          <p:cNvSpPr>
+            <a:spLocks noGrp="1"/>
+          </p:cNvSpPr>
+          <p:nvPr>
+            <p:ph type="sldNum" sz="quarter" idx="12"/>
+          </p:nvPr>
+        </p:nvSpPr>
+        <p:spPr/>
+        <p:txBody>
+          <a:bodyPr/>
+          <a:lstStyle/>
+          <a:p>
+            <a:fld id="{E9745DD1-95DC-4C32-B1A0-3F7D8B7C757D}" type="slidenum">
+              <a:rPr lang="zh-TW" altLang="en-US" smtClean="0"/>
+              <a:pPr/>
               <a:t>‹#›</a:t>
             </a:fld>
             <a:endParaRPr lang="zh-TW" altLang="en-US"/>
@@ -2327,7 +2743,2063 @@
     </p:spTree>
     <p:extLst>
       <p:ext uri="{BB962C8B-B14F-4D97-AF65-F5344CB8AC3E}">
-        <p14:creationId xmlns:p14="http://schemas.microsoft.com/office/powerpoint/2010/main" val="2279701482"/>
+        <p14:creationId xmlns:p14="http://schemas.microsoft.com/office/powerpoint/2010/main" xmlns="" val="1872871816"/>
+      </p:ext>
+    </p:extLst>
+  </p:cSld>
+  <p:clrMapOvr>
+    <a:masterClrMapping/>
+  </p:clrMapOvr>
+</p:sldLayout>
+</file>
+
+<file path=ppt/slideLayouts/slideLayout20.xml><?xml version="1.0" encoding="utf-8"?>
+<p:sldLayout xmlns:a="http://schemas.openxmlformats.org/drawingml/2006/main" xmlns:r="http://schemas.openxmlformats.org/officeDocument/2006/relationships" xmlns:p="http://schemas.openxmlformats.org/presentationml/2006/main" type="picTx" preserve="1">
+  <p:cSld name="含標題的圖片">
+    <p:spTree>
+      <p:nvGrpSpPr>
+        <p:cNvPr id="1" name=""/>
+        <p:cNvGrpSpPr/>
+        <p:nvPr/>
+      </p:nvGrpSpPr>
+      <p:grpSpPr>
+        <a:xfrm>
+          <a:off x="0" y="0"/>
+          <a:ext cx="0" cy="0"/>
+          <a:chOff x="0" y="0"/>
+          <a:chExt cx="0" cy="0"/>
+        </a:xfrm>
+      </p:grpSpPr>
+      <p:sp>
+        <p:nvSpPr>
+          <p:cNvPr id="2" name="標題 1"/>
+          <p:cNvSpPr>
+            <a:spLocks noGrp="1"/>
+          </p:cNvSpPr>
+          <p:nvPr>
+            <p:ph type="title"/>
+          </p:nvPr>
+        </p:nvSpPr>
+        <p:spPr>
+          <a:xfrm>
+            <a:off x="2389717" y="4800600"/>
+            <a:ext cx="7315200" cy="566738"/>
+          </a:xfrm>
+        </p:spPr>
+        <p:txBody>
+          <a:bodyPr anchor="b"/>
+          <a:lstStyle>
+            <a:lvl1pPr algn="l">
+              <a:defRPr sz="2000" b="1"/>
+            </a:lvl1pPr>
+          </a:lstStyle>
+          <a:p>
+            <a:r>
+              <a:rPr lang="zh-TW" altLang="en-US" smtClean="0"/>
+              <a:t>按一下以編輯母片標題樣式</a:t>
+            </a:r>
+            <a:endParaRPr lang="zh-TW" altLang="en-US"/>
+          </a:p>
+        </p:txBody>
+      </p:sp>
+      <p:sp>
+        <p:nvSpPr>
+          <p:cNvPr id="3" name="圖片版面配置區 2"/>
+          <p:cNvSpPr>
+            <a:spLocks noGrp="1"/>
+          </p:cNvSpPr>
+          <p:nvPr>
+            <p:ph type="pic" idx="1"/>
+          </p:nvPr>
+        </p:nvSpPr>
+        <p:spPr>
+          <a:xfrm>
+            <a:off x="2389717" y="612775"/>
+            <a:ext cx="7315200" cy="4114800"/>
+          </a:xfrm>
+        </p:spPr>
+        <p:txBody>
+          <a:bodyPr/>
+          <a:lstStyle>
+            <a:lvl1pPr marL="0" indent="0">
+              <a:buNone/>
+              <a:defRPr sz="3200"/>
+            </a:lvl1pPr>
+            <a:lvl2pPr marL="457200" indent="0">
+              <a:buNone/>
+              <a:defRPr sz="2800"/>
+            </a:lvl2pPr>
+            <a:lvl3pPr marL="914400" indent="0">
+              <a:buNone/>
+              <a:defRPr sz="2400"/>
+            </a:lvl3pPr>
+            <a:lvl4pPr marL="1371600" indent="0">
+              <a:buNone/>
+              <a:defRPr sz="2000"/>
+            </a:lvl4pPr>
+            <a:lvl5pPr marL="1828800" indent="0">
+              <a:buNone/>
+              <a:defRPr sz="2000"/>
+            </a:lvl5pPr>
+            <a:lvl6pPr marL="2286000" indent="0">
+              <a:buNone/>
+              <a:defRPr sz="2000"/>
+            </a:lvl6pPr>
+            <a:lvl7pPr marL="2743200" indent="0">
+              <a:buNone/>
+              <a:defRPr sz="2000"/>
+            </a:lvl7pPr>
+            <a:lvl8pPr marL="3200400" indent="0">
+              <a:buNone/>
+              <a:defRPr sz="2000"/>
+            </a:lvl8pPr>
+            <a:lvl9pPr marL="3657600" indent="0">
+              <a:buNone/>
+              <a:defRPr sz="2000"/>
+            </a:lvl9pPr>
+          </a:lstStyle>
+          <a:p>
+            <a:r>
+              <a:rPr lang="zh-TW" altLang="en-US" smtClean="0"/>
+              <a:t>按一下圖示以新增圖片</a:t>
+            </a:r>
+            <a:endParaRPr lang="zh-TW" altLang="en-US"/>
+          </a:p>
+        </p:txBody>
+      </p:sp>
+      <p:sp>
+        <p:nvSpPr>
+          <p:cNvPr id="4" name="文字版面配置區 3"/>
+          <p:cNvSpPr>
+            <a:spLocks noGrp="1"/>
+          </p:cNvSpPr>
+          <p:nvPr>
+            <p:ph type="body" sz="half" idx="2"/>
+          </p:nvPr>
+        </p:nvSpPr>
+        <p:spPr>
+          <a:xfrm>
+            <a:off x="2389717" y="5367338"/>
+            <a:ext cx="7315200" cy="804862"/>
+          </a:xfrm>
+        </p:spPr>
+        <p:txBody>
+          <a:bodyPr/>
+          <a:lstStyle>
+            <a:lvl1pPr marL="0" indent="0">
+              <a:buNone/>
+              <a:defRPr sz="1400"/>
+            </a:lvl1pPr>
+            <a:lvl2pPr marL="457200" indent="0">
+              <a:buNone/>
+              <a:defRPr sz="1200"/>
+            </a:lvl2pPr>
+            <a:lvl3pPr marL="914400" indent="0">
+              <a:buNone/>
+              <a:defRPr sz="1000"/>
+            </a:lvl3pPr>
+            <a:lvl4pPr marL="1371600" indent="0">
+              <a:buNone/>
+              <a:defRPr sz="900"/>
+            </a:lvl4pPr>
+            <a:lvl5pPr marL="1828800" indent="0">
+              <a:buNone/>
+              <a:defRPr sz="900"/>
+            </a:lvl5pPr>
+            <a:lvl6pPr marL="2286000" indent="0">
+              <a:buNone/>
+              <a:defRPr sz="900"/>
+            </a:lvl6pPr>
+            <a:lvl7pPr marL="2743200" indent="0">
+              <a:buNone/>
+              <a:defRPr sz="900"/>
+            </a:lvl7pPr>
+            <a:lvl8pPr marL="3200400" indent="0">
+              <a:buNone/>
+              <a:defRPr sz="900"/>
+            </a:lvl8pPr>
+            <a:lvl9pPr marL="3657600" indent="0">
+              <a:buNone/>
+              <a:defRPr sz="900"/>
+            </a:lvl9pPr>
+          </a:lstStyle>
+          <a:p>
+            <a:pPr lvl="0"/>
+            <a:r>
+              <a:rPr lang="zh-TW" altLang="en-US" smtClean="0"/>
+              <a:t>按一下以編輯母片文字樣式</a:t>
+            </a:r>
+          </a:p>
+        </p:txBody>
+      </p:sp>
+      <p:sp>
+        <p:nvSpPr>
+          <p:cNvPr id="5" name="日期版面配置區 4"/>
+          <p:cNvSpPr>
+            <a:spLocks noGrp="1"/>
+          </p:cNvSpPr>
+          <p:nvPr>
+            <p:ph type="dt" sz="half" idx="10"/>
+          </p:nvPr>
+        </p:nvSpPr>
+        <p:spPr/>
+        <p:txBody>
+          <a:bodyPr/>
+          <a:lstStyle/>
+          <a:p>
+            <a:fld id="{84F2C051-AA91-4AE7-9172-015E1D31CFD1}" type="datetimeFigureOut">
+              <a:rPr lang="zh-TW" altLang="en-US" smtClean="0"/>
+              <a:pPr/>
+              <a:t>2020/10/25</a:t>
+            </a:fld>
+            <a:endParaRPr lang="zh-TW" altLang="en-US"/>
+          </a:p>
+        </p:txBody>
+      </p:sp>
+      <p:sp>
+        <p:nvSpPr>
+          <p:cNvPr id="6" name="頁尾版面配置區 5"/>
+          <p:cNvSpPr>
+            <a:spLocks noGrp="1"/>
+          </p:cNvSpPr>
+          <p:nvPr>
+            <p:ph type="ftr" sz="quarter" idx="11"/>
+          </p:nvPr>
+        </p:nvSpPr>
+        <p:spPr/>
+        <p:txBody>
+          <a:bodyPr/>
+          <a:lstStyle/>
+          <a:p>
+            <a:endParaRPr lang="zh-TW" altLang="en-US"/>
+          </a:p>
+        </p:txBody>
+      </p:sp>
+      <p:sp>
+        <p:nvSpPr>
+          <p:cNvPr id="7" name="投影片編號版面配置區 6"/>
+          <p:cNvSpPr>
+            <a:spLocks noGrp="1"/>
+          </p:cNvSpPr>
+          <p:nvPr>
+            <p:ph type="sldNum" sz="quarter" idx="12"/>
+          </p:nvPr>
+        </p:nvSpPr>
+        <p:spPr/>
+        <p:txBody>
+          <a:bodyPr/>
+          <a:lstStyle/>
+          <a:p>
+            <a:fld id="{E9745DD1-95DC-4C32-B1A0-3F7D8B7C757D}" type="slidenum">
+              <a:rPr lang="zh-TW" altLang="en-US" smtClean="0"/>
+              <a:pPr/>
+              <a:t>‹#›</a:t>
+            </a:fld>
+            <a:endParaRPr lang="zh-TW" altLang="en-US"/>
+          </a:p>
+        </p:txBody>
+      </p:sp>
+    </p:spTree>
+  </p:cSld>
+  <p:clrMapOvr>
+    <a:masterClrMapping/>
+  </p:clrMapOvr>
+</p:sldLayout>
+</file>
+
+<file path=ppt/slideLayouts/slideLayout21.xml><?xml version="1.0" encoding="utf-8"?>
+<p:sldLayout xmlns:a="http://schemas.openxmlformats.org/drawingml/2006/main" xmlns:r="http://schemas.openxmlformats.org/officeDocument/2006/relationships" xmlns:p="http://schemas.openxmlformats.org/presentationml/2006/main" type="vertTx" preserve="1">
+  <p:cSld name="標題及直排文字">
+    <p:spTree>
+      <p:nvGrpSpPr>
+        <p:cNvPr id="1" name=""/>
+        <p:cNvGrpSpPr/>
+        <p:nvPr/>
+      </p:nvGrpSpPr>
+      <p:grpSpPr>
+        <a:xfrm>
+          <a:off x="0" y="0"/>
+          <a:ext cx="0" cy="0"/>
+          <a:chOff x="0" y="0"/>
+          <a:chExt cx="0" cy="0"/>
+        </a:xfrm>
+      </p:grpSpPr>
+      <p:sp>
+        <p:nvSpPr>
+          <p:cNvPr id="2" name="標題 1"/>
+          <p:cNvSpPr>
+            <a:spLocks noGrp="1"/>
+          </p:cNvSpPr>
+          <p:nvPr>
+            <p:ph type="title"/>
+          </p:nvPr>
+        </p:nvSpPr>
+        <p:spPr/>
+        <p:txBody>
+          <a:bodyPr/>
+          <a:lstStyle/>
+          <a:p>
+            <a:r>
+              <a:rPr lang="zh-TW" altLang="en-US" smtClean="0"/>
+              <a:t>按一下以編輯母片標題樣式</a:t>
+            </a:r>
+            <a:endParaRPr lang="zh-TW" altLang="en-US"/>
+          </a:p>
+        </p:txBody>
+      </p:sp>
+      <p:sp>
+        <p:nvSpPr>
+          <p:cNvPr id="3" name="直排文字版面配置區 2"/>
+          <p:cNvSpPr>
+            <a:spLocks noGrp="1"/>
+          </p:cNvSpPr>
+          <p:nvPr>
+            <p:ph type="body" orient="vert" idx="1"/>
+          </p:nvPr>
+        </p:nvSpPr>
+        <p:spPr/>
+        <p:txBody>
+          <a:bodyPr vert="eaVert"/>
+          <a:lstStyle/>
+          <a:p>
+            <a:pPr lvl="0"/>
+            <a:r>
+              <a:rPr lang="zh-TW" altLang="en-US" smtClean="0"/>
+              <a:t>按一下以編輯母片文字樣式</a:t>
+            </a:r>
+          </a:p>
+          <a:p>
+            <a:pPr lvl="1"/>
+            <a:r>
+              <a:rPr lang="zh-TW" altLang="en-US" smtClean="0"/>
+              <a:t>第二層</a:t>
+            </a:r>
+          </a:p>
+          <a:p>
+            <a:pPr lvl="2"/>
+            <a:r>
+              <a:rPr lang="zh-TW" altLang="en-US" smtClean="0"/>
+              <a:t>第三層</a:t>
+            </a:r>
+          </a:p>
+          <a:p>
+            <a:pPr lvl="3"/>
+            <a:r>
+              <a:rPr lang="zh-TW" altLang="en-US" smtClean="0"/>
+              <a:t>第四層</a:t>
+            </a:r>
+          </a:p>
+          <a:p>
+            <a:pPr lvl="4"/>
+            <a:r>
+              <a:rPr lang="zh-TW" altLang="en-US" smtClean="0"/>
+              <a:t>第五層</a:t>
+            </a:r>
+            <a:endParaRPr lang="zh-TW" altLang="en-US"/>
+          </a:p>
+        </p:txBody>
+      </p:sp>
+      <p:sp>
+        <p:nvSpPr>
+          <p:cNvPr id="4" name="日期版面配置區 3"/>
+          <p:cNvSpPr>
+            <a:spLocks noGrp="1"/>
+          </p:cNvSpPr>
+          <p:nvPr>
+            <p:ph type="dt" sz="half" idx="10"/>
+          </p:nvPr>
+        </p:nvSpPr>
+        <p:spPr/>
+        <p:txBody>
+          <a:bodyPr/>
+          <a:lstStyle/>
+          <a:p>
+            <a:fld id="{84F2C051-AA91-4AE7-9172-015E1D31CFD1}" type="datetimeFigureOut">
+              <a:rPr lang="zh-TW" altLang="en-US" smtClean="0"/>
+              <a:pPr/>
+              <a:t>2020/10/25</a:t>
+            </a:fld>
+            <a:endParaRPr lang="zh-TW" altLang="en-US"/>
+          </a:p>
+        </p:txBody>
+      </p:sp>
+      <p:sp>
+        <p:nvSpPr>
+          <p:cNvPr id="5" name="頁尾版面配置區 4"/>
+          <p:cNvSpPr>
+            <a:spLocks noGrp="1"/>
+          </p:cNvSpPr>
+          <p:nvPr>
+            <p:ph type="ftr" sz="quarter" idx="11"/>
+          </p:nvPr>
+        </p:nvSpPr>
+        <p:spPr/>
+        <p:txBody>
+          <a:bodyPr/>
+          <a:lstStyle/>
+          <a:p>
+            <a:endParaRPr lang="zh-TW" altLang="en-US"/>
+          </a:p>
+        </p:txBody>
+      </p:sp>
+      <p:sp>
+        <p:nvSpPr>
+          <p:cNvPr id="6" name="投影片編號版面配置區 5"/>
+          <p:cNvSpPr>
+            <a:spLocks noGrp="1"/>
+          </p:cNvSpPr>
+          <p:nvPr>
+            <p:ph type="sldNum" sz="quarter" idx="12"/>
+          </p:nvPr>
+        </p:nvSpPr>
+        <p:spPr/>
+        <p:txBody>
+          <a:bodyPr/>
+          <a:lstStyle/>
+          <a:p>
+            <a:fld id="{E9745DD1-95DC-4C32-B1A0-3F7D8B7C757D}" type="slidenum">
+              <a:rPr lang="zh-TW" altLang="en-US" smtClean="0"/>
+              <a:pPr/>
+              <a:t>‹#›</a:t>
+            </a:fld>
+            <a:endParaRPr lang="zh-TW" altLang="en-US"/>
+          </a:p>
+        </p:txBody>
+      </p:sp>
+    </p:spTree>
+  </p:cSld>
+  <p:clrMapOvr>
+    <a:masterClrMapping/>
+  </p:clrMapOvr>
+</p:sldLayout>
+</file>
+
+<file path=ppt/slideLayouts/slideLayout22.xml><?xml version="1.0" encoding="utf-8"?>
+<p:sldLayout xmlns:a="http://schemas.openxmlformats.org/drawingml/2006/main" xmlns:r="http://schemas.openxmlformats.org/officeDocument/2006/relationships" xmlns:p="http://schemas.openxmlformats.org/presentationml/2006/main" type="vertTitleAndTx" preserve="1">
+  <p:cSld name="直排標題及文字">
+    <p:spTree>
+      <p:nvGrpSpPr>
+        <p:cNvPr id="1" name=""/>
+        <p:cNvGrpSpPr/>
+        <p:nvPr/>
+      </p:nvGrpSpPr>
+      <p:grpSpPr>
+        <a:xfrm>
+          <a:off x="0" y="0"/>
+          <a:ext cx="0" cy="0"/>
+          <a:chOff x="0" y="0"/>
+          <a:chExt cx="0" cy="0"/>
+        </a:xfrm>
+      </p:grpSpPr>
+      <p:sp>
+        <p:nvSpPr>
+          <p:cNvPr id="2" name="直排標題 1"/>
+          <p:cNvSpPr>
+            <a:spLocks noGrp="1"/>
+          </p:cNvSpPr>
+          <p:nvPr>
+            <p:ph type="title" orient="vert"/>
+          </p:nvPr>
+        </p:nvSpPr>
+        <p:spPr>
+          <a:xfrm>
+            <a:off x="8839200" y="274639"/>
+            <a:ext cx="2743200" cy="5851525"/>
+          </a:xfrm>
+        </p:spPr>
+        <p:txBody>
+          <a:bodyPr vert="eaVert"/>
+          <a:lstStyle/>
+          <a:p>
+            <a:r>
+              <a:rPr lang="zh-TW" altLang="en-US" smtClean="0"/>
+              <a:t>按一下以編輯母片標題樣式</a:t>
+            </a:r>
+            <a:endParaRPr lang="zh-TW" altLang="en-US"/>
+          </a:p>
+        </p:txBody>
+      </p:sp>
+      <p:sp>
+        <p:nvSpPr>
+          <p:cNvPr id="3" name="直排文字版面配置區 2"/>
+          <p:cNvSpPr>
+            <a:spLocks noGrp="1"/>
+          </p:cNvSpPr>
+          <p:nvPr>
+            <p:ph type="body" orient="vert" idx="1"/>
+          </p:nvPr>
+        </p:nvSpPr>
+        <p:spPr>
+          <a:xfrm>
+            <a:off x="609600" y="274639"/>
+            <a:ext cx="8026400" cy="5851525"/>
+          </a:xfrm>
+        </p:spPr>
+        <p:txBody>
+          <a:bodyPr vert="eaVert"/>
+          <a:lstStyle/>
+          <a:p>
+            <a:pPr lvl="0"/>
+            <a:r>
+              <a:rPr lang="zh-TW" altLang="en-US" smtClean="0"/>
+              <a:t>按一下以編輯母片文字樣式</a:t>
+            </a:r>
+          </a:p>
+          <a:p>
+            <a:pPr lvl="1"/>
+            <a:r>
+              <a:rPr lang="zh-TW" altLang="en-US" smtClean="0"/>
+              <a:t>第二層</a:t>
+            </a:r>
+          </a:p>
+          <a:p>
+            <a:pPr lvl="2"/>
+            <a:r>
+              <a:rPr lang="zh-TW" altLang="en-US" smtClean="0"/>
+              <a:t>第三層</a:t>
+            </a:r>
+          </a:p>
+          <a:p>
+            <a:pPr lvl="3"/>
+            <a:r>
+              <a:rPr lang="zh-TW" altLang="en-US" smtClean="0"/>
+              <a:t>第四層</a:t>
+            </a:r>
+          </a:p>
+          <a:p>
+            <a:pPr lvl="4"/>
+            <a:r>
+              <a:rPr lang="zh-TW" altLang="en-US" smtClean="0"/>
+              <a:t>第五層</a:t>
+            </a:r>
+            <a:endParaRPr lang="zh-TW" altLang="en-US"/>
+          </a:p>
+        </p:txBody>
+      </p:sp>
+      <p:sp>
+        <p:nvSpPr>
+          <p:cNvPr id="4" name="日期版面配置區 3"/>
+          <p:cNvSpPr>
+            <a:spLocks noGrp="1"/>
+          </p:cNvSpPr>
+          <p:nvPr>
+            <p:ph type="dt" sz="half" idx="10"/>
+          </p:nvPr>
+        </p:nvSpPr>
+        <p:spPr/>
+        <p:txBody>
+          <a:bodyPr/>
+          <a:lstStyle/>
+          <a:p>
+            <a:fld id="{84F2C051-AA91-4AE7-9172-015E1D31CFD1}" type="datetimeFigureOut">
+              <a:rPr lang="zh-TW" altLang="en-US" smtClean="0"/>
+              <a:pPr/>
+              <a:t>2020/10/25</a:t>
+            </a:fld>
+            <a:endParaRPr lang="zh-TW" altLang="en-US"/>
+          </a:p>
+        </p:txBody>
+      </p:sp>
+      <p:sp>
+        <p:nvSpPr>
+          <p:cNvPr id="5" name="頁尾版面配置區 4"/>
+          <p:cNvSpPr>
+            <a:spLocks noGrp="1"/>
+          </p:cNvSpPr>
+          <p:nvPr>
+            <p:ph type="ftr" sz="quarter" idx="11"/>
+          </p:nvPr>
+        </p:nvSpPr>
+        <p:spPr/>
+        <p:txBody>
+          <a:bodyPr/>
+          <a:lstStyle/>
+          <a:p>
+            <a:endParaRPr lang="zh-TW" altLang="en-US"/>
+          </a:p>
+        </p:txBody>
+      </p:sp>
+      <p:sp>
+        <p:nvSpPr>
+          <p:cNvPr id="6" name="投影片編號版面配置區 5"/>
+          <p:cNvSpPr>
+            <a:spLocks noGrp="1"/>
+          </p:cNvSpPr>
+          <p:nvPr>
+            <p:ph type="sldNum" sz="quarter" idx="12"/>
+          </p:nvPr>
+        </p:nvSpPr>
+        <p:spPr/>
+        <p:txBody>
+          <a:bodyPr/>
+          <a:lstStyle/>
+          <a:p>
+            <a:fld id="{E9745DD1-95DC-4C32-B1A0-3F7D8B7C757D}" type="slidenum">
+              <a:rPr lang="zh-TW" altLang="en-US" smtClean="0"/>
+              <a:pPr/>
+              <a:t>‹#›</a:t>
+            </a:fld>
+            <a:endParaRPr lang="zh-TW" altLang="en-US"/>
+          </a:p>
+        </p:txBody>
+      </p:sp>
+    </p:spTree>
+  </p:cSld>
+  <p:clrMapOvr>
+    <a:masterClrMapping/>
+  </p:clrMapOvr>
+</p:sldLayout>
+</file>
+
+<file path=ppt/slideLayouts/slideLayout3.xml><?xml version="1.0" encoding="utf-8"?>
+<p:sldLayout xmlns:a="http://schemas.openxmlformats.org/drawingml/2006/main" xmlns:r="http://schemas.openxmlformats.org/officeDocument/2006/relationships" xmlns:p="http://schemas.openxmlformats.org/presentationml/2006/main" type="secHead" preserve="1">
+  <p:cSld name="章節標題">
+    <p:spTree>
+      <p:nvGrpSpPr>
+        <p:cNvPr id="1" name=""/>
+        <p:cNvGrpSpPr/>
+        <p:nvPr/>
+      </p:nvGrpSpPr>
+      <p:grpSpPr>
+        <a:xfrm>
+          <a:off x="0" y="0"/>
+          <a:ext cx="0" cy="0"/>
+          <a:chOff x="0" y="0"/>
+          <a:chExt cx="0" cy="0"/>
+        </a:xfrm>
+      </p:grpSpPr>
+      <p:sp>
+        <p:nvSpPr>
+          <p:cNvPr id="2" name="標題 1"/>
+          <p:cNvSpPr>
+            <a:spLocks noGrp="1"/>
+          </p:cNvSpPr>
+          <p:nvPr>
+            <p:ph type="title"/>
+          </p:nvPr>
+        </p:nvSpPr>
+        <p:spPr>
+          <a:xfrm>
+            <a:off x="963084" y="4406901"/>
+            <a:ext cx="10363200" cy="1362075"/>
+          </a:xfrm>
+        </p:spPr>
+        <p:txBody>
+          <a:bodyPr anchor="t"/>
+          <a:lstStyle>
+            <a:lvl1pPr algn="l">
+              <a:defRPr sz="4000" b="1" cap="all"/>
+            </a:lvl1pPr>
+          </a:lstStyle>
+          <a:p>
+            <a:r>
+              <a:rPr lang="zh-TW" altLang="en-US" smtClean="0"/>
+              <a:t>按一下以編輯母片標題樣式</a:t>
+            </a:r>
+            <a:endParaRPr lang="zh-TW" altLang="en-US"/>
+          </a:p>
+        </p:txBody>
+      </p:sp>
+      <p:sp>
+        <p:nvSpPr>
+          <p:cNvPr id="3" name="文字版面配置區 2"/>
+          <p:cNvSpPr>
+            <a:spLocks noGrp="1"/>
+          </p:cNvSpPr>
+          <p:nvPr>
+            <p:ph type="body" idx="1"/>
+          </p:nvPr>
+        </p:nvSpPr>
+        <p:spPr>
+          <a:xfrm>
+            <a:off x="963084" y="2906713"/>
+            <a:ext cx="10363200" cy="1500187"/>
+          </a:xfrm>
+        </p:spPr>
+        <p:txBody>
+          <a:bodyPr anchor="b"/>
+          <a:lstStyle>
+            <a:lvl1pPr marL="0" indent="0">
+              <a:buNone/>
+              <a:defRPr sz="2000">
+                <a:solidFill>
+                  <a:schemeClr val="tx1">
+                    <a:tint val="75000"/>
+                  </a:schemeClr>
+                </a:solidFill>
+              </a:defRPr>
+            </a:lvl1pPr>
+            <a:lvl2pPr marL="457200" indent="0">
+              <a:buNone/>
+              <a:defRPr sz="1800">
+                <a:solidFill>
+                  <a:schemeClr val="tx1">
+                    <a:tint val="75000"/>
+                  </a:schemeClr>
+                </a:solidFill>
+              </a:defRPr>
+            </a:lvl2pPr>
+            <a:lvl3pPr marL="914400" indent="0">
+              <a:buNone/>
+              <a:defRPr sz="1600">
+                <a:solidFill>
+                  <a:schemeClr val="tx1">
+                    <a:tint val="75000"/>
+                  </a:schemeClr>
+                </a:solidFill>
+              </a:defRPr>
+            </a:lvl3pPr>
+            <a:lvl4pPr marL="1371600" indent="0">
+              <a:buNone/>
+              <a:defRPr sz="1400">
+                <a:solidFill>
+                  <a:schemeClr val="tx1">
+                    <a:tint val="75000"/>
+                  </a:schemeClr>
+                </a:solidFill>
+              </a:defRPr>
+            </a:lvl4pPr>
+            <a:lvl5pPr marL="1828800" indent="0">
+              <a:buNone/>
+              <a:defRPr sz="1400">
+                <a:solidFill>
+                  <a:schemeClr val="tx1">
+                    <a:tint val="75000"/>
+                  </a:schemeClr>
+                </a:solidFill>
+              </a:defRPr>
+            </a:lvl5pPr>
+            <a:lvl6pPr marL="2286000" indent="0">
+              <a:buNone/>
+              <a:defRPr sz="1400">
+                <a:solidFill>
+                  <a:schemeClr val="tx1">
+                    <a:tint val="75000"/>
+                  </a:schemeClr>
+                </a:solidFill>
+              </a:defRPr>
+            </a:lvl6pPr>
+            <a:lvl7pPr marL="2743200" indent="0">
+              <a:buNone/>
+              <a:defRPr sz="1400">
+                <a:solidFill>
+                  <a:schemeClr val="tx1">
+                    <a:tint val="75000"/>
+                  </a:schemeClr>
+                </a:solidFill>
+              </a:defRPr>
+            </a:lvl7pPr>
+            <a:lvl8pPr marL="3200400" indent="0">
+              <a:buNone/>
+              <a:defRPr sz="1400">
+                <a:solidFill>
+                  <a:schemeClr val="tx1">
+                    <a:tint val="75000"/>
+                  </a:schemeClr>
+                </a:solidFill>
+              </a:defRPr>
+            </a:lvl8pPr>
+            <a:lvl9pPr marL="3657600" indent="0">
+              <a:buNone/>
+              <a:defRPr sz="1400">
+                <a:solidFill>
+                  <a:schemeClr val="tx1">
+                    <a:tint val="75000"/>
+                  </a:schemeClr>
+                </a:solidFill>
+              </a:defRPr>
+            </a:lvl9pPr>
+          </a:lstStyle>
+          <a:p>
+            <a:pPr lvl="0"/>
+            <a:r>
+              <a:rPr lang="zh-TW" altLang="en-US" smtClean="0"/>
+              <a:t>按一下以編輯母片文字樣式</a:t>
+            </a:r>
+          </a:p>
+        </p:txBody>
+      </p:sp>
+      <p:sp>
+        <p:nvSpPr>
+          <p:cNvPr id="4" name="日期版面配置區 3"/>
+          <p:cNvSpPr>
+            <a:spLocks noGrp="1"/>
+          </p:cNvSpPr>
+          <p:nvPr>
+            <p:ph type="dt" sz="half" idx="10"/>
+          </p:nvPr>
+        </p:nvSpPr>
+        <p:spPr/>
+        <p:txBody>
+          <a:bodyPr/>
+          <a:lstStyle/>
+          <a:p>
+            <a:fld id="{84F2C051-AA91-4AE7-9172-015E1D31CFD1}" type="datetimeFigureOut">
+              <a:rPr lang="zh-TW" altLang="en-US" smtClean="0"/>
+              <a:pPr/>
+              <a:t>2020/10/25</a:t>
+            </a:fld>
+            <a:endParaRPr lang="zh-TW" altLang="en-US"/>
+          </a:p>
+        </p:txBody>
+      </p:sp>
+      <p:sp>
+        <p:nvSpPr>
+          <p:cNvPr id="5" name="頁尾版面配置區 4"/>
+          <p:cNvSpPr>
+            <a:spLocks noGrp="1"/>
+          </p:cNvSpPr>
+          <p:nvPr>
+            <p:ph type="ftr" sz="quarter" idx="11"/>
+          </p:nvPr>
+        </p:nvSpPr>
+        <p:spPr/>
+        <p:txBody>
+          <a:bodyPr/>
+          <a:lstStyle/>
+          <a:p>
+            <a:endParaRPr lang="zh-TW" altLang="en-US"/>
+          </a:p>
+        </p:txBody>
+      </p:sp>
+      <p:sp>
+        <p:nvSpPr>
+          <p:cNvPr id="6" name="投影片編號版面配置區 5"/>
+          <p:cNvSpPr>
+            <a:spLocks noGrp="1"/>
+          </p:cNvSpPr>
+          <p:nvPr>
+            <p:ph type="sldNum" sz="quarter" idx="12"/>
+          </p:nvPr>
+        </p:nvSpPr>
+        <p:spPr/>
+        <p:txBody>
+          <a:bodyPr/>
+          <a:lstStyle/>
+          <a:p>
+            <a:fld id="{E9745DD1-95DC-4C32-B1A0-3F7D8B7C757D}" type="slidenum">
+              <a:rPr lang="zh-TW" altLang="en-US" smtClean="0"/>
+              <a:pPr/>
+              <a:t>‹#›</a:t>
+            </a:fld>
+            <a:endParaRPr lang="zh-TW" altLang="en-US"/>
+          </a:p>
+        </p:txBody>
+      </p:sp>
+    </p:spTree>
+    <p:extLst>
+      <p:ext uri="{BB962C8B-B14F-4D97-AF65-F5344CB8AC3E}">
+        <p14:creationId xmlns:p14="http://schemas.microsoft.com/office/powerpoint/2010/main" xmlns="" val="2151624710"/>
+      </p:ext>
+    </p:extLst>
+  </p:cSld>
+  <p:clrMapOvr>
+    <a:masterClrMapping/>
+  </p:clrMapOvr>
+</p:sldLayout>
+</file>
+
+<file path=ppt/slideLayouts/slideLayout4.xml><?xml version="1.0" encoding="utf-8"?>
+<p:sldLayout xmlns:a="http://schemas.openxmlformats.org/drawingml/2006/main" xmlns:r="http://schemas.openxmlformats.org/officeDocument/2006/relationships" xmlns:p="http://schemas.openxmlformats.org/presentationml/2006/main" type="twoObj" preserve="1">
+  <p:cSld name="兩項物件">
+    <p:spTree>
+      <p:nvGrpSpPr>
+        <p:cNvPr id="1" name=""/>
+        <p:cNvGrpSpPr/>
+        <p:nvPr/>
+      </p:nvGrpSpPr>
+      <p:grpSpPr>
+        <a:xfrm>
+          <a:off x="0" y="0"/>
+          <a:ext cx="0" cy="0"/>
+          <a:chOff x="0" y="0"/>
+          <a:chExt cx="0" cy="0"/>
+        </a:xfrm>
+      </p:grpSpPr>
+      <p:sp>
+        <p:nvSpPr>
+          <p:cNvPr id="2" name="標題 1"/>
+          <p:cNvSpPr>
+            <a:spLocks noGrp="1"/>
+          </p:cNvSpPr>
+          <p:nvPr>
+            <p:ph type="title"/>
+          </p:nvPr>
+        </p:nvSpPr>
+        <p:spPr/>
+        <p:txBody>
+          <a:bodyPr/>
+          <a:lstStyle/>
+          <a:p>
+            <a:r>
+              <a:rPr lang="zh-TW" altLang="en-US" smtClean="0"/>
+              <a:t>按一下以編輯母片標題樣式</a:t>
+            </a:r>
+            <a:endParaRPr lang="zh-TW" altLang="en-US"/>
+          </a:p>
+        </p:txBody>
+      </p:sp>
+      <p:sp>
+        <p:nvSpPr>
+          <p:cNvPr id="3" name="內容版面配置區 2"/>
+          <p:cNvSpPr>
+            <a:spLocks noGrp="1"/>
+          </p:cNvSpPr>
+          <p:nvPr>
+            <p:ph sz="half" idx="1"/>
+          </p:nvPr>
+        </p:nvSpPr>
+        <p:spPr>
+          <a:xfrm>
+            <a:off x="609600" y="1600201"/>
+            <a:ext cx="5384800" cy="4525963"/>
+          </a:xfrm>
+        </p:spPr>
+        <p:txBody>
+          <a:bodyPr/>
+          <a:lstStyle>
+            <a:lvl1pPr>
+              <a:defRPr sz="2800"/>
+            </a:lvl1pPr>
+            <a:lvl2pPr>
+              <a:defRPr sz="2400"/>
+            </a:lvl2pPr>
+            <a:lvl3pPr>
+              <a:defRPr sz="2000"/>
+            </a:lvl3pPr>
+            <a:lvl4pPr>
+              <a:defRPr sz="1800"/>
+            </a:lvl4pPr>
+            <a:lvl5pPr>
+              <a:defRPr sz="1800"/>
+            </a:lvl5pPr>
+            <a:lvl6pPr>
+              <a:defRPr sz="1800"/>
+            </a:lvl6pPr>
+            <a:lvl7pPr>
+              <a:defRPr sz="1800"/>
+            </a:lvl7pPr>
+            <a:lvl8pPr>
+              <a:defRPr sz="1800"/>
+            </a:lvl8pPr>
+            <a:lvl9pPr>
+              <a:defRPr sz="1800"/>
+            </a:lvl9pPr>
+          </a:lstStyle>
+          <a:p>
+            <a:pPr lvl="0"/>
+            <a:r>
+              <a:rPr lang="zh-TW" altLang="en-US" smtClean="0"/>
+              <a:t>按一下以編輯母片文字樣式</a:t>
+            </a:r>
+          </a:p>
+          <a:p>
+            <a:pPr lvl="1"/>
+            <a:r>
+              <a:rPr lang="zh-TW" altLang="en-US" smtClean="0"/>
+              <a:t>第二層</a:t>
+            </a:r>
+          </a:p>
+          <a:p>
+            <a:pPr lvl="2"/>
+            <a:r>
+              <a:rPr lang="zh-TW" altLang="en-US" smtClean="0"/>
+              <a:t>第三層</a:t>
+            </a:r>
+          </a:p>
+          <a:p>
+            <a:pPr lvl="3"/>
+            <a:r>
+              <a:rPr lang="zh-TW" altLang="en-US" smtClean="0"/>
+              <a:t>第四層</a:t>
+            </a:r>
+          </a:p>
+          <a:p>
+            <a:pPr lvl="4"/>
+            <a:r>
+              <a:rPr lang="zh-TW" altLang="en-US" smtClean="0"/>
+              <a:t>第五層</a:t>
+            </a:r>
+            <a:endParaRPr lang="zh-TW" altLang="en-US"/>
+          </a:p>
+        </p:txBody>
+      </p:sp>
+      <p:sp>
+        <p:nvSpPr>
+          <p:cNvPr id="4" name="內容版面配置區 3"/>
+          <p:cNvSpPr>
+            <a:spLocks noGrp="1"/>
+          </p:cNvSpPr>
+          <p:nvPr>
+            <p:ph sz="half" idx="2"/>
+          </p:nvPr>
+        </p:nvSpPr>
+        <p:spPr>
+          <a:xfrm>
+            <a:off x="6197600" y="1600201"/>
+            <a:ext cx="5384800" cy="4525963"/>
+          </a:xfrm>
+        </p:spPr>
+        <p:txBody>
+          <a:bodyPr/>
+          <a:lstStyle>
+            <a:lvl1pPr>
+              <a:defRPr sz="2800"/>
+            </a:lvl1pPr>
+            <a:lvl2pPr>
+              <a:defRPr sz="2400"/>
+            </a:lvl2pPr>
+            <a:lvl3pPr>
+              <a:defRPr sz="2000"/>
+            </a:lvl3pPr>
+            <a:lvl4pPr>
+              <a:defRPr sz="1800"/>
+            </a:lvl4pPr>
+            <a:lvl5pPr>
+              <a:defRPr sz="1800"/>
+            </a:lvl5pPr>
+            <a:lvl6pPr>
+              <a:defRPr sz="1800"/>
+            </a:lvl6pPr>
+            <a:lvl7pPr>
+              <a:defRPr sz="1800"/>
+            </a:lvl7pPr>
+            <a:lvl8pPr>
+              <a:defRPr sz="1800"/>
+            </a:lvl8pPr>
+            <a:lvl9pPr>
+              <a:defRPr sz="1800"/>
+            </a:lvl9pPr>
+          </a:lstStyle>
+          <a:p>
+            <a:pPr lvl="0"/>
+            <a:r>
+              <a:rPr lang="zh-TW" altLang="en-US" smtClean="0"/>
+              <a:t>按一下以編輯母片文字樣式</a:t>
+            </a:r>
+          </a:p>
+          <a:p>
+            <a:pPr lvl="1"/>
+            <a:r>
+              <a:rPr lang="zh-TW" altLang="en-US" smtClean="0"/>
+              <a:t>第二層</a:t>
+            </a:r>
+          </a:p>
+          <a:p>
+            <a:pPr lvl="2"/>
+            <a:r>
+              <a:rPr lang="zh-TW" altLang="en-US" smtClean="0"/>
+              <a:t>第三層</a:t>
+            </a:r>
+          </a:p>
+          <a:p>
+            <a:pPr lvl="3"/>
+            <a:r>
+              <a:rPr lang="zh-TW" altLang="en-US" smtClean="0"/>
+              <a:t>第四層</a:t>
+            </a:r>
+          </a:p>
+          <a:p>
+            <a:pPr lvl="4"/>
+            <a:r>
+              <a:rPr lang="zh-TW" altLang="en-US" smtClean="0"/>
+              <a:t>第五層</a:t>
+            </a:r>
+            <a:endParaRPr lang="zh-TW" altLang="en-US"/>
+          </a:p>
+        </p:txBody>
+      </p:sp>
+      <p:sp>
+        <p:nvSpPr>
+          <p:cNvPr id="5" name="日期版面配置區 4"/>
+          <p:cNvSpPr>
+            <a:spLocks noGrp="1"/>
+          </p:cNvSpPr>
+          <p:nvPr>
+            <p:ph type="dt" sz="half" idx="10"/>
+          </p:nvPr>
+        </p:nvSpPr>
+        <p:spPr/>
+        <p:txBody>
+          <a:bodyPr/>
+          <a:lstStyle/>
+          <a:p>
+            <a:fld id="{84F2C051-AA91-4AE7-9172-015E1D31CFD1}" type="datetimeFigureOut">
+              <a:rPr lang="zh-TW" altLang="en-US" smtClean="0"/>
+              <a:pPr/>
+              <a:t>2020/10/25</a:t>
+            </a:fld>
+            <a:endParaRPr lang="zh-TW" altLang="en-US"/>
+          </a:p>
+        </p:txBody>
+      </p:sp>
+      <p:sp>
+        <p:nvSpPr>
+          <p:cNvPr id="6" name="頁尾版面配置區 5"/>
+          <p:cNvSpPr>
+            <a:spLocks noGrp="1"/>
+          </p:cNvSpPr>
+          <p:nvPr>
+            <p:ph type="ftr" sz="quarter" idx="11"/>
+          </p:nvPr>
+        </p:nvSpPr>
+        <p:spPr/>
+        <p:txBody>
+          <a:bodyPr/>
+          <a:lstStyle/>
+          <a:p>
+            <a:endParaRPr lang="zh-TW" altLang="en-US"/>
+          </a:p>
+        </p:txBody>
+      </p:sp>
+      <p:sp>
+        <p:nvSpPr>
+          <p:cNvPr id="7" name="投影片編號版面配置區 6"/>
+          <p:cNvSpPr>
+            <a:spLocks noGrp="1"/>
+          </p:cNvSpPr>
+          <p:nvPr>
+            <p:ph type="sldNum" sz="quarter" idx="12"/>
+          </p:nvPr>
+        </p:nvSpPr>
+        <p:spPr/>
+        <p:txBody>
+          <a:bodyPr/>
+          <a:lstStyle/>
+          <a:p>
+            <a:fld id="{E9745DD1-95DC-4C32-B1A0-3F7D8B7C757D}" type="slidenum">
+              <a:rPr lang="zh-TW" altLang="en-US" smtClean="0"/>
+              <a:pPr/>
+              <a:t>‹#›</a:t>
+            </a:fld>
+            <a:endParaRPr lang="zh-TW" altLang="en-US"/>
+          </a:p>
+        </p:txBody>
+      </p:sp>
+    </p:spTree>
+    <p:extLst>
+      <p:ext uri="{BB962C8B-B14F-4D97-AF65-F5344CB8AC3E}">
+        <p14:creationId xmlns:p14="http://schemas.microsoft.com/office/powerpoint/2010/main" xmlns="" val="3379327585"/>
+      </p:ext>
+    </p:extLst>
+  </p:cSld>
+  <p:clrMapOvr>
+    <a:masterClrMapping/>
+  </p:clrMapOvr>
+</p:sldLayout>
+</file>
+
+<file path=ppt/slideLayouts/slideLayout5.xml><?xml version="1.0" encoding="utf-8"?>
+<p:sldLayout xmlns:a="http://schemas.openxmlformats.org/drawingml/2006/main" xmlns:r="http://schemas.openxmlformats.org/officeDocument/2006/relationships" xmlns:p="http://schemas.openxmlformats.org/presentationml/2006/main" type="twoTxTwoObj" preserve="1">
+  <p:cSld name="比對">
+    <p:spTree>
+      <p:nvGrpSpPr>
+        <p:cNvPr id="1" name=""/>
+        <p:cNvGrpSpPr/>
+        <p:nvPr/>
+      </p:nvGrpSpPr>
+      <p:grpSpPr>
+        <a:xfrm>
+          <a:off x="0" y="0"/>
+          <a:ext cx="0" cy="0"/>
+          <a:chOff x="0" y="0"/>
+          <a:chExt cx="0" cy="0"/>
+        </a:xfrm>
+      </p:grpSpPr>
+      <p:sp>
+        <p:nvSpPr>
+          <p:cNvPr id="2" name="標題 1"/>
+          <p:cNvSpPr>
+            <a:spLocks noGrp="1"/>
+          </p:cNvSpPr>
+          <p:nvPr>
+            <p:ph type="title"/>
+          </p:nvPr>
+        </p:nvSpPr>
+        <p:spPr/>
+        <p:txBody>
+          <a:bodyPr/>
+          <a:lstStyle>
+            <a:lvl1pPr>
+              <a:defRPr/>
+            </a:lvl1pPr>
+          </a:lstStyle>
+          <a:p>
+            <a:r>
+              <a:rPr lang="zh-TW" altLang="en-US" smtClean="0"/>
+              <a:t>按一下以編輯母片標題樣式</a:t>
+            </a:r>
+            <a:endParaRPr lang="zh-TW" altLang="en-US"/>
+          </a:p>
+        </p:txBody>
+      </p:sp>
+      <p:sp>
+        <p:nvSpPr>
+          <p:cNvPr id="3" name="文字版面配置區 2"/>
+          <p:cNvSpPr>
+            <a:spLocks noGrp="1"/>
+          </p:cNvSpPr>
+          <p:nvPr>
+            <p:ph type="body" idx="1"/>
+          </p:nvPr>
+        </p:nvSpPr>
+        <p:spPr>
+          <a:xfrm>
+            <a:off x="609600" y="1535113"/>
+            <a:ext cx="5386917" cy="639762"/>
+          </a:xfrm>
+        </p:spPr>
+        <p:txBody>
+          <a:bodyPr anchor="b"/>
+          <a:lstStyle>
+            <a:lvl1pPr marL="0" indent="0">
+              <a:buNone/>
+              <a:defRPr sz="2400" b="1"/>
+            </a:lvl1pPr>
+            <a:lvl2pPr marL="457200" indent="0">
+              <a:buNone/>
+              <a:defRPr sz="2000" b="1"/>
+            </a:lvl2pPr>
+            <a:lvl3pPr marL="914400" indent="0">
+              <a:buNone/>
+              <a:defRPr sz="1800" b="1"/>
+            </a:lvl3pPr>
+            <a:lvl4pPr marL="1371600" indent="0">
+              <a:buNone/>
+              <a:defRPr sz="1600" b="1"/>
+            </a:lvl4pPr>
+            <a:lvl5pPr marL="1828800" indent="0">
+              <a:buNone/>
+              <a:defRPr sz="1600" b="1"/>
+            </a:lvl5pPr>
+            <a:lvl6pPr marL="2286000" indent="0">
+              <a:buNone/>
+              <a:defRPr sz="1600" b="1"/>
+            </a:lvl6pPr>
+            <a:lvl7pPr marL="2743200" indent="0">
+              <a:buNone/>
+              <a:defRPr sz="1600" b="1"/>
+            </a:lvl7pPr>
+            <a:lvl8pPr marL="3200400" indent="0">
+              <a:buNone/>
+              <a:defRPr sz="1600" b="1"/>
+            </a:lvl8pPr>
+            <a:lvl9pPr marL="3657600" indent="0">
+              <a:buNone/>
+              <a:defRPr sz="1600" b="1"/>
+            </a:lvl9pPr>
+          </a:lstStyle>
+          <a:p>
+            <a:pPr lvl="0"/>
+            <a:r>
+              <a:rPr lang="zh-TW" altLang="en-US" smtClean="0"/>
+              <a:t>按一下以編輯母片文字樣式</a:t>
+            </a:r>
+          </a:p>
+        </p:txBody>
+      </p:sp>
+      <p:sp>
+        <p:nvSpPr>
+          <p:cNvPr id="4" name="內容版面配置區 3"/>
+          <p:cNvSpPr>
+            <a:spLocks noGrp="1"/>
+          </p:cNvSpPr>
+          <p:nvPr>
+            <p:ph sz="half" idx="2"/>
+          </p:nvPr>
+        </p:nvSpPr>
+        <p:spPr>
+          <a:xfrm>
+            <a:off x="609600" y="2174875"/>
+            <a:ext cx="5386917" cy="3951288"/>
+          </a:xfrm>
+        </p:spPr>
+        <p:txBody>
+          <a:bodyPr/>
+          <a:lstStyle>
+            <a:lvl1pPr>
+              <a:defRPr sz="2400"/>
+            </a:lvl1pPr>
+            <a:lvl2pPr>
+              <a:defRPr sz="2000"/>
+            </a:lvl2pPr>
+            <a:lvl3pPr>
+              <a:defRPr sz="1800"/>
+            </a:lvl3pPr>
+            <a:lvl4pPr>
+              <a:defRPr sz="1600"/>
+            </a:lvl4pPr>
+            <a:lvl5pPr>
+              <a:defRPr sz="1600"/>
+            </a:lvl5pPr>
+            <a:lvl6pPr>
+              <a:defRPr sz="1600"/>
+            </a:lvl6pPr>
+            <a:lvl7pPr>
+              <a:defRPr sz="1600"/>
+            </a:lvl7pPr>
+            <a:lvl8pPr>
+              <a:defRPr sz="1600"/>
+            </a:lvl8pPr>
+            <a:lvl9pPr>
+              <a:defRPr sz="1600"/>
+            </a:lvl9pPr>
+          </a:lstStyle>
+          <a:p>
+            <a:pPr lvl="0"/>
+            <a:r>
+              <a:rPr lang="zh-TW" altLang="en-US" smtClean="0"/>
+              <a:t>按一下以編輯母片文字樣式</a:t>
+            </a:r>
+          </a:p>
+          <a:p>
+            <a:pPr lvl="1"/>
+            <a:r>
+              <a:rPr lang="zh-TW" altLang="en-US" smtClean="0"/>
+              <a:t>第二層</a:t>
+            </a:r>
+          </a:p>
+          <a:p>
+            <a:pPr lvl="2"/>
+            <a:r>
+              <a:rPr lang="zh-TW" altLang="en-US" smtClean="0"/>
+              <a:t>第三層</a:t>
+            </a:r>
+          </a:p>
+          <a:p>
+            <a:pPr lvl="3"/>
+            <a:r>
+              <a:rPr lang="zh-TW" altLang="en-US" smtClean="0"/>
+              <a:t>第四層</a:t>
+            </a:r>
+          </a:p>
+          <a:p>
+            <a:pPr lvl="4"/>
+            <a:r>
+              <a:rPr lang="zh-TW" altLang="en-US" smtClean="0"/>
+              <a:t>第五層</a:t>
+            </a:r>
+            <a:endParaRPr lang="zh-TW" altLang="en-US"/>
+          </a:p>
+        </p:txBody>
+      </p:sp>
+      <p:sp>
+        <p:nvSpPr>
+          <p:cNvPr id="5" name="文字版面配置區 4"/>
+          <p:cNvSpPr>
+            <a:spLocks noGrp="1"/>
+          </p:cNvSpPr>
+          <p:nvPr>
+            <p:ph type="body" sz="quarter" idx="3"/>
+          </p:nvPr>
+        </p:nvSpPr>
+        <p:spPr>
+          <a:xfrm>
+            <a:off x="6193368" y="1535113"/>
+            <a:ext cx="5389033" cy="639762"/>
+          </a:xfrm>
+        </p:spPr>
+        <p:txBody>
+          <a:bodyPr anchor="b"/>
+          <a:lstStyle>
+            <a:lvl1pPr marL="0" indent="0">
+              <a:buNone/>
+              <a:defRPr sz="2400" b="1"/>
+            </a:lvl1pPr>
+            <a:lvl2pPr marL="457200" indent="0">
+              <a:buNone/>
+              <a:defRPr sz="2000" b="1"/>
+            </a:lvl2pPr>
+            <a:lvl3pPr marL="914400" indent="0">
+              <a:buNone/>
+              <a:defRPr sz="1800" b="1"/>
+            </a:lvl3pPr>
+            <a:lvl4pPr marL="1371600" indent="0">
+              <a:buNone/>
+              <a:defRPr sz="1600" b="1"/>
+            </a:lvl4pPr>
+            <a:lvl5pPr marL="1828800" indent="0">
+              <a:buNone/>
+              <a:defRPr sz="1600" b="1"/>
+            </a:lvl5pPr>
+            <a:lvl6pPr marL="2286000" indent="0">
+              <a:buNone/>
+              <a:defRPr sz="1600" b="1"/>
+            </a:lvl6pPr>
+            <a:lvl7pPr marL="2743200" indent="0">
+              <a:buNone/>
+              <a:defRPr sz="1600" b="1"/>
+            </a:lvl7pPr>
+            <a:lvl8pPr marL="3200400" indent="0">
+              <a:buNone/>
+              <a:defRPr sz="1600" b="1"/>
+            </a:lvl8pPr>
+            <a:lvl9pPr marL="3657600" indent="0">
+              <a:buNone/>
+              <a:defRPr sz="1600" b="1"/>
+            </a:lvl9pPr>
+          </a:lstStyle>
+          <a:p>
+            <a:pPr lvl="0"/>
+            <a:r>
+              <a:rPr lang="zh-TW" altLang="en-US" smtClean="0"/>
+              <a:t>按一下以編輯母片文字樣式</a:t>
+            </a:r>
+          </a:p>
+        </p:txBody>
+      </p:sp>
+      <p:sp>
+        <p:nvSpPr>
+          <p:cNvPr id="6" name="內容版面配置區 5"/>
+          <p:cNvSpPr>
+            <a:spLocks noGrp="1"/>
+          </p:cNvSpPr>
+          <p:nvPr>
+            <p:ph sz="quarter" idx="4"/>
+          </p:nvPr>
+        </p:nvSpPr>
+        <p:spPr>
+          <a:xfrm>
+            <a:off x="6193368" y="2174875"/>
+            <a:ext cx="5389033" cy="3951288"/>
+          </a:xfrm>
+        </p:spPr>
+        <p:txBody>
+          <a:bodyPr/>
+          <a:lstStyle>
+            <a:lvl1pPr>
+              <a:defRPr sz="2400"/>
+            </a:lvl1pPr>
+            <a:lvl2pPr>
+              <a:defRPr sz="2000"/>
+            </a:lvl2pPr>
+            <a:lvl3pPr>
+              <a:defRPr sz="1800"/>
+            </a:lvl3pPr>
+            <a:lvl4pPr>
+              <a:defRPr sz="1600"/>
+            </a:lvl4pPr>
+            <a:lvl5pPr>
+              <a:defRPr sz="1600"/>
+            </a:lvl5pPr>
+            <a:lvl6pPr>
+              <a:defRPr sz="1600"/>
+            </a:lvl6pPr>
+            <a:lvl7pPr>
+              <a:defRPr sz="1600"/>
+            </a:lvl7pPr>
+            <a:lvl8pPr>
+              <a:defRPr sz="1600"/>
+            </a:lvl8pPr>
+            <a:lvl9pPr>
+              <a:defRPr sz="1600"/>
+            </a:lvl9pPr>
+          </a:lstStyle>
+          <a:p>
+            <a:pPr lvl="0"/>
+            <a:r>
+              <a:rPr lang="zh-TW" altLang="en-US" smtClean="0"/>
+              <a:t>按一下以編輯母片文字樣式</a:t>
+            </a:r>
+          </a:p>
+          <a:p>
+            <a:pPr lvl="1"/>
+            <a:r>
+              <a:rPr lang="zh-TW" altLang="en-US" smtClean="0"/>
+              <a:t>第二層</a:t>
+            </a:r>
+          </a:p>
+          <a:p>
+            <a:pPr lvl="2"/>
+            <a:r>
+              <a:rPr lang="zh-TW" altLang="en-US" smtClean="0"/>
+              <a:t>第三層</a:t>
+            </a:r>
+          </a:p>
+          <a:p>
+            <a:pPr lvl="3"/>
+            <a:r>
+              <a:rPr lang="zh-TW" altLang="en-US" smtClean="0"/>
+              <a:t>第四層</a:t>
+            </a:r>
+          </a:p>
+          <a:p>
+            <a:pPr lvl="4"/>
+            <a:r>
+              <a:rPr lang="zh-TW" altLang="en-US" smtClean="0"/>
+              <a:t>第五層</a:t>
+            </a:r>
+            <a:endParaRPr lang="zh-TW" altLang="en-US"/>
+          </a:p>
+        </p:txBody>
+      </p:sp>
+      <p:sp>
+        <p:nvSpPr>
+          <p:cNvPr id="7" name="日期版面配置區 6"/>
+          <p:cNvSpPr>
+            <a:spLocks noGrp="1"/>
+          </p:cNvSpPr>
+          <p:nvPr>
+            <p:ph type="dt" sz="half" idx="10"/>
+          </p:nvPr>
+        </p:nvSpPr>
+        <p:spPr/>
+        <p:txBody>
+          <a:bodyPr/>
+          <a:lstStyle/>
+          <a:p>
+            <a:fld id="{84F2C051-AA91-4AE7-9172-015E1D31CFD1}" type="datetimeFigureOut">
+              <a:rPr lang="zh-TW" altLang="en-US" smtClean="0"/>
+              <a:pPr/>
+              <a:t>2020/10/25</a:t>
+            </a:fld>
+            <a:endParaRPr lang="zh-TW" altLang="en-US"/>
+          </a:p>
+        </p:txBody>
+      </p:sp>
+      <p:sp>
+        <p:nvSpPr>
+          <p:cNvPr id="8" name="頁尾版面配置區 7"/>
+          <p:cNvSpPr>
+            <a:spLocks noGrp="1"/>
+          </p:cNvSpPr>
+          <p:nvPr>
+            <p:ph type="ftr" sz="quarter" idx="11"/>
+          </p:nvPr>
+        </p:nvSpPr>
+        <p:spPr/>
+        <p:txBody>
+          <a:bodyPr/>
+          <a:lstStyle/>
+          <a:p>
+            <a:endParaRPr lang="zh-TW" altLang="en-US"/>
+          </a:p>
+        </p:txBody>
+      </p:sp>
+      <p:sp>
+        <p:nvSpPr>
+          <p:cNvPr id="9" name="投影片編號版面配置區 8"/>
+          <p:cNvSpPr>
+            <a:spLocks noGrp="1"/>
+          </p:cNvSpPr>
+          <p:nvPr>
+            <p:ph type="sldNum" sz="quarter" idx="12"/>
+          </p:nvPr>
+        </p:nvSpPr>
+        <p:spPr/>
+        <p:txBody>
+          <a:bodyPr/>
+          <a:lstStyle/>
+          <a:p>
+            <a:fld id="{E9745DD1-95DC-4C32-B1A0-3F7D8B7C757D}" type="slidenum">
+              <a:rPr lang="zh-TW" altLang="en-US" smtClean="0"/>
+              <a:pPr/>
+              <a:t>‹#›</a:t>
+            </a:fld>
+            <a:endParaRPr lang="zh-TW" altLang="en-US"/>
+          </a:p>
+        </p:txBody>
+      </p:sp>
+    </p:spTree>
+    <p:extLst>
+      <p:ext uri="{BB962C8B-B14F-4D97-AF65-F5344CB8AC3E}">
+        <p14:creationId xmlns:p14="http://schemas.microsoft.com/office/powerpoint/2010/main" xmlns="" val="2464479800"/>
+      </p:ext>
+    </p:extLst>
+  </p:cSld>
+  <p:clrMapOvr>
+    <a:masterClrMapping/>
+  </p:clrMapOvr>
+</p:sldLayout>
+</file>
+
+<file path=ppt/slideLayouts/slideLayout6.xml><?xml version="1.0" encoding="utf-8"?>
+<p:sldLayout xmlns:a="http://schemas.openxmlformats.org/drawingml/2006/main" xmlns:r="http://schemas.openxmlformats.org/officeDocument/2006/relationships" xmlns:p="http://schemas.openxmlformats.org/presentationml/2006/main" type="titleOnly" preserve="1">
+  <p:cSld name="只有標題">
+    <p:spTree>
+      <p:nvGrpSpPr>
+        <p:cNvPr id="1" name=""/>
+        <p:cNvGrpSpPr/>
+        <p:nvPr/>
+      </p:nvGrpSpPr>
+      <p:grpSpPr>
+        <a:xfrm>
+          <a:off x="0" y="0"/>
+          <a:ext cx="0" cy="0"/>
+          <a:chOff x="0" y="0"/>
+          <a:chExt cx="0" cy="0"/>
+        </a:xfrm>
+      </p:grpSpPr>
+      <p:sp>
+        <p:nvSpPr>
+          <p:cNvPr id="2" name="標題 1"/>
+          <p:cNvSpPr>
+            <a:spLocks noGrp="1"/>
+          </p:cNvSpPr>
+          <p:nvPr>
+            <p:ph type="title"/>
+          </p:nvPr>
+        </p:nvSpPr>
+        <p:spPr/>
+        <p:txBody>
+          <a:bodyPr/>
+          <a:lstStyle/>
+          <a:p>
+            <a:r>
+              <a:rPr lang="zh-TW" altLang="en-US" smtClean="0"/>
+              <a:t>按一下以編輯母片標題樣式</a:t>
+            </a:r>
+            <a:endParaRPr lang="zh-TW" altLang="en-US"/>
+          </a:p>
+        </p:txBody>
+      </p:sp>
+      <p:sp>
+        <p:nvSpPr>
+          <p:cNvPr id="3" name="日期版面配置區 2"/>
+          <p:cNvSpPr>
+            <a:spLocks noGrp="1"/>
+          </p:cNvSpPr>
+          <p:nvPr>
+            <p:ph type="dt" sz="half" idx="10"/>
+          </p:nvPr>
+        </p:nvSpPr>
+        <p:spPr/>
+        <p:txBody>
+          <a:bodyPr/>
+          <a:lstStyle/>
+          <a:p>
+            <a:fld id="{84F2C051-AA91-4AE7-9172-015E1D31CFD1}" type="datetimeFigureOut">
+              <a:rPr lang="zh-TW" altLang="en-US" smtClean="0"/>
+              <a:pPr/>
+              <a:t>2020/10/25</a:t>
+            </a:fld>
+            <a:endParaRPr lang="zh-TW" altLang="en-US"/>
+          </a:p>
+        </p:txBody>
+      </p:sp>
+      <p:sp>
+        <p:nvSpPr>
+          <p:cNvPr id="4" name="頁尾版面配置區 3"/>
+          <p:cNvSpPr>
+            <a:spLocks noGrp="1"/>
+          </p:cNvSpPr>
+          <p:nvPr>
+            <p:ph type="ftr" sz="quarter" idx="11"/>
+          </p:nvPr>
+        </p:nvSpPr>
+        <p:spPr/>
+        <p:txBody>
+          <a:bodyPr/>
+          <a:lstStyle/>
+          <a:p>
+            <a:endParaRPr lang="zh-TW" altLang="en-US"/>
+          </a:p>
+        </p:txBody>
+      </p:sp>
+      <p:sp>
+        <p:nvSpPr>
+          <p:cNvPr id="5" name="投影片編號版面配置區 4"/>
+          <p:cNvSpPr>
+            <a:spLocks noGrp="1"/>
+          </p:cNvSpPr>
+          <p:nvPr>
+            <p:ph type="sldNum" sz="quarter" idx="12"/>
+          </p:nvPr>
+        </p:nvSpPr>
+        <p:spPr/>
+        <p:txBody>
+          <a:bodyPr/>
+          <a:lstStyle/>
+          <a:p>
+            <a:fld id="{E9745DD1-95DC-4C32-B1A0-3F7D8B7C757D}" type="slidenum">
+              <a:rPr lang="zh-TW" altLang="en-US" smtClean="0"/>
+              <a:pPr/>
+              <a:t>‹#›</a:t>
+            </a:fld>
+            <a:endParaRPr lang="zh-TW" altLang="en-US"/>
+          </a:p>
+        </p:txBody>
+      </p:sp>
+    </p:spTree>
+    <p:extLst>
+      <p:ext uri="{BB962C8B-B14F-4D97-AF65-F5344CB8AC3E}">
+        <p14:creationId xmlns:p14="http://schemas.microsoft.com/office/powerpoint/2010/main" xmlns="" val="595548051"/>
+      </p:ext>
+    </p:extLst>
+  </p:cSld>
+  <p:clrMapOvr>
+    <a:masterClrMapping/>
+  </p:clrMapOvr>
+</p:sldLayout>
+</file>
+
+<file path=ppt/slideLayouts/slideLayout7.xml><?xml version="1.0" encoding="utf-8"?>
+<p:sldLayout xmlns:a="http://schemas.openxmlformats.org/drawingml/2006/main" xmlns:r="http://schemas.openxmlformats.org/officeDocument/2006/relationships" xmlns:p="http://schemas.openxmlformats.org/presentationml/2006/main" type="blank" preserve="1">
+  <p:cSld name="空白">
+    <p:spTree>
+      <p:nvGrpSpPr>
+        <p:cNvPr id="1" name=""/>
+        <p:cNvGrpSpPr/>
+        <p:nvPr/>
+      </p:nvGrpSpPr>
+      <p:grpSpPr>
+        <a:xfrm>
+          <a:off x="0" y="0"/>
+          <a:ext cx="0" cy="0"/>
+          <a:chOff x="0" y="0"/>
+          <a:chExt cx="0" cy="0"/>
+        </a:xfrm>
+      </p:grpSpPr>
+      <p:sp>
+        <p:nvSpPr>
+          <p:cNvPr id="2" name="日期版面配置區 1"/>
+          <p:cNvSpPr>
+            <a:spLocks noGrp="1"/>
+          </p:cNvSpPr>
+          <p:nvPr>
+            <p:ph type="dt" sz="half" idx="10"/>
+          </p:nvPr>
+        </p:nvSpPr>
+        <p:spPr/>
+        <p:txBody>
+          <a:bodyPr/>
+          <a:lstStyle/>
+          <a:p>
+            <a:fld id="{84F2C051-AA91-4AE7-9172-015E1D31CFD1}" type="datetimeFigureOut">
+              <a:rPr lang="zh-TW" altLang="en-US" smtClean="0"/>
+              <a:pPr/>
+              <a:t>2020/10/25</a:t>
+            </a:fld>
+            <a:endParaRPr lang="zh-TW" altLang="en-US"/>
+          </a:p>
+        </p:txBody>
+      </p:sp>
+      <p:sp>
+        <p:nvSpPr>
+          <p:cNvPr id="3" name="頁尾版面配置區 2"/>
+          <p:cNvSpPr>
+            <a:spLocks noGrp="1"/>
+          </p:cNvSpPr>
+          <p:nvPr>
+            <p:ph type="ftr" sz="quarter" idx="11"/>
+          </p:nvPr>
+        </p:nvSpPr>
+        <p:spPr/>
+        <p:txBody>
+          <a:bodyPr/>
+          <a:lstStyle/>
+          <a:p>
+            <a:endParaRPr lang="zh-TW" altLang="en-US"/>
+          </a:p>
+        </p:txBody>
+      </p:sp>
+      <p:sp>
+        <p:nvSpPr>
+          <p:cNvPr id="4" name="投影片編號版面配置區 3"/>
+          <p:cNvSpPr>
+            <a:spLocks noGrp="1"/>
+          </p:cNvSpPr>
+          <p:nvPr>
+            <p:ph type="sldNum" sz="quarter" idx="12"/>
+          </p:nvPr>
+        </p:nvSpPr>
+        <p:spPr/>
+        <p:txBody>
+          <a:bodyPr/>
+          <a:lstStyle/>
+          <a:p>
+            <a:fld id="{E9745DD1-95DC-4C32-B1A0-3F7D8B7C757D}" type="slidenum">
+              <a:rPr lang="zh-TW" altLang="en-US" smtClean="0"/>
+              <a:pPr/>
+              <a:t>‹#›</a:t>
+            </a:fld>
+            <a:endParaRPr lang="zh-TW" altLang="en-US"/>
+          </a:p>
+        </p:txBody>
+      </p:sp>
+    </p:spTree>
+    <p:extLst>
+      <p:ext uri="{BB962C8B-B14F-4D97-AF65-F5344CB8AC3E}">
+        <p14:creationId xmlns:p14="http://schemas.microsoft.com/office/powerpoint/2010/main" xmlns="" val="2293158318"/>
+      </p:ext>
+    </p:extLst>
+  </p:cSld>
+  <p:clrMapOvr>
+    <a:masterClrMapping/>
+  </p:clrMapOvr>
+</p:sldLayout>
+</file>
+
+<file path=ppt/slideLayouts/slideLayout8.xml><?xml version="1.0" encoding="utf-8"?>
+<p:sldLayout xmlns:a="http://schemas.openxmlformats.org/drawingml/2006/main" xmlns:r="http://schemas.openxmlformats.org/officeDocument/2006/relationships" xmlns:p="http://schemas.openxmlformats.org/presentationml/2006/main" type="objTx" preserve="1">
+  <p:cSld name="含標題的內容">
+    <p:spTree>
+      <p:nvGrpSpPr>
+        <p:cNvPr id="1" name=""/>
+        <p:cNvGrpSpPr/>
+        <p:nvPr/>
+      </p:nvGrpSpPr>
+      <p:grpSpPr>
+        <a:xfrm>
+          <a:off x="0" y="0"/>
+          <a:ext cx="0" cy="0"/>
+          <a:chOff x="0" y="0"/>
+          <a:chExt cx="0" cy="0"/>
+        </a:xfrm>
+      </p:grpSpPr>
+      <p:sp>
+        <p:nvSpPr>
+          <p:cNvPr id="2" name="標題 1"/>
+          <p:cNvSpPr>
+            <a:spLocks noGrp="1"/>
+          </p:cNvSpPr>
+          <p:nvPr>
+            <p:ph type="title"/>
+          </p:nvPr>
+        </p:nvSpPr>
+        <p:spPr>
+          <a:xfrm>
+            <a:off x="609601" y="273050"/>
+            <a:ext cx="4011084" cy="1162050"/>
+          </a:xfrm>
+        </p:spPr>
+        <p:txBody>
+          <a:bodyPr anchor="b"/>
+          <a:lstStyle>
+            <a:lvl1pPr algn="l">
+              <a:defRPr sz="2000" b="1"/>
+            </a:lvl1pPr>
+          </a:lstStyle>
+          <a:p>
+            <a:r>
+              <a:rPr lang="zh-TW" altLang="en-US" smtClean="0"/>
+              <a:t>按一下以編輯母片標題樣式</a:t>
+            </a:r>
+            <a:endParaRPr lang="zh-TW" altLang="en-US"/>
+          </a:p>
+        </p:txBody>
+      </p:sp>
+      <p:sp>
+        <p:nvSpPr>
+          <p:cNvPr id="3" name="內容版面配置區 2"/>
+          <p:cNvSpPr>
+            <a:spLocks noGrp="1"/>
+          </p:cNvSpPr>
+          <p:nvPr>
+            <p:ph idx="1"/>
+          </p:nvPr>
+        </p:nvSpPr>
+        <p:spPr>
+          <a:xfrm>
+            <a:off x="4766733" y="273051"/>
+            <a:ext cx="6815667" cy="5853113"/>
+          </a:xfrm>
+        </p:spPr>
+        <p:txBody>
+          <a:bodyPr/>
+          <a:lstStyle>
+            <a:lvl1pPr>
+              <a:defRPr sz="3200"/>
+            </a:lvl1pPr>
+            <a:lvl2pPr>
+              <a:defRPr sz="2800"/>
+            </a:lvl2pPr>
+            <a:lvl3pPr>
+              <a:defRPr sz="2400"/>
+            </a:lvl3pPr>
+            <a:lvl4pPr>
+              <a:defRPr sz="2000"/>
+            </a:lvl4pPr>
+            <a:lvl5pPr>
+              <a:defRPr sz="2000"/>
+            </a:lvl5pPr>
+            <a:lvl6pPr>
+              <a:defRPr sz="2000"/>
+            </a:lvl6pPr>
+            <a:lvl7pPr>
+              <a:defRPr sz="2000"/>
+            </a:lvl7pPr>
+            <a:lvl8pPr>
+              <a:defRPr sz="2000"/>
+            </a:lvl8pPr>
+            <a:lvl9pPr>
+              <a:defRPr sz="2000"/>
+            </a:lvl9pPr>
+          </a:lstStyle>
+          <a:p>
+            <a:pPr lvl="0"/>
+            <a:r>
+              <a:rPr lang="zh-TW" altLang="en-US" smtClean="0"/>
+              <a:t>按一下以編輯母片文字樣式</a:t>
+            </a:r>
+          </a:p>
+          <a:p>
+            <a:pPr lvl="1"/>
+            <a:r>
+              <a:rPr lang="zh-TW" altLang="en-US" smtClean="0"/>
+              <a:t>第二層</a:t>
+            </a:r>
+          </a:p>
+          <a:p>
+            <a:pPr lvl="2"/>
+            <a:r>
+              <a:rPr lang="zh-TW" altLang="en-US" smtClean="0"/>
+              <a:t>第三層</a:t>
+            </a:r>
+          </a:p>
+          <a:p>
+            <a:pPr lvl="3"/>
+            <a:r>
+              <a:rPr lang="zh-TW" altLang="en-US" smtClean="0"/>
+              <a:t>第四層</a:t>
+            </a:r>
+          </a:p>
+          <a:p>
+            <a:pPr lvl="4"/>
+            <a:r>
+              <a:rPr lang="zh-TW" altLang="en-US" smtClean="0"/>
+              <a:t>第五層</a:t>
+            </a:r>
+            <a:endParaRPr lang="zh-TW" altLang="en-US"/>
+          </a:p>
+        </p:txBody>
+      </p:sp>
+      <p:sp>
+        <p:nvSpPr>
+          <p:cNvPr id="4" name="文字版面配置區 3"/>
+          <p:cNvSpPr>
+            <a:spLocks noGrp="1"/>
+          </p:cNvSpPr>
+          <p:nvPr>
+            <p:ph type="body" sz="half" idx="2"/>
+          </p:nvPr>
+        </p:nvSpPr>
+        <p:spPr>
+          <a:xfrm>
+            <a:off x="609601" y="1435101"/>
+            <a:ext cx="4011084" cy="4691063"/>
+          </a:xfrm>
+        </p:spPr>
+        <p:txBody>
+          <a:bodyPr/>
+          <a:lstStyle>
+            <a:lvl1pPr marL="0" indent="0">
+              <a:buNone/>
+              <a:defRPr sz="1400"/>
+            </a:lvl1pPr>
+            <a:lvl2pPr marL="457200" indent="0">
+              <a:buNone/>
+              <a:defRPr sz="1200"/>
+            </a:lvl2pPr>
+            <a:lvl3pPr marL="914400" indent="0">
+              <a:buNone/>
+              <a:defRPr sz="1000"/>
+            </a:lvl3pPr>
+            <a:lvl4pPr marL="1371600" indent="0">
+              <a:buNone/>
+              <a:defRPr sz="900"/>
+            </a:lvl4pPr>
+            <a:lvl5pPr marL="1828800" indent="0">
+              <a:buNone/>
+              <a:defRPr sz="900"/>
+            </a:lvl5pPr>
+            <a:lvl6pPr marL="2286000" indent="0">
+              <a:buNone/>
+              <a:defRPr sz="900"/>
+            </a:lvl6pPr>
+            <a:lvl7pPr marL="2743200" indent="0">
+              <a:buNone/>
+              <a:defRPr sz="900"/>
+            </a:lvl7pPr>
+            <a:lvl8pPr marL="3200400" indent="0">
+              <a:buNone/>
+              <a:defRPr sz="900"/>
+            </a:lvl8pPr>
+            <a:lvl9pPr marL="3657600" indent="0">
+              <a:buNone/>
+              <a:defRPr sz="900"/>
+            </a:lvl9pPr>
+          </a:lstStyle>
+          <a:p>
+            <a:pPr lvl="0"/>
+            <a:r>
+              <a:rPr lang="zh-TW" altLang="en-US" smtClean="0"/>
+              <a:t>按一下以編輯母片文字樣式</a:t>
+            </a:r>
+          </a:p>
+        </p:txBody>
+      </p:sp>
+      <p:sp>
+        <p:nvSpPr>
+          <p:cNvPr id="5" name="日期版面配置區 4"/>
+          <p:cNvSpPr>
+            <a:spLocks noGrp="1"/>
+          </p:cNvSpPr>
+          <p:nvPr>
+            <p:ph type="dt" sz="half" idx="10"/>
+          </p:nvPr>
+        </p:nvSpPr>
+        <p:spPr/>
+        <p:txBody>
+          <a:bodyPr/>
+          <a:lstStyle/>
+          <a:p>
+            <a:fld id="{84F2C051-AA91-4AE7-9172-015E1D31CFD1}" type="datetimeFigureOut">
+              <a:rPr lang="zh-TW" altLang="en-US" smtClean="0"/>
+              <a:pPr/>
+              <a:t>2020/10/25</a:t>
+            </a:fld>
+            <a:endParaRPr lang="zh-TW" altLang="en-US"/>
+          </a:p>
+        </p:txBody>
+      </p:sp>
+      <p:sp>
+        <p:nvSpPr>
+          <p:cNvPr id="6" name="頁尾版面配置區 5"/>
+          <p:cNvSpPr>
+            <a:spLocks noGrp="1"/>
+          </p:cNvSpPr>
+          <p:nvPr>
+            <p:ph type="ftr" sz="quarter" idx="11"/>
+          </p:nvPr>
+        </p:nvSpPr>
+        <p:spPr/>
+        <p:txBody>
+          <a:bodyPr/>
+          <a:lstStyle/>
+          <a:p>
+            <a:endParaRPr lang="zh-TW" altLang="en-US"/>
+          </a:p>
+        </p:txBody>
+      </p:sp>
+      <p:sp>
+        <p:nvSpPr>
+          <p:cNvPr id="7" name="投影片編號版面配置區 6"/>
+          <p:cNvSpPr>
+            <a:spLocks noGrp="1"/>
+          </p:cNvSpPr>
+          <p:nvPr>
+            <p:ph type="sldNum" sz="quarter" idx="12"/>
+          </p:nvPr>
+        </p:nvSpPr>
+        <p:spPr/>
+        <p:txBody>
+          <a:bodyPr/>
+          <a:lstStyle/>
+          <a:p>
+            <a:fld id="{E9745DD1-95DC-4C32-B1A0-3F7D8B7C757D}" type="slidenum">
+              <a:rPr lang="zh-TW" altLang="en-US" smtClean="0"/>
+              <a:pPr/>
+              <a:t>‹#›</a:t>
+            </a:fld>
+            <a:endParaRPr lang="zh-TW" altLang="en-US"/>
+          </a:p>
+        </p:txBody>
+      </p:sp>
+    </p:spTree>
+    <p:extLst>
+      <p:ext uri="{BB962C8B-B14F-4D97-AF65-F5344CB8AC3E}">
+        <p14:creationId xmlns:p14="http://schemas.microsoft.com/office/powerpoint/2010/main" xmlns="" val="2279701482"/>
       </p:ext>
     </p:extLst>
   </p:cSld>
@@ -2529,7 +5001,8 @@
           <a:p>
             <a:fld id="{84F2C051-AA91-4AE7-9172-015E1D31CFD1}" type="datetimeFigureOut">
               <a:rPr lang="zh-TW" altLang="en-US" smtClean="0"/>
-              <a:t>2020/6/13</a:t>
+              <a:pPr/>
+              <a:t>2020/10/25</a:t>
             </a:fld>
             <a:endParaRPr lang="zh-TW" altLang="en-US"/>
           </a:p>
@@ -2571,6 +5044,7 @@
           <a:p>
             <a:fld id="{E9745DD1-95DC-4C32-B1A0-3F7D8B7C757D}" type="slidenum">
               <a:rPr lang="zh-TW" altLang="en-US" smtClean="0"/>
+              <a:pPr/>
               <a:t>‹#›</a:t>
             </a:fld>
             <a:endParaRPr lang="zh-TW" altLang="en-US"/>
@@ -2580,7 +5054,7 @@
     </p:spTree>
     <p:extLst>
       <p:ext uri="{BB962C8B-B14F-4D97-AF65-F5344CB8AC3E}">
-        <p14:creationId xmlns:p14="http://schemas.microsoft.com/office/powerpoint/2010/main" val="4163623742"/>
+        <p14:creationId xmlns:p14="http://schemas.microsoft.com/office/powerpoint/2010/main" xmlns="" val="4163623742"/>
       </p:ext>
     </p:extLst>
   </p:cSld>
@@ -2742,7 +5216,8 @@
           <a:p>
             <a:fld id="{84F2C051-AA91-4AE7-9172-015E1D31CFD1}" type="datetimeFigureOut">
               <a:rPr lang="zh-TW" altLang="en-US" smtClean="0"/>
-              <a:t>2020/6/13</a:t>
+              <a:pPr/>
+              <a:t>2020/10/25</a:t>
             </a:fld>
             <a:endParaRPr lang="zh-TW" altLang="en-US"/>
           </a:p>
@@ -2820,6 +5295,7 @@
           <a:p>
             <a:fld id="{E9745DD1-95DC-4C32-B1A0-3F7D8B7C757D}" type="slidenum">
               <a:rPr lang="zh-TW" altLang="en-US" smtClean="0"/>
+              <a:pPr/>
               <a:t>‹#›</a:t>
             </a:fld>
             <a:endParaRPr lang="zh-TW" altLang="en-US"/>
@@ -2829,7 +5305,7 @@
     </p:spTree>
     <p:extLst>
       <p:ext uri="{BB962C8B-B14F-4D97-AF65-F5344CB8AC3E}">
-        <p14:creationId xmlns:p14="http://schemas.microsoft.com/office/powerpoint/2010/main" val="1762948168"/>
+        <p14:creationId xmlns:p14="http://schemas.microsoft.com/office/powerpoint/2010/main" xmlns="" val="1762948168"/>
       </p:ext>
     </p:extLst>
   </p:cSld>
@@ -2846,6 +5322,518 @@
     <p:sldLayoutId id="2147483657" r:id="rId9"/>
     <p:sldLayoutId id="2147483658" r:id="rId10"/>
     <p:sldLayoutId id="2147483659" r:id="rId11"/>
+  </p:sldLayoutIdLst>
+  <p:txStyles>
+    <p:titleStyle>
+      <a:lvl1pPr algn="ctr" defTabSz="914400" rtl="0" eaLnBrk="1" latinLnBrk="0" hangingPunct="1">
+        <a:spcBef>
+          <a:spcPct val="0"/>
+        </a:spcBef>
+        <a:buNone/>
+        <a:defRPr sz="4400" kern="1200">
+          <a:solidFill>
+            <a:schemeClr val="tx1"/>
+          </a:solidFill>
+          <a:latin typeface="+mj-lt"/>
+          <a:ea typeface="+mj-ea"/>
+          <a:cs typeface="+mj-cs"/>
+        </a:defRPr>
+      </a:lvl1pPr>
+    </p:titleStyle>
+    <p:bodyStyle>
+      <a:lvl1pPr marL="342900" indent="-342900" algn="l" defTabSz="914400" rtl="0" eaLnBrk="1" latinLnBrk="0" hangingPunct="1">
+        <a:spcBef>
+          <a:spcPct val="20000"/>
+        </a:spcBef>
+        <a:buFont typeface="Arial" pitchFamily="34" charset="0"/>
+        <a:buChar char="•"/>
+        <a:defRPr sz="3200" kern="1200">
+          <a:solidFill>
+            <a:schemeClr val="tx1"/>
+          </a:solidFill>
+          <a:latin typeface="+mn-lt"/>
+          <a:ea typeface="+mn-ea"/>
+          <a:cs typeface="+mn-cs"/>
+        </a:defRPr>
+      </a:lvl1pPr>
+      <a:lvl2pPr marL="742950" indent="-285750" algn="l" defTabSz="914400" rtl="0" eaLnBrk="1" latinLnBrk="0" hangingPunct="1">
+        <a:spcBef>
+          <a:spcPct val="20000"/>
+        </a:spcBef>
+        <a:buFont typeface="Arial" pitchFamily="34" charset="0"/>
+        <a:buChar char="–"/>
+        <a:defRPr sz="2800" kern="1200">
+          <a:solidFill>
+            <a:schemeClr val="tx1"/>
+          </a:solidFill>
+          <a:latin typeface="+mn-lt"/>
+          <a:ea typeface="+mn-ea"/>
+          <a:cs typeface="+mn-cs"/>
+        </a:defRPr>
+      </a:lvl2pPr>
+      <a:lvl3pPr marL="1143000" indent="-228600" algn="l" defTabSz="914400" rtl="0" eaLnBrk="1" latinLnBrk="0" hangingPunct="1">
+        <a:spcBef>
+          <a:spcPct val="20000"/>
+        </a:spcBef>
+        <a:buFont typeface="Arial" pitchFamily="34" charset="0"/>
+        <a:buChar char="•"/>
+        <a:defRPr sz="2400" kern="1200">
+          <a:solidFill>
+            <a:schemeClr val="tx1"/>
+          </a:solidFill>
+          <a:latin typeface="+mn-lt"/>
+          <a:ea typeface="+mn-ea"/>
+          <a:cs typeface="+mn-cs"/>
+        </a:defRPr>
+      </a:lvl3pPr>
+      <a:lvl4pPr marL="1600200" indent="-228600" algn="l" defTabSz="914400" rtl="0" eaLnBrk="1" latinLnBrk="0" hangingPunct="1">
+        <a:spcBef>
+          <a:spcPct val="20000"/>
+        </a:spcBef>
+        <a:buFont typeface="Arial" pitchFamily="34" charset="0"/>
+        <a:buChar char="–"/>
+        <a:defRPr sz="2000" kern="1200">
+          <a:solidFill>
+            <a:schemeClr val="tx1"/>
+          </a:solidFill>
+          <a:latin typeface="+mn-lt"/>
+          <a:ea typeface="+mn-ea"/>
+          <a:cs typeface="+mn-cs"/>
+        </a:defRPr>
+      </a:lvl4pPr>
+      <a:lvl5pPr marL="2057400" indent="-228600" algn="l" defTabSz="914400" rtl="0" eaLnBrk="1" latinLnBrk="0" hangingPunct="1">
+        <a:spcBef>
+          <a:spcPct val="20000"/>
+        </a:spcBef>
+        <a:buFont typeface="Arial" pitchFamily="34" charset="0"/>
+        <a:buChar char="»"/>
+        <a:defRPr sz="2000" kern="1200">
+          <a:solidFill>
+            <a:schemeClr val="tx1"/>
+          </a:solidFill>
+          <a:latin typeface="+mn-lt"/>
+          <a:ea typeface="+mn-ea"/>
+          <a:cs typeface="+mn-cs"/>
+        </a:defRPr>
+      </a:lvl5pPr>
+      <a:lvl6pPr marL="2514600" indent="-228600" algn="l" defTabSz="914400" rtl="0" eaLnBrk="1" latinLnBrk="0" hangingPunct="1">
+        <a:spcBef>
+          <a:spcPct val="20000"/>
+        </a:spcBef>
+        <a:buFont typeface="Arial" pitchFamily="34" charset="0"/>
+        <a:buChar char="•"/>
+        <a:defRPr sz="2000" kern="1200">
+          <a:solidFill>
+            <a:schemeClr val="tx1"/>
+          </a:solidFill>
+          <a:latin typeface="+mn-lt"/>
+          <a:ea typeface="+mn-ea"/>
+          <a:cs typeface="+mn-cs"/>
+        </a:defRPr>
+      </a:lvl6pPr>
+      <a:lvl7pPr marL="2971800" indent="-228600" algn="l" defTabSz="914400" rtl="0" eaLnBrk="1" latinLnBrk="0" hangingPunct="1">
+        <a:spcBef>
+          <a:spcPct val="20000"/>
+        </a:spcBef>
+        <a:buFont typeface="Arial" pitchFamily="34" charset="0"/>
+        <a:buChar char="•"/>
+        <a:defRPr sz="2000" kern="1200">
+          <a:solidFill>
+            <a:schemeClr val="tx1"/>
+          </a:solidFill>
+          <a:latin typeface="+mn-lt"/>
+          <a:ea typeface="+mn-ea"/>
+          <a:cs typeface="+mn-cs"/>
+        </a:defRPr>
+      </a:lvl7pPr>
+      <a:lvl8pPr marL="3429000" indent="-228600" algn="l" defTabSz="914400" rtl="0" eaLnBrk="1" latinLnBrk="0" hangingPunct="1">
+        <a:spcBef>
+          <a:spcPct val="20000"/>
+        </a:spcBef>
+        <a:buFont typeface="Arial" pitchFamily="34" charset="0"/>
+        <a:buChar char="•"/>
+        <a:defRPr sz="2000" kern="1200">
+          <a:solidFill>
+            <a:schemeClr val="tx1"/>
+          </a:solidFill>
+          <a:latin typeface="+mn-lt"/>
+          <a:ea typeface="+mn-ea"/>
+          <a:cs typeface="+mn-cs"/>
+        </a:defRPr>
+      </a:lvl8pPr>
+      <a:lvl9pPr marL="3886200" indent="-228600" algn="l" defTabSz="914400" rtl="0" eaLnBrk="1" latinLnBrk="0" hangingPunct="1">
+        <a:spcBef>
+          <a:spcPct val="20000"/>
+        </a:spcBef>
+        <a:buFont typeface="Arial" pitchFamily="34" charset="0"/>
+        <a:buChar char="•"/>
+        <a:defRPr sz="2000" kern="1200">
+          <a:solidFill>
+            <a:schemeClr val="tx1"/>
+          </a:solidFill>
+          <a:latin typeface="+mn-lt"/>
+          <a:ea typeface="+mn-ea"/>
+          <a:cs typeface="+mn-cs"/>
+        </a:defRPr>
+      </a:lvl9pPr>
+    </p:bodyStyle>
+    <p:otherStyle>
+      <a:defPPr>
+        <a:defRPr lang="zh-TW"/>
+      </a:defPPr>
+      <a:lvl1pPr marL="0" algn="l" defTabSz="914400" rtl="0" eaLnBrk="1" latinLnBrk="0" hangingPunct="1">
+        <a:defRPr sz="1800" kern="1200">
+          <a:solidFill>
+            <a:schemeClr val="tx1"/>
+          </a:solidFill>
+          <a:latin typeface="+mn-lt"/>
+          <a:ea typeface="+mn-ea"/>
+          <a:cs typeface="+mn-cs"/>
+        </a:defRPr>
+      </a:lvl1pPr>
+      <a:lvl2pPr marL="457200" algn="l" defTabSz="914400" rtl="0" eaLnBrk="1" latinLnBrk="0" hangingPunct="1">
+        <a:defRPr sz="1800" kern="1200">
+          <a:solidFill>
+            <a:schemeClr val="tx1"/>
+          </a:solidFill>
+          <a:latin typeface="+mn-lt"/>
+          <a:ea typeface="+mn-ea"/>
+          <a:cs typeface="+mn-cs"/>
+        </a:defRPr>
+      </a:lvl2pPr>
+      <a:lvl3pPr marL="914400" algn="l" defTabSz="914400" rtl="0" eaLnBrk="1" latinLnBrk="0" hangingPunct="1">
+        <a:defRPr sz="1800" kern="1200">
+          <a:solidFill>
+            <a:schemeClr val="tx1"/>
+          </a:solidFill>
+          <a:latin typeface="+mn-lt"/>
+          <a:ea typeface="+mn-ea"/>
+          <a:cs typeface="+mn-cs"/>
+        </a:defRPr>
+      </a:lvl3pPr>
+      <a:lvl4pPr marL="1371600" algn="l" defTabSz="914400" rtl="0" eaLnBrk="1" latinLnBrk="0" hangingPunct="1">
+        <a:defRPr sz="1800" kern="1200">
+          <a:solidFill>
+            <a:schemeClr val="tx1"/>
+          </a:solidFill>
+          <a:latin typeface="+mn-lt"/>
+          <a:ea typeface="+mn-ea"/>
+          <a:cs typeface="+mn-cs"/>
+        </a:defRPr>
+      </a:lvl4pPr>
+      <a:lvl5pPr marL="1828800" algn="l" defTabSz="914400" rtl="0" eaLnBrk="1" latinLnBrk="0" hangingPunct="1">
+        <a:defRPr sz="1800" kern="1200">
+          <a:solidFill>
+            <a:schemeClr val="tx1"/>
+          </a:solidFill>
+          <a:latin typeface="+mn-lt"/>
+          <a:ea typeface="+mn-ea"/>
+          <a:cs typeface="+mn-cs"/>
+        </a:defRPr>
+      </a:lvl5pPr>
+      <a:lvl6pPr marL="2286000" algn="l" defTabSz="914400" rtl="0" eaLnBrk="1" latinLnBrk="0" hangingPunct="1">
+        <a:defRPr sz="1800" kern="1200">
+          <a:solidFill>
+            <a:schemeClr val="tx1"/>
+          </a:solidFill>
+          <a:latin typeface="+mn-lt"/>
+          <a:ea typeface="+mn-ea"/>
+          <a:cs typeface="+mn-cs"/>
+        </a:defRPr>
+      </a:lvl6pPr>
+      <a:lvl7pPr marL="2743200" algn="l" defTabSz="914400" rtl="0" eaLnBrk="1" latinLnBrk="0" hangingPunct="1">
+        <a:defRPr sz="1800" kern="1200">
+          <a:solidFill>
+            <a:schemeClr val="tx1"/>
+          </a:solidFill>
+          <a:latin typeface="+mn-lt"/>
+          <a:ea typeface="+mn-ea"/>
+          <a:cs typeface="+mn-cs"/>
+        </a:defRPr>
+      </a:lvl7pPr>
+      <a:lvl8pPr marL="3200400" algn="l" defTabSz="914400" rtl="0" eaLnBrk="1" latinLnBrk="0" hangingPunct="1">
+        <a:defRPr sz="1800" kern="1200">
+          <a:solidFill>
+            <a:schemeClr val="tx1"/>
+          </a:solidFill>
+          <a:latin typeface="+mn-lt"/>
+          <a:ea typeface="+mn-ea"/>
+          <a:cs typeface="+mn-cs"/>
+        </a:defRPr>
+      </a:lvl8pPr>
+      <a:lvl9pPr marL="3657600" algn="l" defTabSz="914400" rtl="0" eaLnBrk="1" latinLnBrk="0" hangingPunct="1">
+        <a:defRPr sz="1800" kern="1200">
+          <a:solidFill>
+            <a:schemeClr val="tx1"/>
+          </a:solidFill>
+          <a:latin typeface="+mn-lt"/>
+          <a:ea typeface="+mn-ea"/>
+          <a:cs typeface="+mn-cs"/>
+        </a:defRPr>
+      </a:lvl9pPr>
+    </p:otherStyle>
+  </p:txStyles>
+</p:sldMaster>
+</file>
+
+<file path=ppt/slideMasters/slideMaster2.xml><?xml version="1.0" encoding="utf-8"?>
+<p:sldMaster xmlns:a="http://schemas.openxmlformats.org/drawingml/2006/main" xmlns:r="http://schemas.openxmlformats.org/officeDocument/2006/relationships" xmlns:p="http://schemas.openxmlformats.org/presentationml/2006/main">
+  <p:cSld>
+    <p:bg>
+      <p:bgPr>
+        <a:blipFill dpi="0" rotWithShape="1">
+          <a:blip r:embed="rId13"/>
+          <a:srcRect/>
+          <a:tile tx="0" ty="0" sx="100000" sy="100000" flip="none" algn="tl"/>
+        </a:blipFill>
+        <a:effectLst/>
+      </p:bgPr>
+    </p:bg>
+    <p:spTree>
+      <p:nvGrpSpPr>
+        <p:cNvPr id="1" name=""/>
+        <p:cNvGrpSpPr/>
+        <p:nvPr/>
+      </p:nvGrpSpPr>
+      <p:grpSpPr>
+        <a:xfrm>
+          <a:off x="0" y="0"/>
+          <a:ext cx="0" cy="0"/>
+          <a:chOff x="0" y="0"/>
+          <a:chExt cx="0" cy="0"/>
+        </a:xfrm>
+      </p:grpSpPr>
+      <p:sp>
+        <p:nvSpPr>
+          <p:cNvPr id="2" name="標題版面配置區 1"/>
+          <p:cNvSpPr>
+            <a:spLocks noGrp="1"/>
+          </p:cNvSpPr>
+          <p:nvPr>
+            <p:ph type="title"/>
+          </p:nvPr>
+        </p:nvSpPr>
+        <p:spPr>
+          <a:xfrm>
+            <a:off x="609600" y="274638"/>
+            <a:ext cx="10972800" cy="1143000"/>
+          </a:xfrm>
+          <a:prstGeom prst="rect">
+            <a:avLst/>
+          </a:prstGeom>
+        </p:spPr>
+        <p:txBody>
+          <a:bodyPr vert="horz" lIns="91440" tIns="45720" rIns="91440" bIns="45720" rtlCol="0" anchor="ctr">
+            <a:normAutofit/>
+          </a:bodyPr>
+          <a:lstStyle/>
+          <a:p>
+            <a:r>
+              <a:rPr lang="zh-TW" altLang="en-US" smtClean="0"/>
+              <a:t>按一下以編輯母片標題樣式</a:t>
+            </a:r>
+            <a:endParaRPr lang="zh-TW" altLang="en-US"/>
+          </a:p>
+        </p:txBody>
+      </p:sp>
+      <p:sp>
+        <p:nvSpPr>
+          <p:cNvPr id="3" name="文字版面配置區 2"/>
+          <p:cNvSpPr>
+            <a:spLocks noGrp="1"/>
+          </p:cNvSpPr>
+          <p:nvPr>
+            <p:ph type="body" idx="1"/>
+          </p:nvPr>
+        </p:nvSpPr>
+        <p:spPr>
+          <a:xfrm>
+            <a:off x="609600" y="1600201"/>
+            <a:ext cx="10972800" cy="4525963"/>
+          </a:xfrm>
+          <a:prstGeom prst="rect">
+            <a:avLst/>
+          </a:prstGeom>
+        </p:spPr>
+        <p:txBody>
+          <a:bodyPr vert="horz" lIns="91440" tIns="45720" rIns="91440" bIns="45720" rtlCol="0">
+            <a:normAutofit/>
+          </a:bodyPr>
+          <a:lstStyle/>
+          <a:p>
+            <a:pPr lvl="0"/>
+            <a:r>
+              <a:rPr lang="zh-TW" altLang="en-US" smtClean="0"/>
+              <a:t>按一下以編輯母片文字樣式</a:t>
+            </a:r>
+          </a:p>
+          <a:p>
+            <a:pPr lvl="1"/>
+            <a:r>
+              <a:rPr lang="zh-TW" altLang="en-US" smtClean="0"/>
+              <a:t>第二層</a:t>
+            </a:r>
+          </a:p>
+          <a:p>
+            <a:pPr lvl="2"/>
+            <a:r>
+              <a:rPr lang="zh-TW" altLang="en-US" smtClean="0"/>
+              <a:t>第三層</a:t>
+            </a:r>
+          </a:p>
+          <a:p>
+            <a:pPr lvl="3"/>
+            <a:r>
+              <a:rPr lang="zh-TW" altLang="en-US" smtClean="0"/>
+              <a:t>第四層</a:t>
+            </a:r>
+          </a:p>
+          <a:p>
+            <a:pPr lvl="4"/>
+            <a:r>
+              <a:rPr lang="zh-TW" altLang="en-US" smtClean="0"/>
+              <a:t>第五層</a:t>
+            </a:r>
+            <a:endParaRPr lang="zh-TW" altLang="en-US"/>
+          </a:p>
+        </p:txBody>
+      </p:sp>
+      <p:sp>
+        <p:nvSpPr>
+          <p:cNvPr id="4" name="日期版面配置區 3"/>
+          <p:cNvSpPr>
+            <a:spLocks noGrp="1"/>
+          </p:cNvSpPr>
+          <p:nvPr>
+            <p:ph type="dt" sz="half" idx="2"/>
+          </p:nvPr>
+        </p:nvSpPr>
+        <p:spPr>
+          <a:xfrm>
+            <a:off x="609600" y="6356351"/>
+            <a:ext cx="2844800" cy="365125"/>
+          </a:xfrm>
+          <a:prstGeom prst="rect">
+            <a:avLst/>
+          </a:prstGeom>
+        </p:spPr>
+        <p:txBody>
+          <a:bodyPr vert="horz" lIns="91440" tIns="45720" rIns="91440" bIns="45720" rtlCol="0" anchor="ctr"/>
+          <a:lstStyle>
+            <a:lvl1pPr algn="l">
+              <a:defRPr sz="1200">
+                <a:solidFill>
+                  <a:schemeClr val="tx1">
+                    <a:tint val="75000"/>
+                  </a:schemeClr>
+                </a:solidFill>
+              </a:defRPr>
+            </a:lvl1pPr>
+          </a:lstStyle>
+          <a:p>
+            <a:fld id="{84F2C051-AA91-4AE7-9172-015E1D31CFD1}" type="datetimeFigureOut">
+              <a:rPr lang="zh-TW" altLang="en-US" smtClean="0"/>
+              <a:pPr/>
+              <a:t>2020/10/25</a:t>
+            </a:fld>
+            <a:endParaRPr lang="zh-TW" altLang="en-US"/>
+          </a:p>
+        </p:txBody>
+      </p:sp>
+      <p:sp>
+        <p:nvSpPr>
+          <p:cNvPr id="5" name="頁尾版面配置區 4"/>
+          <p:cNvSpPr>
+            <a:spLocks noGrp="1"/>
+          </p:cNvSpPr>
+          <p:nvPr>
+            <p:ph type="ftr" sz="quarter" idx="3"/>
+          </p:nvPr>
+        </p:nvSpPr>
+        <p:spPr>
+          <a:xfrm>
+            <a:off x="4165600" y="6356351"/>
+            <a:ext cx="3860800" cy="365125"/>
+          </a:xfrm>
+          <a:prstGeom prst="rect">
+            <a:avLst/>
+          </a:prstGeom>
+        </p:spPr>
+        <p:txBody>
+          <a:bodyPr vert="horz" lIns="91440" tIns="45720" rIns="91440" bIns="45720" rtlCol="0" anchor="ctr"/>
+          <a:lstStyle>
+            <a:lvl1pPr algn="ctr">
+              <a:defRPr sz="1200">
+                <a:solidFill>
+                  <a:schemeClr val="tx1">
+                    <a:tint val="75000"/>
+                  </a:schemeClr>
+                </a:solidFill>
+              </a:defRPr>
+            </a:lvl1pPr>
+          </a:lstStyle>
+          <a:p>
+            <a:endParaRPr lang="zh-TW" altLang="en-US"/>
+          </a:p>
+        </p:txBody>
+      </p:sp>
+      <p:sp>
+        <p:nvSpPr>
+          <p:cNvPr id="6" name="投影片編號版面配置區 5"/>
+          <p:cNvSpPr>
+            <a:spLocks noGrp="1"/>
+          </p:cNvSpPr>
+          <p:nvPr>
+            <p:ph type="sldNum" sz="quarter" idx="4"/>
+          </p:nvPr>
+        </p:nvSpPr>
+        <p:spPr>
+          <a:xfrm>
+            <a:off x="8737600" y="6356351"/>
+            <a:ext cx="2844800" cy="365125"/>
+          </a:xfrm>
+          <a:prstGeom prst="rect">
+            <a:avLst/>
+          </a:prstGeom>
+        </p:spPr>
+        <p:txBody>
+          <a:bodyPr vert="horz" lIns="91440" tIns="45720" rIns="91440" bIns="45720" rtlCol="0" anchor="ctr"/>
+          <a:lstStyle>
+            <a:lvl1pPr algn="r">
+              <a:defRPr sz="1200">
+                <a:solidFill>
+                  <a:schemeClr val="tx1">
+                    <a:tint val="75000"/>
+                  </a:schemeClr>
+                </a:solidFill>
+              </a:defRPr>
+            </a:lvl1pPr>
+          </a:lstStyle>
+          <a:p>
+            <a:fld id="{E9745DD1-95DC-4C32-B1A0-3F7D8B7C757D}" type="slidenum">
+              <a:rPr lang="zh-TW" altLang="en-US" smtClean="0"/>
+              <a:pPr/>
+              <a:t>‹#›</a:t>
+            </a:fld>
+            <a:endParaRPr lang="zh-TW" altLang="en-US"/>
+          </a:p>
+        </p:txBody>
+      </p:sp>
+    </p:spTree>
+  </p:cSld>
+  <p:clrMap bg1="lt1" tx1="dk1" bg2="lt2" tx2="dk2" accent1="accent1" accent2="accent2" accent3="accent3" accent4="accent4" accent5="accent5" accent6="accent6" hlink="hlink" folHlink="folHlink"/>
+  <p:sldLayoutIdLst>
+    <p:sldLayoutId id="2147483661" r:id="rId1"/>
+    <p:sldLayoutId id="2147483662" r:id="rId2"/>
+    <p:sldLayoutId id="2147483663" r:id="rId3"/>
+    <p:sldLayoutId id="2147483664" r:id="rId4"/>
+    <p:sldLayoutId id="2147483665" r:id="rId5"/>
+    <p:sldLayoutId id="2147483666" r:id="rId6"/>
+    <p:sldLayoutId id="2147483667" r:id="rId7"/>
+    <p:sldLayoutId id="2147483668" r:id="rId8"/>
+    <p:sldLayoutId id="2147483669" r:id="rId9"/>
+    <p:sldLayoutId id="2147483670" r:id="rId10"/>
+    <p:sldLayoutId id="2147483671" r:id="rId11"/>
   </p:sldLayoutIdLst>
   <p:txStyles>
     <p:titleStyle>
@@ -3129,7 +6117,7 @@
           <a:blip r:embed="rId2">
             <a:extLst>
               <a:ext uri="{28A0092B-C50C-407E-A947-70E740481C1C}">
-                <a14:useLocalDpi xmlns:a14="http://schemas.microsoft.com/office/drawing/2010/main" val="0"/>
+                <a14:useLocalDpi xmlns:a14="http://schemas.microsoft.com/office/drawing/2010/main" xmlns="" val="0"/>
               </a:ext>
             </a:extLst>
           </a:blip>
@@ -3149,7 +6137,7 @@
           <a:noFill/>
           <a:extLst>
             <a:ext uri="{909E8E84-426E-40DD-AFC4-6F175D3DCCD1}">
-              <a14:hiddenFill xmlns:a14="http://schemas.microsoft.com/office/drawing/2010/main">
+              <a14:hiddenFill xmlns:a14="http://schemas.microsoft.com/office/drawing/2010/main" xmlns="">
                 <a:solidFill>
                   <a:srgbClr val="FFFFFF"/>
                 </a:solidFill>
@@ -3186,17 +6174,7 @@
                 <a:latin typeface="標楷體" pitchFamily="65" charset="-120"/>
                 <a:ea typeface="標楷體" pitchFamily="65" charset="-120"/>
               </a:rPr>
-              <a:t>齊齊</a:t>
-            </a:r>
-            <a:r>
-              <a:rPr lang="zh-TW" altLang="zh-TW" sz="6000" b="1" dirty="0">
-                <a:solidFill>
-                  <a:srgbClr val="002060"/>
-                </a:solidFill>
-                <a:latin typeface="標楷體" pitchFamily="65" charset="-120"/>
-                <a:ea typeface="標楷體" pitchFamily="65" charset="-120"/>
-              </a:rPr>
-              <a:t>分享</a:t>
+              <a:t>齊齊分享</a:t>
             </a:r>
             <a:endParaRPr lang="zh-TW" altLang="en-US" sz="5400" b="1" dirty="0">
               <a:solidFill>
@@ -3285,7 +6263,7 @@
     </p:spTree>
     <p:extLst>
       <p:ext uri="{BB962C8B-B14F-4D97-AF65-F5344CB8AC3E}">
-        <p14:creationId xmlns:p14="http://schemas.microsoft.com/office/powerpoint/2010/main" val="431327795"/>
+        <p14:creationId xmlns:p14="http://schemas.microsoft.com/office/powerpoint/2010/main" xmlns="" val="431327795"/>
       </p:ext>
     </p:extLst>
   </p:cSld>
@@ -3299,6 +6277,1163 @@
       </p:par>
     </p:tnLst>
   </p:timing>
+</p:sld>
+</file>
+
+<file path=ppt/slides/slide10.xml><?xml version="1.0" encoding="utf-8"?>
+<p:sld xmlns:a="http://schemas.openxmlformats.org/drawingml/2006/main" xmlns:r="http://schemas.openxmlformats.org/officeDocument/2006/relationships" xmlns:p="http://schemas.openxmlformats.org/presentationml/2006/main">
+  <p:cSld>
+    <p:spTree>
+      <p:nvGrpSpPr>
+        <p:cNvPr id="1" name=""/>
+        <p:cNvGrpSpPr/>
+        <p:nvPr/>
+      </p:nvGrpSpPr>
+      <p:grpSpPr>
+        <a:xfrm>
+          <a:off x="0" y="0"/>
+          <a:ext cx="0" cy="0"/>
+          <a:chOff x="0" y="0"/>
+          <a:chExt cx="0" cy="0"/>
+        </a:xfrm>
+      </p:grpSpPr>
+      <p:sp>
+        <p:nvSpPr>
+          <p:cNvPr id="5" name="內容版面配置區 4"/>
+          <p:cNvSpPr>
+            <a:spLocks noGrp="1"/>
+          </p:cNvSpPr>
+          <p:nvPr>
+            <p:ph idx="1"/>
+          </p:nvPr>
+        </p:nvSpPr>
+        <p:spPr>
+          <a:xfrm>
+            <a:off x="0" y="2084853"/>
+            <a:ext cx="12192000" cy="2404863"/>
+          </a:xfrm>
+        </p:spPr>
+        <p:txBody>
+          <a:bodyPr anchor="ctr">
+            <a:normAutofit/>
+          </a:bodyPr>
+          <a:lstStyle/>
+          <a:p>
+            <a:pPr marL="0" indent="0" algn="ctr">
+              <a:buNone/>
+            </a:pPr>
+            <a:r>
+              <a:rPr lang="zh-TW" altLang="en-US" sz="6400" b="1" dirty="0">
+                <a:solidFill>
+                  <a:srgbClr val="000066"/>
+                </a:solidFill>
+                <a:latin typeface="Microsoft JhengHei" panose="020B0604030504040204" pitchFamily="34" charset="-120"/>
+                <a:ea typeface="Microsoft JhengHei" panose="020B0604030504040204" pitchFamily="34" charset="-120"/>
+              </a:rPr>
+              <a:t>倚靠耶和華重造新生命</a:t>
+            </a:r>
+            <a:endParaRPr lang="en-US" altLang="zh-TW" sz="6400" b="1" dirty="0">
+              <a:solidFill>
+                <a:srgbClr val="000066"/>
+              </a:solidFill>
+              <a:latin typeface="Microsoft JhengHei" panose="020B0604030504040204" pitchFamily="34" charset="-120"/>
+              <a:ea typeface="Microsoft JhengHei" panose="020B0604030504040204" pitchFamily="34" charset="-120"/>
+            </a:endParaRPr>
+          </a:p>
+          <a:p>
+            <a:pPr marL="0" indent="0" algn="ctr">
+              <a:buNone/>
+            </a:pPr>
+            <a:r>
+              <a:rPr lang="zh-TW" altLang="en-US" sz="6400" b="1" dirty="0">
+                <a:solidFill>
+                  <a:srgbClr val="000066"/>
+                </a:solidFill>
+                <a:latin typeface="Microsoft JhengHei" panose="020B0604030504040204" pitchFamily="34" charset="-120"/>
+                <a:ea typeface="Microsoft JhengHei" panose="020B0604030504040204" pitchFamily="34" charset="-120"/>
+              </a:rPr>
+              <a:t>重擔必卸開</a:t>
+            </a:r>
+            <a:endParaRPr lang="en-US" altLang="zh-TW" sz="6400" b="1" dirty="0">
+              <a:solidFill>
+                <a:srgbClr val="000066"/>
+              </a:solidFill>
+              <a:latin typeface="Microsoft JhengHei" panose="020B0604030504040204" pitchFamily="34" charset="-120"/>
+              <a:ea typeface="Microsoft JhengHei" panose="020B0604030504040204" pitchFamily="34" charset="-120"/>
+            </a:endParaRPr>
+          </a:p>
+        </p:txBody>
+      </p:sp>
+    </p:spTree>
+    <p:extLst>
+      <p:ext uri="{BB962C8B-B14F-4D97-AF65-F5344CB8AC3E}">
+        <p14:creationId xmlns="" xmlns:p14="http://schemas.microsoft.com/office/powerpoint/2010/main" val="3325784101"/>
+      </p:ext>
+    </p:extLst>
+  </p:cSld>
+  <p:clrMapOvr>
+    <a:masterClrMapping/>
+  </p:clrMapOvr>
+</p:sld>
+</file>
+
+<file path=ppt/slides/slide11.xml><?xml version="1.0" encoding="utf-8"?>
+<p:sld xmlns:a="http://schemas.openxmlformats.org/drawingml/2006/main" xmlns:r="http://schemas.openxmlformats.org/officeDocument/2006/relationships" xmlns:p="http://schemas.openxmlformats.org/presentationml/2006/main">
+  <p:cSld>
+    <p:spTree>
+      <p:nvGrpSpPr>
+        <p:cNvPr id="1" name=""/>
+        <p:cNvGrpSpPr/>
+        <p:nvPr/>
+      </p:nvGrpSpPr>
+      <p:grpSpPr>
+        <a:xfrm>
+          <a:off x="0" y="0"/>
+          <a:ext cx="0" cy="0"/>
+          <a:chOff x="0" y="0"/>
+          <a:chExt cx="0" cy="0"/>
+        </a:xfrm>
+      </p:grpSpPr>
+      <p:sp>
+        <p:nvSpPr>
+          <p:cNvPr id="5" name="內容版面配置區 4"/>
+          <p:cNvSpPr>
+            <a:spLocks noGrp="1"/>
+          </p:cNvSpPr>
+          <p:nvPr>
+            <p:ph idx="1"/>
+          </p:nvPr>
+        </p:nvSpPr>
+        <p:spPr>
+          <a:xfrm>
+            <a:off x="0" y="2084853"/>
+            <a:ext cx="12192000" cy="2404863"/>
+          </a:xfrm>
+        </p:spPr>
+        <p:txBody>
+          <a:bodyPr anchor="ctr">
+            <a:normAutofit/>
+          </a:bodyPr>
+          <a:lstStyle/>
+          <a:p>
+            <a:pPr marL="0" indent="0" algn="ctr">
+              <a:buNone/>
+            </a:pPr>
+            <a:r>
+              <a:rPr lang="zh-TW" altLang="en-US" sz="6400" b="1" dirty="0">
+                <a:solidFill>
+                  <a:srgbClr val="000066"/>
+                </a:solidFill>
+                <a:latin typeface="Microsoft JhengHei" panose="020B0604030504040204" pitchFamily="34" charset="-120"/>
+                <a:ea typeface="Microsoft JhengHei" panose="020B0604030504040204" pitchFamily="34" charset="-120"/>
+              </a:rPr>
+              <a:t>這一刻我縱是失意</a:t>
+            </a:r>
+            <a:endParaRPr lang="en-US" altLang="zh-TW" sz="6400" b="1" dirty="0">
+              <a:solidFill>
+                <a:srgbClr val="000066"/>
+              </a:solidFill>
+              <a:latin typeface="Microsoft JhengHei" panose="020B0604030504040204" pitchFamily="34" charset="-120"/>
+              <a:ea typeface="Microsoft JhengHei" panose="020B0604030504040204" pitchFamily="34" charset="-120"/>
+            </a:endParaRPr>
+          </a:p>
+          <a:p>
+            <a:pPr marL="0" indent="0" algn="ctr">
+              <a:buNone/>
+            </a:pPr>
+            <a:r>
+              <a:rPr lang="zh-TW" altLang="en-US" sz="6400" b="1" dirty="0">
+                <a:solidFill>
+                  <a:srgbClr val="000066"/>
+                </a:solidFill>
+                <a:latin typeface="Microsoft JhengHei" panose="020B0604030504040204" pitchFamily="34" charset="-120"/>
+                <a:ea typeface="Microsoft JhengHei" panose="020B0604030504040204" pitchFamily="34" charset="-120"/>
+              </a:rPr>
+              <a:t>失去平靜與安穩</a:t>
+            </a:r>
+            <a:endParaRPr lang="en-US" altLang="zh-TW" sz="6400" b="1" dirty="0">
+              <a:solidFill>
+                <a:srgbClr val="000066"/>
+              </a:solidFill>
+              <a:latin typeface="Microsoft JhengHei" panose="020B0604030504040204" pitchFamily="34" charset="-120"/>
+              <a:ea typeface="Microsoft JhengHei" panose="020B0604030504040204" pitchFamily="34" charset="-120"/>
+            </a:endParaRPr>
+          </a:p>
+        </p:txBody>
+      </p:sp>
+    </p:spTree>
+    <p:extLst>
+      <p:ext uri="{BB962C8B-B14F-4D97-AF65-F5344CB8AC3E}">
+        <p14:creationId xmlns="" xmlns:p14="http://schemas.microsoft.com/office/powerpoint/2010/main" val="446551072"/>
+      </p:ext>
+    </p:extLst>
+  </p:cSld>
+  <p:clrMapOvr>
+    <a:masterClrMapping/>
+  </p:clrMapOvr>
+</p:sld>
+</file>
+
+<file path=ppt/slides/slide12.xml><?xml version="1.0" encoding="utf-8"?>
+<p:sld xmlns:a="http://schemas.openxmlformats.org/drawingml/2006/main" xmlns:r="http://schemas.openxmlformats.org/officeDocument/2006/relationships" xmlns:p="http://schemas.openxmlformats.org/presentationml/2006/main">
+  <p:cSld>
+    <p:spTree>
+      <p:nvGrpSpPr>
+        <p:cNvPr id="1" name=""/>
+        <p:cNvGrpSpPr/>
+        <p:nvPr/>
+      </p:nvGrpSpPr>
+      <p:grpSpPr>
+        <a:xfrm>
+          <a:off x="0" y="0"/>
+          <a:ext cx="0" cy="0"/>
+          <a:chOff x="0" y="0"/>
+          <a:chExt cx="0" cy="0"/>
+        </a:xfrm>
+      </p:grpSpPr>
+      <p:sp>
+        <p:nvSpPr>
+          <p:cNvPr id="5" name="內容版面配置區 4"/>
+          <p:cNvSpPr>
+            <a:spLocks noGrp="1"/>
+          </p:cNvSpPr>
+          <p:nvPr>
+            <p:ph idx="1"/>
+          </p:nvPr>
+        </p:nvSpPr>
+        <p:spPr>
+          <a:xfrm>
+            <a:off x="0" y="2084853"/>
+            <a:ext cx="12192000" cy="2404863"/>
+          </a:xfrm>
+        </p:spPr>
+        <p:txBody>
+          <a:bodyPr anchor="ctr">
+            <a:normAutofit/>
+          </a:bodyPr>
+          <a:lstStyle/>
+          <a:p>
+            <a:pPr marL="0" indent="0" algn="ctr">
+              <a:buNone/>
+            </a:pPr>
+            <a:r>
+              <a:rPr lang="zh-TW" altLang="en-US" sz="6400" b="1" dirty="0">
+                <a:solidFill>
+                  <a:srgbClr val="000066"/>
+                </a:solidFill>
+                <a:latin typeface="Microsoft JhengHei" panose="020B0604030504040204" pitchFamily="34" charset="-120"/>
+                <a:ea typeface="Microsoft JhengHei" panose="020B0604030504040204" pitchFamily="34" charset="-120"/>
+              </a:rPr>
+              <a:t>倚靠耶和華</a:t>
+            </a:r>
+            <a:endParaRPr lang="en-US" altLang="zh-TW" sz="6400" b="1" dirty="0">
+              <a:solidFill>
+                <a:srgbClr val="000066"/>
+              </a:solidFill>
+              <a:latin typeface="Microsoft JhengHei" panose="020B0604030504040204" pitchFamily="34" charset="-120"/>
+              <a:ea typeface="Microsoft JhengHei" panose="020B0604030504040204" pitchFamily="34" charset="-120"/>
+            </a:endParaRPr>
+          </a:p>
+          <a:p>
+            <a:pPr marL="0" indent="0" algn="ctr">
+              <a:buNone/>
+            </a:pPr>
+            <a:r>
+              <a:rPr lang="zh-TW" altLang="en-US" sz="6400" b="1" dirty="0">
+                <a:solidFill>
+                  <a:srgbClr val="000066"/>
+                </a:solidFill>
+                <a:latin typeface="Microsoft JhengHei" panose="020B0604030504040204" pitchFamily="34" charset="-120"/>
+                <a:ea typeface="Microsoft JhengHei" panose="020B0604030504040204" pitchFamily="34" charset="-120"/>
+              </a:rPr>
+              <a:t>令擔子變輕省</a:t>
+            </a:r>
+            <a:endParaRPr lang="en-US" altLang="zh-TW" sz="6400" b="1" dirty="0">
+              <a:solidFill>
+                <a:srgbClr val="000066"/>
+              </a:solidFill>
+              <a:latin typeface="Microsoft JhengHei" panose="020B0604030504040204" pitchFamily="34" charset="-120"/>
+              <a:ea typeface="Microsoft JhengHei" panose="020B0604030504040204" pitchFamily="34" charset="-120"/>
+            </a:endParaRPr>
+          </a:p>
+        </p:txBody>
+      </p:sp>
+    </p:spTree>
+    <p:extLst>
+      <p:ext uri="{BB962C8B-B14F-4D97-AF65-F5344CB8AC3E}">
+        <p14:creationId xmlns="" xmlns:p14="http://schemas.microsoft.com/office/powerpoint/2010/main" val="1635999840"/>
+      </p:ext>
+    </p:extLst>
+  </p:cSld>
+  <p:clrMapOvr>
+    <a:masterClrMapping/>
+  </p:clrMapOvr>
+</p:sld>
+</file>
+
+<file path=ppt/slides/slide13.xml><?xml version="1.0" encoding="utf-8"?>
+<p:sld xmlns:a="http://schemas.openxmlformats.org/drawingml/2006/main" xmlns:r="http://schemas.openxmlformats.org/officeDocument/2006/relationships" xmlns:p="http://schemas.openxmlformats.org/presentationml/2006/main">
+  <p:cSld>
+    <p:spTree>
+      <p:nvGrpSpPr>
+        <p:cNvPr id="1" name=""/>
+        <p:cNvGrpSpPr/>
+        <p:nvPr/>
+      </p:nvGrpSpPr>
+      <p:grpSpPr>
+        <a:xfrm>
+          <a:off x="0" y="0"/>
+          <a:ext cx="0" cy="0"/>
+          <a:chOff x="0" y="0"/>
+          <a:chExt cx="0" cy="0"/>
+        </a:xfrm>
+      </p:grpSpPr>
+      <p:sp>
+        <p:nvSpPr>
+          <p:cNvPr id="5" name="內容版面配置區 4"/>
+          <p:cNvSpPr>
+            <a:spLocks noGrp="1"/>
+          </p:cNvSpPr>
+          <p:nvPr>
+            <p:ph idx="1"/>
+          </p:nvPr>
+        </p:nvSpPr>
+        <p:spPr>
+          <a:xfrm>
+            <a:off x="0" y="2084853"/>
+            <a:ext cx="12192000" cy="2404863"/>
+          </a:xfrm>
+        </p:spPr>
+        <p:txBody>
+          <a:bodyPr anchor="ctr">
+            <a:normAutofit/>
+          </a:bodyPr>
+          <a:lstStyle/>
+          <a:p>
+            <a:pPr marL="0" indent="0" algn="ctr">
+              <a:buNone/>
+            </a:pPr>
+            <a:r>
+              <a:rPr lang="zh-TW" altLang="en-US" sz="6400" b="1" dirty="0">
+                <a:solidFill>
+                  <a:srgbClr val="000066"/>
+                </a:solidFill>
+                <a:latin typeface="Microsoft JhengHei" panose="020B0604030504040204" pitchFamily="34" charset="-120"/>
+                <a:ea typeface="Microsoft JhengHei" panose="020B0604030504040204" pitchFamily="34" charset="-120"/>
+              </a:rPr>
+              <a:t>是</a:t>
+            </a:r>
+            <a:r>
+              <a:rPr lang="zh-CN" altLang="en-US" sz="6400" b="1" dirty="0">
+                <a:solidFill>
+                  <a:srgbClr val="000066"/>
+                </a:solidFill>
+                <a:latin typeface="Microsoft JhengHei" panose="020B0604030504040204" pitchFamily="34" charset="-120"/>
+                <a:ea typeface="Microsoft JhengHei" panose="020B0604030504040204" pitchFamily="34" charset="-120"/>
+              </a:rPr>
+              <a:t>袮</a:t>
+            </a:r>
+            <a:r>
+              <a:rPr lang="zh-TW" altLang="en-US" sz="6400" b="1" dirty="0">
+                <a:solidFill>
+                  <a:srgbClr val="000066"/>
+                </a:solidFill>
+                <a:latin typeface="Microsoft JhengHei" panose="020B0604030504040204" pitchFamily="34" charset="-120"/>
+                <a:ea typeface="Microsoft JhengHei" panose="020B0604030504040204" pitchFamily="34" charset="-120"/>
+              </a:rPr>
+              <a:t>的犧牲令我改變</a:t>
+            </a:r>
+            <a:endParaRPr lang="en-US" altLang="zh-TW" sz="6400" b="1" dirty="0">
+              <a:solidFill>
+                <a:srgbClr val="000066"/>
+              </a:solidFill>
+              <a:latin typeface="Microsoft JhengHei" panose="020B0604030504040204" pitchFamily="34" charset="-120"/>
+              <a:ea typeface="Microsoft JhengHei" panose="020B0604030504040204" pitchFamily="34" charset="-120"/>
+            </a:endParaRPr>
+          </a:p>
+          <a:p>
+            <a:pPr marL="0" indent="0" algn="ctr">
+              <a:buNone/>
+            </a:pPr>
+            <a:r>
+              <a:rPr lang="zh-TW" altLang="en-US" sz="6400" b="1" dirty="0">
+                <a:solidFill>
+                  <a:srgbClr val="000066"/>
+                </a:solidFill>
+                <a:latin typeface="Microsoft JhengHei" panose="020B0604030504040204" pitchFamily="34" charset="-120"/>
+                <a:ea typeface="Microsoft JhengHei" panose="020B0604030504040204" pitchFamily="34" charset="-120"/>
+              </a:rPr>
+              <a:t>是</a:t>
+            </a:r>
+            <a:r>
+              <a:rPr lang="zh-CN" altLang="en-US" sz="6400" b="1" dirty="0">
+                <a:solidFill>
+                  <a:srgbClr val="000066"/>
+                </a:solidFill>
+                <a:latin typeface="Microsoft JhengHei" panose="020B0604030504040204" pitchFamily="34" charset="-120"/>
+                <a:ea typeface="Microsoft JhengHei" panose="020B0604030504040204" pitchFamily="34" charset="-120"/>
+              </a:rPr>
+              <a:t>袮</a:t>
+            </a:r>
+            <a:r>
+              <a:rPr lang="zh-TW" altLang="en-US" sz="6400" b="1" dirty="0">
+                <a:solidFill>
+                  <a:srgbClr val="000066"/>
+                </a:solidFill>
+                <a:latin typeface="Microsoft JhengHei" panose="020B0604030504040204" pitchFamily="34" charset="-120"/>
+                <a:ea typeface="Microsoft JhengHei" panose="020B0604030504040204" pitchFamily="34" charset="-120"/>
+              </a:rPr>
+              <a:t>的恩典導我行</a:t>
+            </a:r>
+            <a:endParaRPr lang="en-US" altLang="zh-TW" sz="6400" b="1" dirty="0">
+              <a:solidFill>
+                <a:srgbClr val="000066"/>
+              </a:solidFill>
+              <a:latin typeface="Microsoft JhengHei" panose="020B0604030504040204" pitchFamily="34" charset="-120"/>
+              <a:ea typeface="Microsoft JhengHei" panose="020B0604030504040204" pitchFamily="34" charset="-120"/>
+            </a:endParaRPr>
+          </a:p>
+        </p:txBody>
+      </p:sp>
+    </p:spTree>
+    <p:extLst>
+      <p:ext uri="{BB962C8B-B14F-4D97-AF65-F5344CB8AC3E}">
+        <p14:creationId xmlns="" xmlns:p14="http://schemas.microsoft.com/office/powerpoint/2010/main" val="748289643"/>
+      </p:ext>
+    </p:extLst>
+  </p:cSld>
+  <p:clrMapOvr>
+    <a:masterClrMapping/>
+  </p:clrMapOvr>
+</p:sld>
+</file>
+
+<file path=ppt/slides/slide14.xml><?xml version="1.0" encoding="utf-8"?>
+<p:sld xmlns:a="http://schemas.openxmlformats.org/drawingml/2006/main" xmlns:r="http://schemas.openxmlformats.org/officeDocument/2006/relationships" xmlns:p="http://schemas.openxmlformats.org/presentationml/2006/main">
+  <p:cSld>
+    <p:spTree>
+      <p:nvGrpSpPr>
+        <p:cNvPr id="1" name=""/>
+        <p:cNvGrpSpPr/>
+        <p:nvPr/>
+      </p:nvGrpSpPr>
+      <p:grpSpPr>
+        <a:xfrm>
+          <a:off x="0" y="0"/>
+          <a:ext cx="0" cy="0"/>
+          <a:chOff x="0" y="0"/>
+          <a:chExt cx="0" cy="0"/>
+        </a:xfrm>
+      </p:grpSpPr>
+      <p:sp>
+        <p:nvSpPr>
+          <p:cNvPr id="5" name="內容版面配置區 4"/>
+          <p:cNvSpPr>
+            <a:spLocks noGrp="1"/>
+          </p:cNvSpPr>
+          <p:nvPr>
+            <p:ph idx="1"/>
+          </p:nvPr>
+        </p:nvSpPr>
+        <p:spPr>
+          <a:xfrm>
+            <a:off x="0" y="2084853"/>
+            <a:ext cx="12192000" cy="2404863"/>
+          </a:xfrm>
+        </p:spPr>
+        <p:txBody>
+          <a:bodyPr anchor="ctr">
+            <a:normAutofit/>
+          </a:bodyPr>
+          <a:lstStyle/>
+          <a:p>
+            <a:pPr marL="0" indent="0" algn="ctr">
+              <a:buNone/>
+            </a:pPr>
+            <a:r>
+              <a:rPr lang="zh-TW" altLang="en-US" sz="6400" b="1" dirty="0">
+                <a:solidFill>
+                  <a:srgbClr val="000066"/>
+                </a:solidFill>
+                <a:latin typeface="Microsoft JhengHei" panose="020B0604030504040204" pitchFamily="34" charset="-120"/>
+                <a:ea typeface="Microsoft JhengHei" panose="020B0604030504040204" pitchFamily="34" charset="-120"/>
+              </a:rPr>
+              <a:t>是</a:t>
+            </a:r>
+            <a:r>
+              <a:rPr lang="zh-CN" altLang="en-US" sz="6400" b="1" dirty="0">
+                <a:solidFill>
+                  <a:srgbClr val="000066"/>
+                </a:solidFill>
+                <a:latin typeface="Microsoft JhengHei" panose="020B0604030504040204" pitchFamily="34" charset="-120"/>
+                <a:ea typeface="Microsoft JhengHei" panose="020B0604030504040204" pitchFamily="34" charset="-120"/>
+              </a:rPr>
+              <a:t>袮</a:t>
+            </a:r>
+            <a:r>
+              <a:rPr lang="zh-TW" altLang="en-US" sz="6400" b="1" dirty="0">
+                <a:solidFill>
+                  <a:srgbClr val="000066"/>
+                </a:solidFill>
+                <a:latin typeface="Microsoft JhengHei" panose="020B0604030504040204" pitchFamily="34" charset="-120"/>
+                <a:ea typeface="Microsoft JhengHei" panose="020B0604030504040204" pitchFamily="34" charset="-120"/>
+              </a:rPr>
+              <a:t>的恩手伴我走過</a:t>
+            </a:r>
+            <a:endParaRPr lang="en-US" altLang="zh-TW" sz="6400" b="1" dirty="0">
+              <a:solidFill>
+                <a:srgbClr val="000066"/>
+              </a:solidFill>
+              <a:latin typeface="Microsoft JhengHei" panose="020B0604030504040204" pitchFamily="34" charset="-120"/>
+              <a:ea typeface="Microsoft JhengHei" panose="020B0604030504040204" pitchFamily="34" charset="-120"/>
+            </a:endParaRPr>
+          </a:p>
+          <a:p>
+            <a:pPr marL="0" indent="0" algn="ctr">
+              <a:buNone/>
+            </a:pPr>
+            <a:r>
+              <a:rPr lang="zh-TW" altLang="en-US" sz="6400" b="1" dirty="0">
+                <a:solidFill>
+                  <a:srgbClr val="000066"/>
+                </a:solidFill>
+                <a:latin typeface="Microsoft JhengHei" panose="020B0604030504040204" pitchFamily="34" charset="-120"/>
+                <a:ea typeface="Microsoft JhengHei" panose="020B0604030504040204" pitchFamily="34" charset="-120"/>
+              </a:rPr>
+              <a:t>是</a:t>
+            </a:r>
+            <a:r>
+              <a:rPr lang="zh-CN" altLang="en-US" sz="6400" b="1" dirty="0">
+                <a:solidFill>
+                  <a:srgbClr val="000066"/>
+                </a:solidFill>
+                <a:latin typeface="Microsoft JhengHei" panose="020B0604030504040204" pitchFamily="34" charset="-120"/>
+                <a:ea typeface="Microsoft JhengHei" panose="020B0604030504040204" pitchFamily="34" charset="-120"/>
+              </a:rPr>
+              <a:t>袮</a:t>
+            </a:r>
+            <a:r>
+              <a:rPr lang="zh-TW" altLang="en-US" sz="6400" b="1" dirty="0">
+                <a:solidFill>
+                  <a:srgbClr val="000066"/>
+                </a:solidFill>
+                <a:latin typeface="Microsoft JhengHei" panose="020B0604030504040204" pitchFamily="34" charset="-120"/>
+                <a:ea typeface="Microsoft JhengHei" panose="020B0604030504040204" pitchFamily="34" charset="-120"/>
+              </a:rPr>
+              <a:t>的深愛不捨不棄</a:t>
+            </a:r>
+            <a:endParaRPr lang="en-US" altLang="zh-TW" sz="6400" b="1" dirty="0">
+              <a:solidFill>
+                <a:srgbClr val="000066"/>
+              </a:solidFill>
+              <a:latin typeface="Microsoft JhengHei" panose="020B0604030504040204" pitchFamily="34" charset="-120"/>
+              <a:ea typeface="Microsoft JhengHei" panose="020B0604030504040204" pitchFamily="34" charset="-120"/>
+            </a:endParaRPr>
+          </a:p>
+        </p:txBody>
+      </p:sp>
+    </p:spTree>
+    <p:extLst>
+      <p:ext uri="{BB962C8B-B14F-4D97-AF65-F5344CB8AC3E}">
+        <p14:creationId xmlns="" xmlns:p14="http://schemas.microsoft.com/office/powerpoint/2010/main" val="2214601653"/>
+      </p:ext>
+    </p:extLst>
+  </p:cSld>
+  <p:clrMapOvr>
+    <a:masterClrMapping/>
+  </p:clrMapOvr>
+</p:sld>
+</file>
+
+<file path=ppt/slides/slide15.xml><?xml version="1.0" encoding="utf-8"?>
+<p:sld xmlns:a="http://schemas.openxmlformats.org/drawingml/2006/main" xmlns:r="http://schemas.openxmlformats.org/officeDocument/2006/relationships" xmlns:p="http://schemas.openxmlformats.org/presentationml/2006/main">
+  <p:cSld>
+    <p:spTree>
+      <p:nvGrpSpPr>
+        <p:cNvPr id="1" name=""/>
+        <p:cNvGrpSpPr/>
+        <p:nvPr/>
+      </p:nvGrpSpPr>
+      <p:grpSpPr>
+        <a:xfrm>
+          <a:off x="0" y="0"/>
+          <a:ext cx="0" cy="0"/>
+          <a:chOff x="0" y="0"/>
+          <a:chExt cx="0" cy="0"/>
+        </a:xfrm>
+      </p:grpSpPr>
+      <p:sp>
+        <p:nvSpPr>
+          <p:cNvPr id="5" name="內容版面配置區 4"/>
+          <p:cNvSpPr>
+            <a:spLocks noGrp="1"/>
+          </p:cNvSpPr>
+          <p:nvPr>
+            <p:ph idx="1"/>
+          </p:nvPr>
+        </p:nvSpPr>
+        <p:spPr>
+          <a:xfrm>
+            <a:off x="0" y="2084853"/>
+            <a:ext cx="12192000" cy="2404863"/>
+          </a:xfrm>
+        </p:spPr>
+        <p:txBody>
+          <a:bodyPr anchor="ctr">
+            <a:normAutofit/>
+          </a:bodyPr>
+          <a:lstStyle/>
+          <a:p>
+            <a:pPr marL="0" indent="0" algn="ctr">
+              <a:buNone/>
+            </a:pPr>
+            <a:r>
+              <a:rPr lang="zh-TW" altLang="en-US" sz="6400" b="1" dirty="0">
+                <a:solidFill>
+                  <a:srgbClr val="000066"/>
+                </a:solidFill>
+                <a:latin typeface="Microsoft JhengHei" panose="020B0604030504040204" pitchFamily="34" charset="-120"/>
+                <a:ea typeface="Microsoft JhengHei" panose="020B0604030504040204" pitchFamily="34" charset="-120"/>
+              </a:rPr>
+              <a:t>來日讓我仰賴應許</a:t>
+            </a:r>
+            <a:endParaRPr lang="en-US" altLang="zh-TW" sz="6400" b="1" dirty="0">
+              <a:solidFill>
+                <a:srgbClr val="000066"/>
+              </a:solidFill>
+              <a:latin typeface="Microsoft JhengHei" panose="020B0604030504040204" pitchFamily="34" charset="-120"/>
+              <a:ea typeface="Microsoft JhengHei" panose="020B0604030504040204" pitchFamily="34" charset="-120"/>
+            </a:endParaRPr>
+          </a:p>
+          <a:p>
+            <a:pPr marL="0" indent="0" algn="ctr">
+              <a:buNone/>
+            </a:pPr>
+            <a:r>
+              <a:rPr lang="zh-TW" altLang="en-US" sz="6400" b="1" dirty="0">
+                <a:solidFill>
+                  <a:srgbClr val="000066"/>
+                </a:solidFill>
+                <a:latin typeface="Microsoft JhengHei" panose="020B0604030504040204" pitchFamily="34" charset="-120"/>
+                <a:ea typeface="Microsoft JhengHei" panose="020B0604030504040204" pitchFamily="34" charset="-120"/>
+              </a:rPr>
+              <a:t>充滿能力與希望</a:t>
+            </a:r>
+            <a:endParaRPr lang="en-US" altLang="zh-TW" sz="6400" b="1" dirty="0">
+              <a:solidFill>
+                <a:srgbClr val="000066"/>
+              </a:solidFill>
+              <a:latin typeface="Microsoft JhengHei" panose="020B0604030504040204" pitchFamily="34" charset="-120"/>
+              <a:ea typeface="Microsoft JhengHei" panose="020B0604030504040204" pitchFamily="34" charset="-120"/>
+            </a:endParaRPr>
+          </a:p>
+        </p:txBody>
+      </p:sp>
+    </p:spTree>
+    <p:extLst>
+      <p:ext uri="{BB962C8B-B14F-4D97-AF65-F5344CB8AC3E}">
+        <p14:creationId xmlns="" xmlns:p14="http://schemas.microsoft.com/office/powerpoint/2010/main" val="568107215"/>
+      </p:ext>
+    </p:extLst>
+  </p:cSld>
+  <p:clrMapOvr>
+    <a:masterClrMapping/>
+  </p:clrMapOvr>
+</p:sld>
+</file>
+
+<file path=ppt/slides/slide16.xml><?xml version="1.0" encoding="utf-8"?>
+<p:sld xmlns:a="http://schemas.openxmlformats.org/drawingml/2006/main" xmlns:r="http://schemas.openxmlformats.org/officeDocument/2006/relationships" xmlns:p="http://schemas.openxmlformats.org/presentationml/2006/main">
+  <p:cSld>
+    <p:spTree>
+      <p:nvGrpSpPr>
+        <p:cNvPr id="1" name=""/>
+        <p:cNvGrpSpPr/>
+        <p:nvPr/>
+      </p:nvGrpSpPr>
+      <p:grpSpPr>
+        <a:xfrm>
+          <a:off x="0" y="0"/>
+          <a:ext cx="0" cy="0"/>
+          <a:chOff x="0" y="0"/>
+          <a:chExt cx="0" cy="0"/>
+        </a:xfrm>
+      </p:grpSpPr>
+      <p:sp>
+        <p:nvSpPr>
+          <p:cNvPr id="5" name="內容版面配置區 4"/>
+          <p:cNvSpPr>
+            <a:spLocks noGrp="1"/>
+          </p:cNvSpPr>
+          <p:nvPr>
+            <p:ph idx="1"/>
+          </p:nvPr>
+        </p:nvSpPr>
+        <p:spPr>
+          <a:xfrm>
+            <a:off x="0" y="2084853"/>
+            <a:ext cx="12192000" cy="2404863"/>
+          </a:xfrm>
+        </p:spPr>
+        <p:txBody>
+          <a:bodyPr anchor="ctr">
+            <a:normAutofit/>
+          </a:bodyPr>
+          <a:lstStyle/>
+          <a:p>
+            <a:pPr marL="0" indent="0" algn="ctr">
+              <a:buNone/>
+            </a:pPr>
+            <a:r>
+              <a:rPr lang="zh-TW" altLang="en-US" sz="6400" b="1" dirty="0">
+                <a:solidFill>
+                  <a:srgbClr val="000066"/>
+                </a:solidFill>
+                <a:latin typeface="Microsoft JhengHei" panose="020B0604030504040204" pitchFamily="34" charset="-120"/>
+                <a:ea typeface="Microsoft JhengHei" panose="020B0604030504040204" pitchFamily="34" charset="-120"/>
+              </a:rPr>
+              <a:t>倚靠耶和華伴我一世走過</a:t>
+            </a:r>
+            <a:endParaRPr lang="en-US" altLang="zh-TW" sz="6400" b="1" dirty="0">
+              <a:solidFill>
+                <a:srgbClr val="000066"/>
+              </a:solidFill>
+              <a:latin typeface="Microsoft JhengHei" panose="020B0604030504040204" pitchFamily="34" charset="-120"/>
+              <a:ea typeface="Microsoft JhengHei" panose="020B0604030504040204" pitchFamily="34" charset="-120"/>
+            </a:endParaRPr>
+          </a:p>
+        </p:txBody>
+      </p:sp>
+    </p:spTree>
+    <p:extLst>
+      <p:ext uri="{BB962C8B-B14F-4D97-AF65-F5344CB8AC3E}">
+        <p14:creationId xmlns="" xmlns:p14="http://schemas.microsoft.com/office/powerpoint/2010/main" val="765053641"/>
+      </p:ext>
+    </p:extLst>
+  </p:cSld>
+  <p:clrMapOvr>
+    <a:masterClrMapping/>
+  </p:clrMapOvr>
+</p:sld>
+</file>
+
+<file path=ppt/slides/slide17.xml><?xml version="1.0" encoding="utf-8"?>
+<p:sld xmlns:a="http://schemas.openxmlformats.org/drawingml/2006/main" xmlns:r="http://schemas.openxmlformats.org/officeDocument/2006/relationships" xmlns:p="http://schemas.openxmlformats.org/presentationml/2006/main">
+  <p:cSld>
+    <p:spTree>
+      <p:nvGrpSpPr>
+        <p:cNvPr id="1" name=""/>
+        <p:cNvGrpSpPr/>
+        <p:nvPr/>
+      </p:nvGrpSpPr>
+      <p:grpSpPr>
+        <a:xfrm>
+          <a:off x="0" y="0"/>
+          <a:ext cx="0" cy="0"/>
+          <a:chOff x="0" y="0"/>
+          <a:chExt cx="0" cy="0"/>
+        </a:xfrm>
+      </p:grpSpPr>
+      <p:sp>
+        <p:nvSpPr>
+          <p:cNvPr id="4" name="標題 3"/>
+          <p:cNvSpPr>
+            <a:spLocks noGrp="1"/>
+          </p:cNvSpPr>
+          <p:nvPr>
+            <p:ph type="title"/>
+          </p:nvPr>
+        </p:nvSpPr>
+        <p:spPr/>
+        <p:txBody>
+          <a:bodyPr>
+            <a:normAutofit/>
+          </a:bodyPr>
+          <a:lstStyle/>
+          <a:p>
+            <a:r>
+              <a:rPr lang="zh-TW" altLang="en-US" sz="4800" b="1" dirty="0">
+                <a:latin typeface="Microsoft JhengHei" panose="020B0604030504040204" pitchFamily="34" charset="-120"/>
+                <a:ea typeface="Microsoft JhengHei" panose="020B0604030504040204" pitchFamily="34" charset="-120"/>
+              </a:rPr>
+              <a:t>愛與被愛</a:t>
+            </a:r>
+          </a:p>
+        </p:txBody>
+      </p:sp>
+      <p:sp>
+        <p:nvSpPr>
+          <p:cNvPr id="5" name="內容版面配置區 4"/>
+          <p:cNvSpPr>
+            <a:spLocks noGrp="1"/>
+          </p:cNvSpPr>
+          <p:nvPr>
+            <p:ph idx="1"/>
+          </p:nvPr>
+        </p:nvSpPr>
+        <p:spPr>
+          <a:xfrm>
+            <a:off x="0" y="1600200"/>
+            <a:ext cx="12192000" cy="5257800"/>
+          </a:xfrm>
+        </p:spPr>
+        <p:txBody>
+          <a:bodyPr>
+            <a:noAutofit/>
+          </a:bodyPr>
+          <a:lstStyle/>
+          <a:p>
+            <a:pPr algn="ctr">
+              <a:buNone/>
+            </a:pPr>
+            <a:r>
+              <a:rPr lang="zh-TW" altLang="en-US" sz="5400" b="1" dirty="0">
+                <a:latin typeface="Microsoft JhengHei" panose="020B0604030504040204" pitchFamily="34" charset="-120"/>
+                <a:ea typeface="Microsoft JhengHei" panose="020B0604030504040204" pitchFamily="34" charset="-120"/>
+              </a:rPr>
+              <a:t>愛與被愛數不清的交織的網</a:t>
+            </a:r>
+            <a:endParaRPr lang="en-US" altLang="zh-TW" sz="5400" b="1" dirty="0">
+              <a:latin typeface="Microsoft JhengHei" panose="020B0604030504040204" pitchFamily="34" charset="-120"/>
+              <a:ea typeface="Microsoft JhengHei" panose="020B0604030504040204" pitchFamily="34" charset="-120"/>
+            </a:endParaRPr>
+          </a:p>
+          <a:p>
+            <a:pPr algn="ctr">
+              <a:buNone/>
+            </a:pPr>
+            <a:r>
+              <a:rPr lang="zh-TW" altLang="en-US" sz="5400" b="1" dirty="0">
+                <a:latin typeface="Microsoft JhengHei" panose="020B0604030504040204" pitchFamily="34" charset="-120"/>
+                <a:ea typeface="Microsoft JhengHei" panose="020B0604030504040204" pitchFamily="34" charset="-120"/>
+              </a:rPr>
+              <a:t>怎會教人說精采</a:t>
+            </a:r>
+            <a:endParaRPr lang="en-US" altLang="zh-TW" sz="5400" b="1" dirty="0">
+              <a:latin typeface="Microsoft JhengHei" panose="020B0604030504040204" pitchFamily="34" charset="-120"/>
+              <a:ea typeface="Microsoft JhengHei" panose="020B0604030504040204" pitchFamily="34" charset="-120"/>
+            </a:endParaRPr>
+          </a:p>
+          <a:p>
+            <a:pPr algn="ctr">
+              <a:buNone/>
+            </a:pPr>
+            <a:r>
+              <a:rPr lang="zh-TW" altLang="en-US" sz="5400" b="1" dirty="0">
+                <a:latin typeface="Microsoft JhengHei" panose="020B0604030504040204" pitchFamily="34" charset="-120"/>
+                <a:ea typeface="Microsoft JhengHei" panose="020B0604030504040204" pitchFamily="34" charset="-120"/>
+              </a:rPr>
+              <a:t>愛與被愛  真心真意珍惜珍貴</a:t>
+            </a:r>
+            <a:endParaRPr lang="en-US" altLang="zh-TW" sz="5400" b="1" dirty="0">
+              <a:latin typeface="Microsoft JhengHei" panose="020B0604030504040204" pitchFamily="34" charset="-120"/>
+              <a:ea typeface="Microsoft JhengHei" panose="020B0604030504040204" pitchFamily="34" charset="-120"/>
+            </a:endParaRPr>
+          </a:p>
+          <a:p>
+            <a:pPr algn="ctr">
+              <a:buNone/>
+            </a:pPr>
+            <a:r>
+              <a:rPr lang="zh-TW" altLang="en-US" sz="5400" b="1" dirty="0">
+                <a:latin typeface="Microsoft JhengHei" panose="020B0604030504040204" pitchFamily="34" charset="-120"/>
+                <a:ea typeface="Microsoft JhengHei" panose="020B0604030504040204" pitchFamily="34" charset="-120"/>
+              </a:rPr>
+              <a:t>只怕最難求是愛</a:t>
+            </a:r>
+          </a:p>
+        </p:txBody>
+      </p:sp>
+    </p:spTree>
+    <p:extLst>
+      <p:ext uri="{BB962C8B-B14F-4D97-AF65-F5344CB8AC3E}">
+        <p14:creationId xmlns="" xmlns:p14="http://schemas.microsoft.com/office/powerpoint/2010/main" val="2454955740"/>
+      </p:ext>
+    </p:extLst>
+  </p:cSld>
+  <p:clrMapOvr>
+    <a:masterClrMapping/>
+  </p:clrMapOvr>
+</p:sld>
+</file>
+
+<file path=ppt/slides/slide18.xml><?xml version="1.0" encoding="utf-8"?>
+<p:sld xmlns:a="http://schemas.openxmlformats.org/drawingml/2006/main" xmlns:r="http://schemas.openxmlformats.org/officeDocument/2006/relationships" xmlns:p="http://schemas.openxmlformats.org/presentationml/2006/main">
+  <p:cSld>
+    <p:spTree>
+      <p:nvGrpSpPr>
+        <p:cNvPr id="1" name=""/>
+        <p:cNvGrpSpPr/>
+        <p:nvPr/>
+      </p:nvGrpSpPr>
+      <p:grpSpPr>
+        <a:xfrm>
+          <a:off x="0" y="0"/>
+          <a:ext cx="0" cy="0"/>
+          <a:chOff x="0" y="0"/>
+          <a:chExt cx="0" cy="0"/>
+        </a:xfrm>
+      </p:grpSpPr>
+      <p:sp>
+        <p:nvSpPr>
+          <p:cNvPr id="4" name="標題 3"/>
+          <p:cNvSpPr>
+            <a:spLocks noGrp="1"/>
+          </p:cNvSpPr>
+          <p:nvPr>
+            <p:ph type="title"/>
+          </p:nvPr>
+        </p:nvSpPr>
+        <p:spPr/>
+        <p:txBody>
+          <a:bodyPr>
+            <a:normAutofit/>
+          </a:bodyPr>
+          <a:lstStyle/>
+          <a:p>
+            <a:r>
+              <a:rPr lang="zh-TW" altLang="en-US" sz="4800" b="1" dirty="0">
+                <a:latin typeface="Microsoft JhengHei" panose="020B0604030504040204" pitchFamily="34" charset="-120"/>
+                <a:ea typeface="Microsoft JhengHei" panose="020B0604030504040204" pitchFamily="34" charset="-120"/>
+              </a:rPr>
+              <a:t>愛與被愛</a:t>
+            </a:r>
+          </a:p>
+        </p:txBody>
+      </p:sp>
+      <p:sp>
+        <p:nvSpPr>
+          <p:cNvPr id="5" name="內容版面配置區 4"/>
+          <p:cNvSpPr>
+            <a:spLocks noGrp="1"/>
+          </p:cNvSpPr>
+          <p:nvPr>
+            <p:ph idx="1"/>
+          </p:nvPr>
+        </p:nvSpPr>
+        <p:spPr>
+          <a:xfrm>
+            <a:off x="1524000" y="1600200"/>
+            <a:ext cx="9144000" cy="5257800"/>
+          </a:xfrm>
+        </p:spPr>
+        <p:txBody>
+          <a:bodyPr>
+            <a:noAutofit/>
+          </a:bodyPr>
+          <a:lstStyle/>
+          <a:p>
+            <a:pPr algn="ctr">
+              <a:buNone/>
+            </a:pPr>
+            <a:r>
+              <a:rPr lang="zh-TW" altLang="en-US" sz="5400" b="1" dirty="0">
+                <a:latin typeface="Microsoft JhengHei" panose="020B0604030504040204" pitchFamily="34" charset="-120"/>
+                <a:ea typeface="Microsoft JhengHei" panose="020B0604030504040204" pitchFamily="34" charset="-120"/>
+              </a:rPr>
+              <a:t>哀傷裡尋到擁抱</a:t>
+            </a:r>
+            <a:endParaRPr lang="en-US" altLang="zh-TW" sz="5400" b="1" dirty="0">
+              <a:latin typeface="Microsoft JhengHei" panose="020B0604030504040204" pitchFamily="34" charset="-120"/>
+              <a:ea typeface="Microsoft JhengHei" panose="020B0604030504040204" pitchFamily="34" charset="-120"/>
+            </a:endParaRPr>
+          </a:p>
+          <a:p>
+            <a:pPr algn="ctr">
+              <a:buNone/>
+            </a:pPr>
+            <a:r>
+              <a:rPr lang="zh-TW" altLang="en-US" sz="5400" b="1" dirty="0">
+                <a:latin typeface="Microsoft JhengHei" panose="020B0604030504040204" pitchFamily="34" charset="-120"/>
+                <a:ea typeface="Microsoft JhengHei" panose="020B0604030504040204" pitchFamily="34" charset="-120"/>
+              </a:rPr>
+              <a:t>低谷裡能夠升高</a:t>
+            </a:r>
+            <a:endParaRPr lang="en-US" altLang="zh-TW" sz="5400" b="1" dirty="0">
+              <a:latin typeface="Microsoft JhengHei" panose="020B0604030504040204" pitchFamily="34" charset="-120"/>
+              <a:ea typeface="Microsoft JhengHei" panose="020B0604030504040204" pitchFamily="34" charset="-120"/>
+            </a:endParaRPr>
+          </a:p>
+          <a:p>
+            <a:pPr algn="ctr">
+              <a:buNone/>
+            </a:pPr>
+            <a:r>
+              <a:rPr lang="zh-TW" altLang="en-US" sz="5400" b="1" dirty="0">
+                <a:latin typeface="Microsoft JhengHei" panose="020B0604030504040204" pitchFamily="34" charset="-120"/>
+                <a:ea typeface="Microsoft JhengHei" panose="020B0604030504040204" pitchFamily="34" charset="-120"/>
+              </a:rPr>
+              <a:t>艱苦裡能同心禱告</a:t>
+            </a:r>
+            <a:endParaRPr lang="en-US" altLang="zh-TW" sz="5400" b="1" dirty="0">
+              <a:latin typeface="Microsoft JhengHei" panose="020B0604030504040204" pitchFamily="34" charset="-120"/>
+              <a:ea typeface="Microsoft JhengHei" panose="020B0604030504040204" pitchFamily="34" charset="-120"/>
+            </a:endParaRPr>
+          </a:p>
+          <a:p>
+            <a:pPr algn="ctr">
+              <a:buNone/>
+            </a:pPr>
+            <a:r>
+              <a:rPr lang="zh-TW" altLang="en-US" sz="5400" b="1" dirty="0">
+                <a:latin typeface="Microsoft JhengHei" panose="020B0604030504040204" pitchFamily="34" charset="-120"/>
+                <a:ea typeface="Microsoft JhengHei" panose="020B0604030504040204" pitchFamily="34" charset="-120"/>
+              </a:rPr>
+              <a:t>在跌倒時來鼓舞</a:t>
+            </a:r>
+          </a:p>
+        </p:txBody>
+      </p:sp>
+    </p:spTree>
+    <p:extLst>
+      <p:ext uri="{BB962C8B-B14F-4D97-AF65-F5344CB8AC3E}">
+        <p14:creationId xmlns="" xmlns:p14="http://schemas.microsoft.com/office/powerpoint/2010/main" val="2641435686"/>
+      </p:ext>
+    </p:extLst>
+  </p:cSld>
+  <p:clrMapOvr>
+    <a:masterClrMapping/>
+  </p:clrMapOvr>
+</p:sld>
+</file>
+
+<file path=ppt/slides/slide19.xml><?xml version="1.0" encoding="utf-8"?>
+<p:sld xmlns:a="http://schemas.openxmlformats.org/drawingml/2006/main" xmlns:r="http://schemas.openxmlformats.org/officeDocument/2006/relationships" xmlns:p="http://schemas.openxmlformats.org/presentationml/2006/main">
+  <p:cSld>
+    <p:spTree>
+      <p:nvGrpSpPr>
+        <p:cNvPr id="1" name=""/>
+        <p:cNvGrpSpPr/>
+        <p:nvPr/>
+      </p:nvGrpSpPr>
+      <p:grpSpPr>
+        <a:xfrm>
+          <a:off x="0" y="0"/>
+          <a:ext cx="0" cy="0"/>
+          <a:chOff x="0" y="0"/>
+          <a:chExt cx="0" cy="0"/>
+        </a:xfrm>
+      </p:grpSpPr>
+      <p:sp>
+        <p:nvSpPr>
+          <p:cNvPr id="4" name="標題 3"/>
+          <p:cNvSpPr>
+            <a:spLocks noGrp="1"/>
+          </p:cNvSpPr>
+          <p:nvPr>
+            <p:ph type="title"/>
+          </p:nvPr>
+        </p:nvSpPr>
+        <p:spPr/>
+        <p:txBody>
+          <a:bodyPr>
+            <a:normAutofit/>
+          </a:bodyPr>
+          <a:lstStyle/>
+          <a:p>
+            <a:r>
+              <a:rPr lang="zh-TW" altLang="en-US" sz="4800" b="1" dirty="0">
+                <a:latin typeface="Microsoft JhengHei" panose="020B0604030504040204" pitchFamily="34" charset="-120"/>
+                <a:ea typeface="Microsoft JhengHei" panose="020B0604030504040204" pitchFamily="34" charset="-120"/>
+              </a:rPr>
+              <a:t>愛與被愛</a:t>
+            </a:r>
+          </a:p>
+        </p:txBody>
+      </p:sp>
+      <p:sp>
+        <p:nvSpPr>
+          <p:cNvPr id="5" name="內容版面配置區 4"/>
+          <p:cNvSpPr>
+            <a:spLocks noGrp="1"/>
+          </p:cNvSpPr>
+          <p:nvPr>
+            <p:ph idx="1"/>
+          </p:nvPr>
+        </p:nvSpPr>
+        <p:spPr>
+          <a:xfrm>
+            <a:off x="1524000" y="1600200"/>
+            <a:ext cx="9144000" cy="5257800"/>
+          </a:xfrm>
+        </p:spPr>
+        <p:txBody>
+          <a:bodyPr>
+            <a:noAutofit/>
+          </a:bodyPr>
+          <a:lstStyle/>
+          <a:p>
+            <a:pPr algn="ctr">
+              <a:buNone/>
+            </a:pPr>
+            <a:r>
+              <a:rPr lang="zh-TW" altLang="en-US" sz="5400" b="1" dirty="0">
+                <a:latin typeface="Microsoft JhengHei" panose="020B0604030504040204" pitchFamily="34" charset="-120"/>
+                <a:ea typeface="Microsoft JhengHei" panose="020B0604030504040204" pitchFamily="34" charset="-120"/>
+              </a:rPr>
+              <a:t>原來神是愛</a:t>
+            </a:r>
+            <a:endParaRPr lang="en-US" altLang="zh-TW" sz="5400" b="1" dirty="0">
+              <a:latin typeface="Microsoft JhengHei" panose="020B0604030504040204" pitchFamily="34" charset="-120"/>
+              <a:ea typeface="Microsoft JhengHei" panose="020B0604030504040204" pitchFamily="34" charset="-120"/>
+            </a:endParaRPr>
+          </a:p>
+          <a:p>
+            <a:pPr algn="ctr">
+              <a:buNone/>
+            </a:pPr>
+            <a:r>
+              <a:rPr lang="zh-TW" altLang="en-US" sz="5400" b="1" dirty="0">
+                <a:latin typeface="Microsoft JhengHei" panose="020B0604030504040204" pitchFamily="34" charset="-120"/>
+                <a:ea typeface="Microsoft JhengHei" panose="020B0604030504040204" pitchFamily="34" charset="-120"/>
+              </a:rPr>
+              <a:t>太初開始已是存在</a:t>
+            </a:r>
+            <a:endParaRPr lang="en-US" altLang="zh-TW" sz="5400" b="1" dirty="0">
+              <a:latin typeface="Microsoft JhengHei" panose="020B0604030504040204" pitchFamily="34" charset="-120"/>
+              <a:ea typeface="Microsoft JhengHei" panose="020B0604030504040204" pitchFamily="34" charset="-120"/>
+            </a:endParaRPr>
+          </a:p>
+          <a:p>
+            <a:pPr algn="ctr">
+              <a:buNone/>
+            </a:pPr>
+            <a:r>
+              <a:rPr lang="zh-TW" altLang="en-US" sz="5400" b="1" dirty="0">
+                <a:latin typeface="Microsoft JhengHei" panose="020B0604030504040204" pitchFamily="34" charset="-120"/>
+                <a:ea typeface="Microsoft JhengHei" panose="020B0604030504040204" pitchFamily="34" charset="-120"/>
+              </a:rPr>
+              <a:t>全憑神是愛</a:t>
+            </a:r>
+            <a:endParaRPr lang="en-US" altLang="zh-TW" sz="5400" b="1" dirty="0">
+              <a:latin typeface="Microsoft JhengHei" panose="020B0604030504040204" pitchFamily="34" charset="-120"/>
+              <a:ea typeface="Microsoft JhengHei" panose="020B0604030504040204" pitchFamily="34" charset="-120"/>
+            </a:endParaRPr>
+          </a:p>
+          <a:p>
+            <a:pPr algn="ctr">
+              <a:buNone/>
+            </a:pPr>
+            <a:r>
+              <a:rPr lang="zh-TW" altLang="en-US" sz="5400" b="1" dirty="0">
+                <a:latin typeface="Microsoft JhengHei" panose="020B0604030504040204" pitchFamily="34" charset="-120"/>
+                <a:ea typeface="Microsoft JhengHei" panose="020B0604030504040204" pitchFamily="34" charset="-120"/>
+              </a:rPr>
+              <a:t>護蔭一生使我空虛不再</a:t>
+            </a:r>
+          </a:p>
+        </p:txBody>
+      </p:sp>
+    </p:spTree>
+    <p:extLst>
+      <p:ext uri="{BB962C8B-B14F-4D97-AF65-F5344CB8AC3E}">
+        <p14:creationId xmlns="" xmlns:p14="http://schemas.microsoft.com/office/powerpoint/2010/main" val="4049016008"/>
+      </p:ext>
+    </p:extLst>
+  </p:cSld>
+  <p:clrMapOvr>
+    <a:masterClrMapping/>
+  </p:clrMapOvr>
 </p:sld>
 </file>
 
@@ -3331,7 +7466,7 @@
           <a:blip r:embed="rId2">
             <a:extLst>
               <a:ext uri="{28A0092B-C50C-407E-A947-70E740481C1C}">
-                <a14:useLocalDpi xmlns:a14="http://schemas.microsoft.com/office/drawing/2010/main" val="0"/>
+                <a14:useLocalDpi xmlns:a14="http://schemas.microsoft.com/office/drawing/2010/main" xmlns="" val="0"/>
               </a:ext>
             </a:extLst>
           </a:blip>
@@ -3351,7 +7486,7 @@
           <a:noFill/>
           <a:extLst>
             <a:ext uri="{909E8E84-426E-40DD-AFC4-6F175D3DCCD1}">
-              <a14:hiddenFill xmlns:a14="http://schemas.microsoft.com/office/drawing/2010/main">
+              <a14:hiddenFill xmlns:a14="http://schemas.microsoft.com/office/drawing/2010/main" xmlns="">
                 <a:solidFill>
                   <a:srgbClr val="FFFFFF"/>
                 </a:solidFill>
@@ -3441,41 +7576,8 @@
                 <a:ea typeface="MS PGothic" pitchFamily="34" charset="-128"/>
                 <a:cs typeface="Latha" pitchFamily="34" charset="0"/>
               </a:rPr>
-              <a:t>Jesus gives everything to </a:t>
-            </a:r>
-            <a:r>
-              <a:rPr lang="en-US" altLang="zh-TW" sz="4800" b="1" dirty="0">
-                <a:solidFill>
-                  <a:srgbClr val="FF0000"/>
-                </a:solidFill>
-                <a:effectLst>
-                  <a:outerShdw blurRad="38100" dist="38100" dir="2700000" algn="tl">
-                    <a:srgbClr val="000000">
-                      <a:alpha val="43137"/>
-                    </a:srgbClr>
-                  </a:outerShdw>
-                </a:effectLst>
-                <a:latin typeface="MS PGothic" pitchFamily="34" charset="-128"/>
-                <a:ea typeface="MS PGothic" pitchFamily="34" charset="-128"/>
-                <a:cs typeface="Latha" pitchFamily="34" charset="0"/>
-              </a:rPr>
-              <a:t>you</a:t>
-            </a:r>
-            <a:endParaRPr lang="en-US" altLang="zh-TW" sz="4800" b="1" dirty="0">
-              <a:solidFill>
-                <a:srgbClr val="FF0000"/>
-              </a:solidFill>
-              <a:effectLst>
-                <a:outerShdw blurRad="38100" dist="38100" dir="2700000" algn="tl">
-                  <a:srgbClr val="000000">
-                    <a:alpha val="43137"/>
-                  </a:srgbClr>
-                </a:outerShdw>
-              </a:effectLst>
-              <a:latin typeface="MS PGothic" pitchFamily="34" charset="-128"/>
-              <a:ea typeface="MS PGothic" pitchFamily="34" charset="-128"/>
-              <a:cs typeface="Latha" pitchFamily="34" charset="0"/>
-            </a:endParaRPr>
+              <a:t>Jesus gives everything to you</a:t>
+            </a:r>
           </a:p>
           <a:p>
             <a:pPr marL="0" indent="0" algn="ctr">
@@ -3496,41 +7598,7 @@
                 <a:latin typeface="標楷體" pitchFamily="65" charset="-120"/>
                 <a:ea typeface="標楷體" pitchFamily="65" charset="-120"/>
               </a:rPr>
-              <a:t>要開開心</a:t>
-            </a:r>
-            <a:r>
-              <a:rPr lang="zh-TW" altLang="zh-TW" sz="4800" b="1" dirty="0">
-                <a:solidFill>
-                  <a:srgbClr val="FF0000"/>
-                </a:solidFill>
-                <a:effectLst>
-                  <a:outerShdw blurRad="38100" dist="38100" dir="2700000" algn="tl">
-                    <a:srgbClr val="000000">
-                      <a:alpha val="43137"/>
-                    </a:srgbClr>
-                  </a:outerShdw>
-                </a:effectLst>
-                <a:latin typeface="標楷體" pitchFamily="65" charset="-120"/>
-                <a:ea typeface="標楷體" pitchFamily="65" charset="-120"/>
-              </a:rPr>
-              <a:t>分享出去，話你</a:t>
-            </a:r>
-            <a:r>
-              <a:rPr lang="zh-TW" altLang="zh-TW" sz="4800" b="1" dirty="0">
-                <a:solidFill>
-                  <a:srgbClr val="FF0000"/>
-                </a:solidFill>
-                <a:effectLst>
-                  <a:outerShdw blurRad="38100" dist="38100" dir="2700000" algn="tl">
-                    <a:srgbClr val="000000">
-                      <a:alpha val="43137"/>
-                    </a:srgbClr>
-                  </a:outerShdw>
-                </a:effectLst>
-                <a:latin typeface="標楷體" pitchFamily="65" charset="-120"/>
-                <a:ea typeface="標楷體" pitchFamily="65" charset="-120"/>
-              </a:rPr>
-              <a:t>知</a:t>
+              <a:t>要開開心分享出去，話你知</a:t>
             </a:r>
             <a:endParaRPr lang="en-US" altLang="zh-TW" sz="4800" b="1" dirty="0">
               <a:solidFill>
@@ -3566,75 +7634,7 @@
                 <a:latin typeface="標楷體" pitchFamily="65" charset="-120"/>
                 <a:ea typeface="標楷體" pitchFamily="65" charset="-120"/>
               </a:rPr>
-              <a:t>記住</a:t>
-            </a:r>
-            <a:r>
-              <a:rPr lang="zh-TW" altLang="zh-TW" sz="4800" b="1" dirty="0">
-                <a:solidFill>
-                  <a:srgbClr val="FF0000"/>
-                </a:solidFill>
-                <a:effectLst>
-                  <a:outerShdw blurRad="38100" dist="38100" dir="2700000" algn="tl">
-                    <a:srgbClr val="000000">
-                      <a:alpha val="43137"/>
-                    </a:srgbClr>
-                  </a:outerShdw>
-                </a:effectLst>
-                <a:latin typeface="標楷體" pitchFamily="65" charset="-120"/>
-                <a:ea typeface="標楷體" pitchFamily="65" charset="-120"/>
-              </a:rPr>
-              <a:t>啦</a:t>
-            </a:r>
-            <a:r>
-              <a:rPr lang="zh-TW" altLang="zh-TW" sz="4800" b="1" dirty="0">
-                <a:solidFill>
-                  <a:srgbClr val="FF0000"/>
-                </a:solidFill>
-                <a:effectLst>
-                  <a:outerShdw blurRad="38100" dist="38100" dir="2700000" algn="tl">
-                    <a:srgbClr val="000000">
-                      <a:alpha val="43137"/>
-                    </a:srgbClr>
-                  </a:outerShdw>
-                </a:effectLst>
-                <a:latin typeface="標楷體" pitchFamily="65" charset="-120"/>
-                <a:ea typeface="標楷體" pitchFamily="65" charset="-120"/>
-              </a:rPr>
-              <a:t>，齊齊學</a:t>
-            </a:r>
-            <a:r>
-              <a:rPr lang="zh-TW" altLang="zh-TW" sz="4800" b="1" dirty="0">
-                <a:solidFill>
-                  <a:srgbClr val="FF0000"/>
-                </a:solidFill>
-                <a:effectLst>
-                  <a:outerShdw blurRad="38100" dist="38100" dir="2700000" algn="tl">
-                    <a:srgbClr val="000000">
-                      <a:alpha val="43137"/>
-                    </a:srgbClr>
-                  </a:outerShdw>
-                </a:effectLst>
-                <a:latin typeface="標楷體" pitchFamily="65" charset="-120"/>
-                <a:ea typeface="標楷體" pitchFamily="65" charset="-120"/>
-              </a:rPr>
-              <a:t>這</a:t>
-            </a:r>
-            <a:r>
-              <a:rPr lang="zh-TW" altLang="zh-TW" sz="4800" b="1" dirty="0">
-                <a:solidFill>
-                  <a:srgbClr val="FF0000"/>
-                </a:solidFill>
-                <a:effectLst>
-                  <a:outerShdw blurRad="38100" dist="38100" dir="2700000" algn="tl">
-                    <a:srgbClr val="000000">
-                      <a:alpha val="43137"/>
-                    </a:srgbClr>
-                  </a:outerShdw>
-                </a:effectLst>
-                <a:latin typeface="標楷體" pitchFamily="65" charset="-120"/>
-                <a:ea typeface="標楷體" pitchFamily="65" charset="-120"/>
-              </a:rPr>
-              <a:t>句子</a:t>
+              <a:t>記住啦，齊齊學這句子</a:t>
             </a:r>
             <a:endParaRPr lang="en-US" altLang="zh-TW" sz="4800" b="1" dirty="0">
               <a:solidFill>
@@ -3728,7 +7728,7 @@
     </p:spTree>
     <p:extLst>
       <p:ext uri="{BB962C8B-B14F-4D97-AF65-F5344CB8AC3E}">
-        <p14:creationId xmlns:p14="http://schemas.microsoft.com/office/powerpoint/2010/main" val="3534724326"/>
+        <p14:creationId xmlns:p14="http://schemas.microsoft.com/office/powerpoint/2010/main" xmlns="" val="3534724326"/>
       </p:ext>
     </p:extLst>
   </p:cSld>
@@ -3742,6 +7742,1172 @@
       </p:par>
     </p:tnLst>
   </p:timing>
+</p:sld>
+</file>
+
+<file path=ppt/slides/slide20.xml><?xml version="1.0" encoding="utf-8"?>
+<p:sld xmlns:a="http://schemas.openxmlformats.org/drawingml/2006/main" xmlns:r="http://schemas.openxmlformats.org/officeDocument/2006/relationships" xmlns:p="http://schemas.openxmlformats.org/presentationml/2006/main">
+  <p:cSld>
+    <p:spTree>
+      <p:nvGrpSpPr>
+        <p:cNvPr id="1" name=""/>
+        <p:cNvGrpSpPr/>
+        <p:nvPr/>
+      </p:nvGrpSpPr>
+      <p:grpSpPr>
+        <a:xfrm>
+          <a:off x="0" y="0"/>
+          <a:ext cx="0" cy="0"/>
+          <a:chOff x="0" y="0"/>
+          <a:chExt cx="0" cy="0"/>
+        </a:xfrm>
+      </p:grpSpPr>
+      <p:sp>
+        <p:nvSpPr>
+          <p:cNvPr id="4" name="標題 3"/>
+          <p:cNvSpPr>
+            <a:spLocks noGrp="1"/>
+          </p:cNvSpPr>
+          <p:nvPr>
+            <p:ph type="title"/>
+          </p:nvPr>
+        </p:nvSpPr>
+        <p:spPr/>
+        <p:txBody>
+          <a:bodyPr>
+            <a:normAutofit/>
+          </a:bodyPr>
+          <a:lstStyle/>
+          <a:p>
+            <a:r>
+              <a:rPr lang="zh-TW" altLang="en-US" sz="4800" b="1" dirty="0">
+                <a:latin typeface="Microsoft JhengHei" panose="020B0604030504040204" pitchFamily="34" charset="-120"/>
+                <a:ea typeface="Microsoft JhengHei" panose="020B0604030504040204" pitchFamily="34" charset="-120"/>
+              </a:rPr>
+              <a:t>愛與被愛</a:t>
+            </a:r>
+          </a:p>
+        </p:txBody>
+      </p:sp>
+      <p:sp>
+        <p:nvSpPr>
+          <p:cNvPr id="5" name="內容版面配置區 4"/>
+          <p:cNvSpPr>
+            <a:spLocks noGrp="1"/>
+          </p:cNvSpPr>
+          <p:nvPr>
+            <p:ph idx="1"/>
+          </p:nvPr>
+        </p:nvSpPr>
+        <p:spPr>
+          <a:xfrm>
+            <a:off x="1524000" y="1600200"/>
+            <a:ext cx="9144000" cy="5257800"/>
+          </a:xfrm>
+        </p:spPr>
+        <p:txBody>
+          <a:bodyPr>
+            <a:noAutofit/>
+          </a:bodyPr>
+          <a:lstStyle/>
+          <a:p>
+            <a:pPr algn="ctr">
+              <a:buNone/>
+            </a:pPr>
+            <a:r>
+              <a:rPr lang="zh-TW" altLang="en-US" sz="5400" b="1" dirty="0">
+                <a:latin typeface="Microsoft JhengHei" panose="020B0604030504040204" pitchFamily="34" charset="-120"/>
+                <a:ea typeface="Microsoft JhengHei" panose="020B0604030504040204" pitchFamily="34" charset="-120"/>
+              </a:rPr>
+              <a:t>為我擦亮眼曉得愛與被愛</a:t>
+            </a:r>
+            <a:endParaRPr lang="en-US" altLang="zh-TW" sz="5400" b="1" dirty="0">
+              <a:latin typeface="Microsoft JhengHei" panose="020B0604030504040204" pitchFamily="34" charset="-120"/>
+              <a:ea typeface="Microsoft JhengHei" panose="020B0604030504040204" pitchFamily="34" charset="-120"/>
+            </a:endParaRPr>
+          </a:p>
+          <a:p>
+            <a:pPr algn="ctr">
+              <a:buNone/>
+            </a:pPr>
+            <a:r>
+              <a:rPr lang="zh-TW" altLang="en-US" sz="5400" b="1" dirty="0">
+                <a:latin typeface="Microsoft JhengHei" panose="020B0604030504040204" pitchFamily="34" charset="-120"/>
+                <a:ea typeface="Microsoft JhengHei" panose="020B0604030504040204" pitchFamily="34" charset="-120"/>
+              </a:rPr>
+              <a:t>這種感覺極期待</a:t>
+            </a:r>
+            <a:endParaRPr lang="en-US" altLang="zh-TW" sz="5400" b="1" dirty="0">
+              <a:latin typeface="Microsoft JhengHei" panose="020B0604030504040204" pitchFamily="34" charset="-120"/>
+              <a:ea typeface="Microsoft JhengHei" panose="020B0604030504040204" pitchFamily="34" charset="-120"/>
+            </a:endParaRPr>
+          </a:p>
+          <a:p>
+            <a:pPr algn="ctr">
+              <a:buNone/>
+            </a:pPr>
+            <a:r>
+              <a:rPr lang="zh-TW" altLang="en-US" sz="5400" b="1" dirty="0">
+                <a:latin typeface="Microsoft JhengHei" panose="020B0604030504040204" pitchFamily="34" charset="-120"/>
+                <a:ea typeface="Microsoft JhengHei" panose="020B0604030504040204" pitchFamily="34" charset="-120"/>
+              </a:rPr>
+              <a:t>用愛照亮我  福杯滿滿盛載</a:t>
+            </a:r>
+            <a:endParaRPr lang="en-US" altLang="zh-TW" sz="5400" b="1" dirty="0">
+              <a:latin typeface="Microsoft JhengHei" panose="020B0604030504040204" pitchFamily="34" charset="-120"/>
+              <a:ea typeface="Microsoft JhengHei" panose="020B0604030504040204" pitchFamily="34" charset="-120"/>
+            </a:endParaRPr>
+          </a:p>
+          <a:p>
+            <a:pPr algn="ctr">
+              <a:buNone/>
+            </a:pPr>
+            <a:r>
+              <a:rPr lang="zh-TW" altLang="en-US" sz="5400" b="1" dirty="0">
+                <a:latin typeface="Microsoft JhengHei" panose="020B0604030504040204" pitchFamily="34" charset="-120"/>
+                <a:ea typeface="Microsoft JhengHei" panose="020B0604030504040204" pitchFamily="34" charset="-120"/>
+              </a:rPr>
+              <a:t>豐盛無更改</a:t>
+            </a:r>
+          </a:p>
+        </p:txBody>
+      </p:sp>
+    </p:spTree>
+    <p:extLst>
+      <p:ext uri="{BB962C8B-B14F-4D97-AF65-F5344CB8AC3E}">
+        <p14:creationId xmlns="" xmlns:p14="http://schemas.microsoft.com/office/powerpoint/2010/main" val="843703002"/>
+      </p:ext>
+    </p:extLst>
+  </p:cSld>
+  <p:clrMapOvr>
+    <a:masterClrMapping/>
+  </p:clrMapOvr>
+</p:sld>
+</file>
+
+<file path=ppt/slides/slide21.xml><?xml version="1.0" encoding="utf-8"?>
+<p:sld xmlns:a="http://schemas.openxmlformats.org/drawingml/2006/main" xmlns:r="http://schemas.openxmlformats.org/officeDocument/2006/relationships" xmlns:p="http://schemas.openxmlformats.org/presentationml/2006/main">
+  <p:cSld>
+    <p:spTree>
+      <p:nvGrpSpPr>
+        <p:cNvPr id="1" name=""/>
+        <p:cNvGrpSpPr/>
+        <p:nvPr/>
+      </p:nvGrpSpPr>
+      <p:grpSpPr>
+        <a:xfrm>
+          <a:off x="0" y="0"/>
+          <a:ext cx="0" cy="0"/>
+          <a:chOff x="0" y="0"/>
+          <a:chExt cx="0" cy="0"/>
+        </a:xfrm>
+      </p:grpSpPr>
+      <p:sp>
+        <p:nvSpPr>
+          <p:cNvPr id="4" name="標題 3"/>
+          <p:cNvSpPr>
+            <a:spLocks noGrp="1"/>
+          </p:cNvSpPr>
+          <p:nvPr>
+            <p:ph type="title"/>
+          </p:nvPr>
+        </p:nvSpPr>
+        <p:spPr/>
+        <p:txBody>
+          <a:bodyPr/>
+          <a:lstStyle/>
+          <a:p>
+            <a:r>
+              <a:rPr lang="zh-TW" altLang="en-US" sz="4800" b="1" dirty="0">
+                <a:latin typeface="Microsoft JhengHei" panose="020B0604030504040204" pitchFamily="34" charset="-120"/>
+                <a:ea typeface="Microsoft JhengHei" panose="020B0604030504040204" pitchFamily="34" charset="-120"/>
+              </a:rPr>
+              <a:t>愛與被愛</a:t>
+            </a:r>
+          </a:p>
+        </p:txBody>
+      </p:sp>
+      <p:sp>
+        <p:nvSpPr>
+          <p:cNvPr id="5" name="內容版面配置區 4"/>
+          <p:cNvSpPr>
+            <a:spLocks noGrp="1"/>
+          </p:cNvSpPr>
+          <p:nvPr>
+            <p:ph idx="1"/>
+          </p:nvPr>
+        </p:nvSpPr>
+        <p:spPr>
+          <a:xfrm>
+            <a:off x="1524000" y="1600200"/>
+            <a:ext cx="9144000" cy="5257800"/>
+          </a:xfrm>
+        </p:spPr>
+        <p:txBody>
+          <a:bodyPr>
+            <a:noAutofit/>
+          </a:bodyPr>
+          <a:lstStyle/>
+          <a:p>
+            <a:pPr algn="ctr">
+              <a:buNone/>
+            </a:pPr>
+            <a:r>
+              <a:rPr lang="zh-TW" altLang="en-US" sz="5400" b="1" dirty="0">
+                <a:latin typeface="Microsoft JhengHei" panose="020B0604030504040204" pitchFamily="34" charset="-120"/>
+                <a:ea typeface="Microsoft JhengHei" panose="020B0604030504040204" pitchFamily="34" charset="-120"/>
+              </a:rPr>
+              <a:t>原來神是愛</a:t>
+            </a:r>
+            <a:endParaRPr lang="en-US" altLang="zh-TW" sz="5400" b="1" dirty="0">
+              <a:latin typeface="Microsoft JhengHei" panose="020B0604030504040204" pitchFamily="34" charset="-120"/>
+              <a:ea typeface="Microsoft JhengHei" panose="020B0604030504040204" pitchFamily="34" charset="-120"/>
+            </a:endParaRPr>
+          </a:p>
+          <a:p>
+            <a:pPr algn="ctr">
+              <a:buNone/>
+            </a:pPr>
+            <a:r>
+              <a:rPr lang="zh-TW" altLang="en-US" sz="5400" b="1" dirty="0">
+                <a:latin typeface="Microsoft JhengHei" panose="020B0604030504040204" pitchFamily="34" charset="-120"/>
+                <a:ea typeface="Microsoft JhengHei" panose="020B0604030504040204" pitchFamily="34" charset="-120"/>
+              </a:rPr>
+              <a:t>太初開始已是存在</a:t>
+            </a:r>
+            <a:endParaRPr lang="en-US" altLang="zh-TW" sz="5400" b="1" dirty="0">
+              <a:latin typeface="Microsoft JhengHei" panose="020B0604030504040204" pitchFamily="34" charset="-120"/>
+              <a:ea typeface="Microsoft JhengHei" panose="020B0604030504040204" pitchFamily="34" charset="-120"/>
+            </a:endParaRPr>
+          </a:p>
+          <a:p>
+            <a:pPr algn="ctr">
+              <a:buNone/>
+            </a:pPr>
+            <a:r>
+              <a:rPr lang="zh-TW" altLang="en-US" sz="5400" b="1" dirty="0">
+                <a:latin typeface="Microsoft JhengHei" panose="020B0604030504040204" pitchFamily="34" charset="-120"/>
+                <a:ea typeface="Microsoft JhengHei" panose="020B0604030504040204" pitchFamily="34" charset="-120"/>
+              </a:rPr>
+              <a:t>全憑神是愛</a:t>
+            </a:r>
+            <a:endParaRPr lang="en-US" altLang="zh-TW" sz="5400" b="1" dirty="0">
+              <a:latin typeface="Microsoft JhengHei" panose="020B0604030504040204" pitchFamily="34" charset="-120"/>
+              <a:ea typeface="Microsoft JhengHei" panose="020B0604030504040204" pitchFamily="34" charset="-120"/>
+            </a:endParaRPr>
+          </a:p>
+          <a:p>
+            <a:pPr algn="ctr">
+              <a:buNone/>
+            </a:pPr>
+            <a:r>
+              <a:rPr lang="zh-TW" altLang="en-US" sz="5400" b="1" dirty="0">
+                <a:latin typeface="Microsoft JhengHei" panose="020B0604030504040204" pitchFamily="34" charset="-120"/>
+                <a:ea typeface="Microsoft JhengHei" panose="020B0604030504040204" pitchFamily="34" charset="-120"/>
+              </a:rPr>
+              <a:t>護蔭一生使我空虛不再</a:t>
+            </a:r>
+          </a:p>
+        </p:txBody>
+      </p:sp>
+    </p:spTree>
+    <p:extLst>
+      <p:ext uri="{BB962C8B-B14F-4D97-AF65-F5344CB8AC3E}">
+        <p14:creationId xmlns="" xmlns:p14="http://schemas.microsoft.com/office/powerpoint/2010/main" val="361760779"/>
+      </p:ext>
+    </p:extLst>
+  </p:cSld>
+  <p:clrMapOvr>
+    <a:masterClrMapping/>
+  </p:clrMapOvr>
+</p:sld>
+</file>
+
+<file path=ppt/slides/slide22.xml><?xml version="1.0" encoding="utf-8"?>
+<p:sld xmlns:a="http://schemas.openxmlformats.org/drawingml/2006/main" xmlns:r="http://schemas.openxmlformats.org/officeDocument/2006/relationships" xmlns:p="http://schemas.openxmlformats.org/presentationml/2006/main">
+  <p:cSld>
+    <p:spTree>
+      <p:nvGrpSpPr>
+        <p:cNvPr id="1" name=""/>
+        <p:cNvGrpSpPr/>
+        <p:nvPr/>
+      </p:nvGrpSpPr>
+      <p:grpSpPr>
+        <a:xfrm>
+          <a:off x="0" y="0"/>
+          <a:ext cx="0" cy="0"/>
+          <a:chOff x="0" y="0"/>
+          <a:chExt cx="0" cy="0"/>
+        </a:xfrm>
+      </p:grpSpPr>
+      <p:sp>
+        <p:nvSpPr>
+          <p:cNvPr id="4" name="標題 3"/>
+          <p:cNvSpPr>
+            <a:spLocks noGrp="1"/>
+          </p:cNvSpPr>
+          <p:nvPr>
+            <p:ph type="title"/>
+          </p:nvPr>
+        </p:nvSpPr>
+        <p:spPr/>
+        <p:txBody>
+          <a:bodyPr>
+            <a:normAutofit/>
+          </a:bodyPr>
+          <a:lstStyle/>
+          <a:p>
+            <a:r>
+              <a:rPr lang="zh-TW" altLang="en-US" sz="4800" b="1" dirty="0">
+                <a:latin typeface="Microsoft JhengHei" panose="020B0604030504040204" pitchFamily="34" charset="-120"/>
+                <a:ea typeface="Microsoft JhengHei" panose="020B0604030504040204" pitchFamily="34" charset="-120"/>
+              </a:rPr>
+              <a:t>愛與被愛</a:t>
+            </a:r>
+          </a:p>
+        </p:txBody>
+      </p:sp>
+      <p:sp>
+        <p:nvSpPr>
+          <p:cNvPr id="5" name="內容版面配置區 4"/>
+          <p:cNvSpPr>
+            <a:spLocks noGrp="1"/>
+          </p:cNvSpPr>
+          <p:nvPr>
+            <p:ph idx="1"/>
+          </p:nvPr>
+        </p:nvSpPr>
+        <p:spPr>
+          <a:xfrm>
+            <a:off x="1524000" y="1600200"/>
+            <a:ext cx="9144000" cy="5257800"/>
+          </a:xfrm>
+        </p:spPr>
+        <p:txBody>
+          <a:bodyPr>
+            <a:noAutofit/>
+          </a:bodyPr>
+          <a:lstStyle/>
+          <a:p>
+            <a:pPr algn="ctr">
+              <a:buNone/>
+            </a:pPr>
+            <a:r>
+              <a:rPr lang="zh-TW" altLang="en-US" sz="5400" b="1" dirty="0">
+                <a:latin typeface="Microsoft JhengHei" panose="020B0604030504040204" pitchFamily="34" charset="-120"/>
+                <a:ea typeface="Microsoft JhengHei" panose="020B0604030504040204" pitchFamily="34" charset="-120"/>
+              </a:rPr>
+              <a:t>原來神是愛</a:t>
+            </a:r>
+            <a:endParaRPr lang="en-US" altLang="zh-TW" sz="5400" b="1" dirty="0">
+              <a:latin typeface="Microsoft JhengHei" panose="020B0604030504040204" pitchFamily="34" charset="-120"/>
+              <a:ea typeface="Microsoft JhengHei" panose="020B0604030504040204" pitchFamily="34" charset="-120"/>
+            </a:endParaRPr>
+          </a:p>
+          <a:p>
+            <a:pPr algn="ctr">
+              <a:buNone/>
+            </a:pPr>
+            <a:r>
+              <a:rPr lang="zh-TW" altLang="en-US" sz="5400" b="1" dirty="0">
+                <a:latin typeface="Microsoft JhengHei" panose="020B0604030504040204" pitchFamily="34" charset="-120"/>
+                <a:ea typeface="Microsoft JhengHei" panose="020B0604030504040204" pitchFamily="34" charset="-120"/>
+              </a:rPr>
+              <a:t>太初開始己是存在</a:t>
+            </a:r>
+            <a:endParaRPr lang="en-US" altLang="zh-TW" sz="5400" b="1" dirty="0">
+              <a:latin typeface="Microsoft JhengHei" panose="020B0604030504040204" pitchFamily="34" charset="-120"/>
+              <a:ea typeface="Microsoft JhengHei" panose="020B0604030504040204" pitchFamily="34" charset="-120"/>
+            </a:endParaRPr>
+          </a:p>
+          <a:p>
+            <a:pPr algn="ctr">
+              <a:buNone/>
+            </a:pPr>
+            <a:r>
+              <a:rPr lang="zh-TW" altLang="en-US" sz="5400" b="1" dirty="0">
+                <a:latin typeface="Microsoft JhengHei" panose="020B0604030504040204" pitchFamily="34" charset="-120"/>
+                <a:ea typeface="Microsoft JhengHei" panose="020B0604030504040204" pitchFamily="34" charset="-120"/>
+              </a:rPr>
+              <a:t>傳揚神是愛</a:t>
+            </a:r>
+            <a:endParaRPr lang="en-US" altLang="zh-TW" sz="5400" b="1" dirty="0">
+              <a:latin typeface="Microsoft JhengHei" panose="020B0604030504040204" pitchFamily="34" charset="-120"/>
+              <a:ea typeface="Microsoft JhengHei" panose="020B0604030504040204" pitchFamily="34" charset="-120"/>
+            </a:endParaRPr>
+          </a:p>
+          <a:p>
+            <a:pPr algn="ctr">
+              <a:buNone/>
+            </a:pPr>
+            <a:r>
+              <a:rPr lang="zh-TW" altLang="en-US" sz="5400" b="1" dirty="0">
+                <a:latin typeface="Microsoft JhengHei" panose="020B0604030504040204" pitchFamily="34" charset="-120"/>
+                <a:ea typeface="Microsoft JhengHei" panose="020B0604030504040204" pitchFamily="34" charset="-120"/>
+              </a:rPr>
+              <a:t>地老天荒不變不死的愛</a:t>
+            </a:r>
+          </a:p>
+        </p:txBody>
+      </p:sp>
+    </p:spTree>
+    <p:extLst>
+      <p:ext uri="{BB962C8B-B14F-4D97-AF65-F5344CB8AC3E}">
+        <p14:creationId xmlns="" xmlns:p14="http://schemas.microsoft.com/office/powerpoint/2010/main" val="3947718144"/>
+      </p:ext>
+    </p:extLst>
+  </p:cSld>
+  <p:clrMapOvr>
+    <a:masterClrMapping/>
+  </p:clrMapOvr>
+</p:sld>
+</file>
+
+<file path=ppt/slides/slide23.xml><?xml version="1.0" encoding="utf-8"?>
+<p:sld xmlns:a="http://schemas.openxmlformats.org/drawingml/2006/main" xmlns:r="http://schemas.openxmlformats.org/officeDocument/2006/relationships" xmlns:p="http://schemas.openxmlformats.org/presentationml/2006/main">
+  <p:cSld>
+    <p:spTree>
+      <p:nvGrpSpPr>
+        <p:cNvPr id="1" name=""/>
+        <p:cNvGrpSpPr/>
+        <p:nvPr/>
+      </p:nvGrpSpPr>
+      <p:grpSpPr>
+        <a:xfrm>
+          <a:off x="0" y="0"/>
+          <a:ext cx="0" cy="0"/>
+          <a:chOff x="0" y="0"/>
+          <a:chExt cx="0" cy="0"/>
+        </a:xfrm>
+      </p:grpSpPr>
+      <p:sp>
+        <p:nvSpPr>
+          <p:cNvPr id="4" name="標題 3"/>
+          <p:cNvSpPr>
+            <a:spLocks noGrp="1"/>
+          </p:cNvSpPr>
+          <p:nvPr>
+            <p:ph type="title"/>
+          </p:nvPr>
+        </p:nvSpPr>
+        <p:spPr/>
+        <p:txBody>
+          <a:bodyPr>
+            <a:normAutofit/>
+          </a:bodyPr>
+          <a:lstStyle/>
+          <a:p>
+            <a:r>
+              <a:rPr lang="zh-TW" altLang="en-US" sz="4800" b="1" dirty="0" smtClean="0">
+                <a:solidFill>
+                  <a:srgbClr val="000066"/>
+                </a:solidFill>
+                <a:latin typeface="微軟正黑體" pitchFamily="34" charset="-120"/>
+                <a:ea typeface="微軟正黑體" pitchFamily="34" charset="-120"/>
+              </a:rPr>
+              <a:t>讓</a:t>
+            </a:r>
+            <a:r>
+              <a:rPr lang="zh-TW" altLang="en-US" sz="4800" b="1" dirty="0">
+                <a:solidFill>
+                  <a:srgbClr val="000066"/>
+                </a:solidFill>
+                <a:latin typeface="微軟正黑體" pitchFamily="34" charset="-120"/>
+                <a:ea typeface="微軟正黑體" pitchFamily="34" charset="-120"/>
+              </a:rPr>
+              <a:t>我說聲謝謝你</a:t>
+            </a:r>
+          </a:p>
+        </p:txBody>
+      </p:sp>
+      <p:sp>
+        <p:nvSpPr>
+          <p:cNvPr id="5" name="內容版面配置區 4"/>
+          <p:cNvSpPr>
+            <a:spLocks noGrp="1"/>
+          </p:cNvSpPr>
+          <p:nvPr>
+            <p:ph idx="1"/>
+          </p:nvPr>
+        </p:nvSpPr>
+        <p:spPr/>
+        <p:txBody>
+          <a:bodyPr>
+            <a:noAutofit/>
+          </a:bodyPr>
+          <a:lstStyle/>
+          <a:p>
+            <a:pPr algn="ctr">
+              <a:buNone/>
+            </a:pPr>
+            <a:r>
+              <a:rPr lang="zh-TW" altLang="en-US" sz="5400" b="1" dirty="0">
+                <a:solidFill>
+                  <a:srgbClr val="000066"/>
+                </a:solidFill>
+                <a:latin typeface="微軟正黑體" pitchFamily="34" charset="-120"/>
+                <a:ea typeface="微軟正黑體" pitchFamily="34" charset="-120"/>
+              </a:rPr>
+              <a:t>還記得那一天我遇見你</a:t>
+            </a:r>
+            <a:endParaRPr lang="en-US" altLang="zh-TW" sz="5400" b="1" dirty="0">
+              <a:solidFill>
+                <a:srgbClr val="000066"/>
+              </a:solidFill>
+              <a:latin typeface="微軟正黑體" pitchFamily="34" charset="-120"/>
+              <a:ea typeface="微軟正黑體" pitchFamily="34" charset="-120"/>
+            </a:endParaRPr>
+          </a:p>
+          <a:p>
+            <a:pPr algn="ctr">
+              <a:buNone/>
+            </a:pPr>
+            <a:r>
+              <a:rPr lang="zh-TW" altLang="en-US" sz="5400" b="1" dirty="0">
+                <a:solidFill>
+                  <a:srgbClr val="000066"/>
+                </a:solidFill>
+                <a:latin typeface="微軟正黑體" pitchFamily="34" charset="-120"/>
+                <a:ea typeface="微軟正黑體" pitchFamily="34" charset="-120"/>
+              </a:rPr>
+              <a:t>你的真誠溫暖了我的心</a:t>
+            </a:r>
+            <a:endParaRPr lang="en-US" altLang="zh-TW" sz="5400" b="1" dirty="0">
+              <a:solidFill>
+                <a:srgbClr val="000066"/>
+              </a:solidFill>
+              <a:latin typeface="微軟正黑體" pitchFamily="34" charset="-120"/>
+              <a:ea typeface="微軟正黑體" pitchFamily="34" charset="-120"/>
+            </a:endParaRPr>
+          </a:p>
+          <a:p>
+            <a:pPr algn="ctr">
+              <a:buNone/>
+            </a:pPr>
+            <a:r>
+              <a:rPr lang="zh-TW" altLang="en-US" sz="5400" b="1" dirty="0">
+                <a:solidFill>
+                  <a:srgbClr val="000066"/>
+                </a:solidFill>
+                <a:latin typeface="微軟正黑體" pitchFamily="34" charset="-120"/>
+                <a:ea typeface="微軟正黑體" pitchFamily="34" charset="-120"/>
+              </a:rPr>
+              <a:t>生命中有了你  不再孤寂</a:t>
+            </a:r>
+            <a:endParaRPr lang="en-US" altLang="zh-TW" sz="5400" b="1" dirty="0">
+              <a:solidFill>
+                <a:srgbClr val="000066"/>
+              </a:solidFill>
+              <a:latin typeface="微軟正黑體" pitchFamily="34" charset="-120"/>
+              <a:ea typeface="微軟正黑體" pitchFamily="34" charset="-120"/>
+            </a:endParaRPr>
+          </a:p>
+          <a:p>
+            <a:pPr algn="ctr">
+              <a:buNone/>
+            </a:pPr>
+            <a:r>
+              <a:rPr lang="zh-TW" altLang="en-US" sz="5400" b="1" dirty="0">
+                <a:solidFill>
+                  <a:srgbClr val="000066"/>
+                </a:solidFill>
+                <a:latin typeface="微軟正黑體" pitchFamily="34" charset="-120"/>
+                <a:ea typeface="微軟正黑體" pitchFamily="34" charset="-120"/>
+              </a:rPr>
+              <a:t>讓我說一聲謝謝你</a:t>
+            </a:r>
+          </a:p>
+        </p:txBody>
+      </p:sp>
+    </p:spTree>
+    <p:extLst>
+      <p:ext uri="{BB962C8B-B14F-4D97-AF65-F5344CB8AC3E}">
+        <p14:creationId xmlns="" xmlns:p14="http://schemas.microsoft.com/office/powerpoint/2010/main" val="938237310"/>
+      </p:ext>
+    </p:extLst>
+  </p:cSld>
+  <p:clrMapOvr>
+    <a:masterClrMapping/>
+  </p:clrMapOvr>
+</p:sld>
+</file>
+
+<file path=ppt/slides/slide24.xml><?xml version="1.0" encoding="utf-8"?>
+<p:sld xmlns:a="http://schemas.openxmlformats.org/drawingml/2006/main" xmlns:r="http://schemas.openxmlformats.org/officeDocument/2006/relationships" xmlns:p="http://schemas.openxmlformats.org/presentationml/2006/main">
+  <p:cSld>
+    <p:spTree>
+      <p:nvGrpSpPr>
+        <p:cNvPr id="1" name=""/>
+        <p:cNvGrpSpPr/>
+        <p:nvPr/>
+      </p:nvGrpSpPr>
+      <p:grpSpPr>
+        <a:xfrm>
+          <a:off x="0" y="0"/>
+          <a:ext cx="0" cy="0"/>
+          <a:chOff x="0" y="0"/>
+          <a:chExt cx="0" cy="0"/>
+        </a:xfrm>
+      </p:grpSpPr>
+      <p:sp>
+        <p:nvSpPr>
+          <p:cNvPr id="4" name="標題 3"/>
+          <p:cNvSpPr>
+            <a:spLocks noGrp="1"/>
+          </p:cNvSpPr>
+          <p:nvPr>
+            <p:ph type="title"/>
+          </p:nvPr>
+        </p:nvSpPr>
+        <p:spPr/>
+        <p:txBody>
+          <a:bodyPr>
+            <a:normAutofit/>
+          </a:bodyPr>
+          <a:lstStyle/>
+          <a:p>
+            <a:r>
+              <a:rPr lang="zh-TW" altLang="en-US" sz="4800" b="1" dirty="0" smtClean="0">
+                <a:solidFill>
+                  <a:srgbClr val="000066"/>
+                </a:solidFill>
+                <a:latin typeface="微軟正黑體" pitchFamily="34" charset="-120"/>
+                <a:ea typeface="微軟正黑體" pitchFamily="34" charset="-120"/>
+              </a:rPr>
+              <a:t>讓</a:t>
+            </a:r>
+            <a:r>
+              <a:rPr lang="zh-TW" altLang="en-US" sz="4800" b="1" dirty="0">
+                <a:solidFill>
+                  <a:srgbClr val="000066"/>
+                </a:solidFill>
+                <a:latin typeface="微軟正黑體" pitchFamily="34" charset="-120"/>
+                <a:ea typeface="微軟正黑體" pitchFamily="34" charset="-120"/>
+              </a:rPr>
+              <a:t>我說聲謝謝你</a:t>
+            </a:r>
+          </a:p>
+        </p:txBody>
+      </p:sp>
+      <p:sp>
+        <p:nvSpPr>
+          <p:cNvPr id="5" name="內容版面配置區 4"/>
+          <p:cNvSpPr>
+            <a:spLocks noGrp="1"/>
+          </p:cNvSpPr>
+          <p:nvPr>
+            <p:ph idx="1"/>
+          </p:nvPr>
+        </p:nvSpPr>
+        <p:spPr/>
+        <p:txBody>
+          <a:bodyPr>
+            <a:noAutofit/>
+          </a:bodyPr>
+          <a:lstStyle/>
+          <a:p>
+            <a:pPr algn="ctr">
+              <a:buNone/>
+            </a:pPr>
+            <a:r>
+              <a:rPr lang="zh-TW" altLang="en-US" sz="5400" b="1" dirty="0">
+                <a:solidFill>
+                  <a:srgbClr val="000066"/>
+                </a:solidFill>
+                <a:latin typeface="微軟正黑體" pitchFamily="34" charset="-120"/>
+                <a:ea typeface="微軟正黑體" pitchFamily="34" charset="-120"/>
+              </a:rPr>
+              <a:t>謝謝你陪我一起 歡笑哭泣</a:t>
+            </a:r>
+            <a:endParaRPr lang="en-US" altLang="zh-TW" sz="5400" b="1" dirty="0">
+              <a:solidFill>
+                <a:srgbClr val="000066"/>
+              </a:solidFill>
+              <a:latin typeface="微軟正黑體" pitchFamily="34" charset="-120"/>
+              <a:ea typeface="微軟正黑體" pitchFamily="34" charset="-120"/>
+            </a:endParaRPr>
+          </a:p>
+          <a:p>
+            <a:pPr algn="ctr">
+              <a:buNone/>
+            </a:pPr>
+            <a:r>
+              <a:rPr lang="zh-TW" altLang="en-US" sz="5400" b="1" dirty="0">
+                <a:solidFill>
+                  <a:srgbClr val="000066"/>
+                </a:solidFill>
+                <a:latin typeface="微軟正黑體" pitchFamily="34" charset="-120"/>
+                <a:ea typeface="微軟正黑體" pitchFamily="34" charset="-120"/>
+              </a:rPr>
+              <a:t>一路上有你  不灰心不放棄</a:t>
+            </a:r>
+            <a:endParaRPr lang="en-US" altLang="zh-TW" sz="5400" b="1" dirty="0">
+              <a:solidFill>
+                <a:srgbClr val="000066"/>
+              </a:solidFill>
+              <a:latin typeface="微軟正黑體" pitchFamily="34" charset="-120"/>
+              <a:ea typeface="微軟正黑體" pitchFamily="34" charset="-120"/>
+            </a:endParaRPr>
+          </a:p>
+          <a:p>
+            <a:pPr algn="ctr">
+              <a:buNone/>
+            </a:pPr>
+            <a:r>
+              <a:rPr lang="zh-TW" altLang="en-US" sz="5400" b="1" dirty="0">
+                <a:solidFill>
+                  <a:srgbClr val="000066"/>
+                </a:solidFill>
+                <a:latin typeface="微軟正黑體" pitchFamily="34" charset="-120"/>
+                <a:ea typeface="微軟正黑體" pitchFamily="34" charset="-120"/>
+              </a:rPr>
+              <a:t>手牽著手  心連</a:t>
+            </a:r>
+            <a:r>
+              <a:rPr lang="zh-TW" altLang="en-US" sz="5400" b="1" dirty="0" smtClean="0">
+                <a:solidFill>
+                  <a:srgbClr val="000066"/>
+                </a:solidFill>
+                <a:latin typeface="微軟正黑體" pitchFamily="34" charset="-120"/>
+                <a:ea typeface="微軟正黑體" pitchFamily="34" charset="-120"/>
+              </a:rPr>
+              <a:t>心</a:t>
+            </a:r>
+            <a:r>
+              <a:rPr lang="en-US" altLang="zh-TW" sz="5400" b="1" dirty="0">
+                <a:solidFill>
+                  <a:srgbClr val="000066"/>
+                </a:solidFill>
+                <a:latin typeface="微軟正黑體" pitchFamily="34" charset="-120"/>
+                <a:ea typeface="微軟正黑體" pitchFamily="34" charset="-120"/>
+              </a:rPr>
+              <a:t> </a:t>
+            </a:r>
+            <a:r>
+              <a:rPr lang="en-US" altLang="zh-TW" sz="5400" b="1" dirty="0" smtClean="0">
+                <a:solidFill>
+                  <a:srgbClr val="000066"/>
+                </a:solidFill>
+                <a:latin typeface="微軟正黑體" pitchFamily="34" charset="-120"/>
+                <a:ea typeface="微軟正黑體" pitchFamily="34" charset="-120"/>
+              </a:rPr>
+              <a:t> </a:t>
+            </a:r>
+            <a:r>
+              <a:rPr lang="zh-TW" altLang="en-US" sz="5400" b="1" dirty="0" smtClean="0">
+                <a:solidFill>
+                  <a:srgbClr val="000066"/>
+                </a:solidFill>
+                <a:latin typeface="微軟正黑體" pitchFamily="34" charset="-120"/>
+                <a:ea typeface="微軟正黑體" pitchFamily="34" charset="-120"/>
+              </a:rPr>
+              <a:t>願</a:t>
+            </a:r>
+            <a:r>
+              <a:rPr lang="zh-TW" altLang="en-US" sz="5400" b="1" dirty="0">
+                <a:solidFill>
+                  <a:srgbClr val="000066"/>
+                </a:solidFill>
+                <a:latin typeface="微軟正黑體" pitchFamily="34" charset="-120"/>
+                <a:ea typeface="微軟正黑體" pitchFamily="34" charset="-120"/>
+              </a:rPr>
+              <a:t>主旨意</a:t>
+            </a:r>
+            <a:endParaRPr lang="en-US" altLang="zh-TW" sz="5400" b="1" dirty="0">
+              <a:solidFill>
+                <a:srgbClr val="000066"/>
+              </a:solidFill>
+              <a:latin typeface="微軟正黑體" pitchFamily="34" charset="-120"/>
+              <a:ea typeface="微軟正黑體" pitchFamily="34" charset="-120"/>
+            </a:endParaRPr>
+          </a:p>
+          <a:p>
+            <a:pPr algn="ctr">
+              <a:buNone/>
+            </a:pPr>
+            <a:r>
+              <a:rPr lang="zh-TW" altLang="en-US" sz="5400" b="1" dirty="0">
+                <a:solidFill>
+                  <a:srgbClr val="000066"/>
+                </a:solidFill>
+                <a:latin typeface="微軟正黑體" pitchFamily="34" charset="-120"/>
+                <a:ea typeface="微軟正黑體" pitchFamily="34" charset="-120"/>
+              </a:rPr>
+              <a:t>完全成就在你和我的生命</a:t>
+            </a:r>
+          </a:p>
+        </p:txBody>
+      </p:sp>
+    </p:spTree>
+    <p:extLst>
+      <p:ext uri="{BB962C8B-B14F-4D97-AF65-F5344CB8AC3E}">
+        <p14:creationId xmlns="" xmlns:p14="http://schemas.microsoft.com/office/powerpoint/2010/main" val="2368498799"/>
+      </p:ext>
+    </p:extLst>
+  </p:cSld>
+  <p:clrMapOvr>
+    <a:masterClrMapping/>
+  </p:clrMapOvr>
+</p:sld>
+</file>
+
+<file path=ppt/slides/slide25.xml><?xml version="1.0" encoding="utf-8"?>
+<p:sld xmlns:a="http://schemas.openxmlformats.org/drawingml/2006/main" xmlns:r="http://schemas.openxmlformats.org/officeDocument/2006/relationships" xmlns:p="http://schemas.openxmlformats.org/presentationml/2006/main">
+  <p:cSld>
+    <p:spTree>
+      <p:nvGrpSpPr>
+        <p:cNvPr id="1" name=""/>
+        <p:cNvGrpSpPr/>
+        <p:nvPr/>
+      </p:nvGrpSpPr>
+      <p:grpSpPr>
+        <a:xfrm>
+          <a:off x="0" y="0"/>
+          <a:ext cx="0" cy="0"/>
+          <a:chOff x="0" y="0"/>
+          <a:chExt cx="0" cy="0"/>
+        </a:xfrm>
+      </p:grpSpPr>
+      <p:sp>
+        <p:nvSpPr>
+          <p:cNvPr id="4" name="標題 3"/>
+          <p:cNvSpPr>
+            <a:spLocks noGrp="1"/>
+          </p:cNvSpPr>
+          <p:nvPr>
+            <p:ph type="title"/>
+          </p:nvPr>
+        </p:nvSpPr>
+        <p:spPr/>
+        <p:txBody>
+          <a:bodyPr>
+            <a:normAutofit/>
+          </a:bodyPr>
+          <a:lstStyle/>
+          <a:p>
+            <a:r>
+              <a:rPr lang="zh-TW" altLang="en-US" sz="4800" b="1" dirty="0" smtClean="0">
+                <a:solidFill>
+                  <a:srgbClr val="000066"/>
+                </a:solidFill>
+                <a:latin typeface="微軟正黑體" pitchFamily="34" charset="-120"/>
+                <a:ea typeface="微軟正黑體" pitchFamily="34" charset="-120"/>
+              </a:rPr>
+              <a:t>讓</a:t>
+            </a:r>
+            <a:r>
+              <a:rPr lang="zh-TW" altLang="en-US" sz="4800" b="1" dirty="0">
+                <a:solidFill>
+                  <a:srgbClr val="000066"/>
+                </a:solidFill>
+                <a:latin typeface="微軟正黑體" pitchFamily="34" charset="-120"/>
+                <a:ea typeface="微軟正黑體" pitchFamily="34" charset="-120"/>
+              </a:rPr>
+              <a:t>我說聲謝謝你</a:t>
+            </a:r>
+          </a:p>
+        </p:txBody>
+      </p:sp>
+      <p:sp>
+        <p:nvSpPr>
+          <p:cNvPr id="5" name="內容版面配置區 4"/>
+          <p:cNvSpPr>
+            <a:spLocks noGrp="1"/>
+          </p:cNvSpPr>
+          <p:nvPr>
+            <p:ph idx="1"/>
+          </p:nvPr>
+        </p:nvSpPr>
+        <p:spPr/>
+        <p:txBody>
+          <a:bodyPr>
+            <a:normAutofit/>
+          </a:bodyPr>
+          <a:lstStyle/>
+          <a:p>
+            <a:pPr algn="ctr">
+              <a:buNone/>
+            </a:pPr>
+            <a:r>
+              <a:rPr lang="zh-TW" altLang="en-US" sz="5400" b="1" dirty="0">
+                <a:solidFill>
+                  <a:srgbClr val="000066"/>
+                </a:solidFill>
+                <a:latin typeface="微軟正黑體" pitchFamily="34" charset="-120"/>
+                <a:ea typeface="微軟正黑體" pitchFamily="34" charset="-120"/>
+              </a:rPr>
+              <a:t>主的愛使我們 相知相惜</a:t>
+            </a:r>
+            <a:endParaRPr lang="en-US" altLang="zh-TW" sz="5400" b="1" dirty="0">
+              <a:solidFill>
+                <a:srgbClr val="000066"/>
+              </a:solidFill>
+              <a:latin typeface="微軟正黑體" pitchFamily="34" charset="-120"/>
+              <a:ea typeface="微軟正黑體" pitchFamily="34" charset="-120"/>
+            </a:endParaRPr>
+          </a:p>
+          <a:p>
+            <a:pPr algn="ctr">
+              <a:buNone/>
+            </a:pPr>
+            <a:r>
+              <a:rPr lang="zh-TW" altLang="en-US" sz="5400" b="1" dirty="0">
+                <a:solidFill>
+                  <a:srgbClr val="000066"/>
+                </a:solidFill>
+                <a:latin typeface="微軟正黑體" pitchFamily="34" charset="-120"/>
+                <a:ea typeface="微軟正黑體" pitchFamily="34" charset="-120"/>
+              </a:rPr>
+              <a:t>接納包容彼此許多不同</a:t>
+            </a:r>
+            <a:endParaRPr lang="en-US" altLang="zh-TW" sz="5400" b="1" dirty="0">
+              <a:solidFill>
+                <a:srgbClr val="000066"/>
+              </a:solidFill>
+              <a:latin typeface="微軟正黑體" pitchFamily="34" charset="-120"/>
+              <a:ea typeface="微軟正黑體" pitchFamily="34" charset="-120"/>
+            </a:endParaRPr>
+          </a:p>
+          <a:p>
+            <a:pPr algn="ctr">
+              <a:buNone/>
+            </a:pPr>
+            <a:r>
+              <a:rPr lang="zh-TW" altLang="en-US" sz="5400" b="1" dirty="0">
+                <a:solidFill>
+                  <a:srgbClr val="000066"/>
+                </a:solidFill>
+                <a:latin typeface="微軟正黑體" pitchFamily="34" charset="-120"/>
+                <a:ea typeface="微軟正黑體" pitchFamily="34" charset="-120"/>
+              </a:rPr>
+              <a:t>生命中有了你  不再孤寂</a:t>
+            </a:r>
+            <a:endParaRPr lang="en-US" altLang="zh-TW" sz="5400" b="1" dirty="0">
+              <a:solidFill>
+                <a:srgbClr val="000066"/>
+              </a:solidFill>
+              <a:latin typeface="微軟正黑體" pitchFamily="34" charset="-120"/>
+              <a:ea typeface="微軟正黑體" pitchFamily="34" charset="-120"/>
+            </a:endParaRPr>
+          </a:p>
+          <a:p>
+            <a:pPr algn="ctr">
+              <a:buNone/>
+            </a:pPr>
+            <a:r>
+              <a:rPr lang="zh-TW" altLang="en-US" sz="5400" b="1" dirty="0">
+                <a:solidFill>
+                  <a:srgbClr val="000066"/>
+                </a:solidFill>
+                <a:latin typeface="微軟正黑體" pitchFamily="34" charset="-120"/>
+                <a:ea typeface="微軟正黑體" pitchFamily="34" charset="-120"/>
+              </a:rPr>
+              <a:t>讓我說聲謝謝你</a:t>
+            </a:r>
+          </a:p>
+        </p:txBody>
+      </p:sp>
+    </p:spTree>
+    <p:extLst>
+      <p:ext uri="{BB962C8B-B14F-4D97-AF65-F5344CB8AC3E}">
+        <p14:creationId xmlns="" xmlns:p14="http://schemas.microsoft.com/office/powerpoint/2010/main" val="3266951890"/>
+      </p:ext>
+    </p:extLst>
+  </p:cSld>
+  <p:clrMapOvr>
+    <a:masterClrMapping/>
+  </p:clrMapOvr>
+</p:sld>
+</file>
+
+<file path=ppt/slides/slide26.xml><?xml version="1.0" encoding="utf-8"?>
+<p:sld xmlns:a="http://schemas.openxmlformats.org/drawingml/2006/main" xmlns:r="http://schemas.openxmlformats.org/officeDocument/2006/relationships" xmlns:p="http://schemas.openxmlformats.org/presentationml/2006/main">
+  <p:cSld>
+    <p:spTree>
+      <p:nvGrpSpPr>
+        <p:cNvPr id="1" name=""/>
+        <p:cNvGrpSpPr/>
+        <p:nvPr/>
+      </p:nvGrpSpPr>
+      <p:grpSpPr>
+        <a:xfrm>
+          <a:off x="0" y="0"/>
+          <a:ext cx="0" cy="0"/>
+          <a:chOff x="0" y="0"/>
+          <a:chExt cx="0" cy="0"/>
+        </a:xfrm>
+      </p:grpSpPr>
+      <p:sp>
+        <p:nvSpPr>
+          <p:cNvPr id="4" name="標題 3"/>
+          <p:cNvSpPr>
+            <a:spLocks noGrp="1"/>
+          </p:cNvSpPr>
+          <p:nvPr>
+            <p:ph type="title"/>
+          </p:nvPr>
+        </p:nvSpPr>
+        <p:spPr/>
+        <p:txBody>
+          <a:bodyPr>
+            <a:normAutofit/>
+          </a:bodyPr>
+          <a:lstStyle/>
+          <a:p>
+            <a:r>
+              <a:rPr lang="zh-TW" altLang="en-US" sz="4800" b="1" dirty="0" smtClean="0">
+                <a:solidFill>
+                  <a:srgbClr val="000066"/>
+                </a:solidFill>
+                <a:latin typeface="微軟正黑體" pitchFamily="34" charset="-120"/>
+                <a:ea typeface="微軟正黑體" pitchFamily="34" charset="-120"/>
+              </a:rPr>
+              <a:t>讓</a:t>
+            </a:r>
+            <a:r>
+              <a:rPr lang="zh-TW" altLang="en-US" sz="4800" b="1" dirty="0">
+                <a:solidFill>
+                  <a:srgbClr val="000066"/>
+                </a:solidFill>
+                <a:latin typeface="微軟正黑體" pitchFamily="34" charset="-120"/>
+                <a:ea typeface="微軟正黑體" pitchFamily="34" charset="-120"/>
+              </a:rPr>
+              <a:t>我說聲謝謝你</a:t>
+            </a:r>
+          </a:p>
+        </p:txBody>
+      </p:sp>
+      <p:sp>
+        <p:nvSpPr>
+          <p:cNvPr id="5" name="內容版面配置區 4"/>
+          <p:cNvSpPr>
+            <a:spLocks noGrp="1"/>
+          </p:cNvSpPr>
+          <p:nvPr>
+            <p:ph idx="1"/>
+          </p:nvPr>
+        </p:nvSpPr>
+        <p:spPr/>
+        <p:txBody>
+          <a:bodyPr>
+            <a:noAutofit/>
+          </a:bodyPr>
+          <a:lstStyle/>
+          <a:p>
+            <a:pPr algn="ctr">
+              <a:buNone/>
+            </a:pPr>
+            <a:r>
+              <a:rPr lang="zh-TW" altLang="en-US" sz="5400" b="1" dirty="0">
+                <a:solidFill>
+                  <a:srgbClr val="000066"/>
+                </a:solidFill>
+                <a:latin typeface="微軟正黑體" pitchFamily="34" charset="-120"/>
+                <a:ea typeface="微軟正黑體" pitchFamily="34" charset="-120"/>
+              </a:rPr>
+              <a:t>謝謝你陪我一起 歡笑哭泣</a:t>
+            </a:r>
+            <a:endParaRPr lang="en-US" altLang="zh-TW" sz="5400" b="1" dirty="0">
+              <a:solidFill>
+                <a:srgbClr val="000066"/>
+              </a:solidFill>
+              <a:latin typeface="微軟正黑體" pitchFamily="34" charset="-120"/>
+              <a:ea typeface="微軟正黑體" pitchFamily="34" charset="-120"/>
+            </a:endParaRPr>
+          </a:p>
+          <a:p>
+            <a:pPr algn="ctr">
+              <a:buNone/>
+            </a:pPr>
+            <a:r>
+              <a:rPr lang="zh-TW" altLang="en-US" sz="5400" b="1" dirty="0">
+                <a:solidFill>
+                  <a:srgbClr val="000066"/>
+                </a:solidFill>
+                <a:latin typeface="微軟正黑體" pitchFamily="34" charset="-120"/>
+                <a:ea typeface="微軟正黑體" pitchFamily="34" charset="-120"/>
+              </a:rPr>
+              <a:t>一路上有你  不灰心不放棄</a:t>
+            </a:r>
+            <a:endParaRPr lang="en-US" altLang="zh-TW" sz="5400" b="1" dirty="0">
+              <a:solidFill>
+                <a:srgbClr val="000066"/>
+              </a:solidFill>
+              <a:latin typeface="微軟正黑體" pitchFamily="34" charset="-120"/>
+              <a:ea typeface="微軟正黑體" pitchFamily="34" charset="-120"/>
+            </a:endParaRPr>
+          </a:p>
+          <a:p>
+            <a:pPr algn="ctr">
+              <a:buNone/>
+            </a:pPr>
+            <a:r>
+              <a:rPr lang="zh-TW" altLang="en-US" sz="5400" b="1" dirty="0">
+                <a:solidFill>
+                  <a:srgbClr val="000066"/>
+                </a:solidFill>
+                <a:latin typeface="微軟正黑體" pitchFamily="34" charset="-120"/>
+                <a:ea typeface="微軟正黑體" pitchFamily="34" charset="-120"/>
+              </a:rPr>
+              <a:t>手牽著手  心連心</a:t>
+            </a:r>
+            <a:endParaRPr lang="en-US" altLang="zh-TW" sz="5400" b="1" dirty="0">
+              <a:solidFill>
+                <a:srgbClr val="000066"/>
+              </a:solidFill>
+              <a:latin typeface="微軟正黑體" pitchFamily="34" charset="-120"/>
+              <a:ea typeface="微軟正黑體" pitchFamily="34" charset="-120"/>
+            </a:endParaRPr>
+          </a:p>
+          <a:p>
+            <a:pPr algn="ctr">
+              <a:buNone/>
+            </a:pPr>
+            <a:r>
+              <a:rPr lang="zh-TW" altLang="en-US" sz="5400" b="1" dirty="0">
+                <a:solidFill>
+                  <a:srgbClr val="000066"/>
+                </a:solidFill>
+                <a:latin typeface="微軟正黑體" pitchFamily="34" charset="-120"/>
+                <a:ea typeface="微軟正黑體" pitchFamily="34" charset="-120"/>
+              </a:rPr>
+              <a:t>願主旨意</a:t>
+            </a:r>
+            <a:endParaRPr lang="en-US" altLang="zh-TW" sz="5400" b="1" dirty="0">
+              <a:solidFill>
+                <a:srgbClr val="000066"/>
+              </a:solidFill>
+              <a:latin typeface="微軟正黑體" pitchFamily="34" charset="-120"/>
+              <a:ea typeface="微軟正黑體" pitchFamily="34" charset="-120"/>
+            </a:endParaRPr>
+          </a:p>
+          <a:p>
+            <a:pPr algn="ctr">
+              <a:buNone/>
+            </a:pPr>
+            <a:r>
+              <a:rPr lang="zh-TW" altLang="en-US" sz="5400" b="1" dirty="0">
+                <a:solidFill>
+                  <a:srgbClr val="000066"/>
+                </a:solidFill>
+                <a:latin typeface="微軟正黑體" pitchFamily="34" charset="-120"/>
+                <a:ea typeface="微軟正黑體" pitchFamily="34" charset="-120"/>
+              </a:rPr>
+              <a:t>完全成就在你和我的生命</a:t>
+            </a:r>
+          </a:p>
+        </p:txBody>
+      </p:sp>
+    </p:spTree>
+    <p:extLst>
+      <p:ext uri="{BB962C8B-B14F-4D97-AF65-F5344CB8AC3E}">
+        <p14:creationId xmlns="" xmlns:p14="http://schemas.microsoft.com/office/powerpoint/2010/main" val="123171826"/>
+      </p:ext>
+    </p:extLst>
+  </p:cSld>
+  <p:clrMapOvr>
+    <a:masterClrMapping/>
+  </p:clrMapOvr>
 </p:sld>
 </file>
 
@@ -3774,7 +8940,7 @@
           <a:blip r:embed="rId2">
             <a:extLst>
               <a:ext uri="{28A0092B-C50C-407E-A947-70E740481C1C}">
-                <a14:useLocalDpi xmlns:a14="http://schemas.microsoft.com/office/drawing/2010/main" val="0"/>
+                <a14:useLocalDpi xmlns:a14="http://schemas.microsoft.com/office/drawing/2010/main" xmlns="" val="0"/>
               </a:ext>
             </a:extLst>
           </a:blip>
@@ -3794,7 +8960,7 @@
           <a:noFill/>
           <a:extLst>
             <a:ext uri="{909E8E84-426E-40DD-AFC4-6F175D3DCCD1}">
-              <a14:hiddenFill xmlns:a14="http://schemas.microsoft.com/office/drawing/2010/main">
+              <a14:hiddenFill xmlns:a14="http://schemas.microsoft.com/office/drawing/2010/main" xmlns="">
                 <a:solidFill>
                   <a:srgbClr val="FFFFFF"/>
                 </a:solidFill>
@@ -3886,41 +9052,8 @@
                 <a:ea typeface="MS PGothic" pitchFamily="34" charset="-128"/>
                 <a:cs typeface="Latha" pitchFamily="34" charset="0"/>
               </a:rPr>
-              <a:t>Jesus gives everything to </a:t>
-            </a:r>
-            <a:r>
-              <a:rPr lang="en-US" altLang="zh-TW" sz="4800" b="1" dirty="0">
-                <a:solidFill>
-                  <a:srgbClr val="FF0000"/>
-                </a:solidFill>
-                <a:effectLst>
-                  <a:outerShdw blurRad="38100" dist="38100" dir="2700000" algn="tl">
-                    <a:srgbClr val="000000">
-                      <a:alpha val="43137"/>
-                    </a:srgbClr>
-                  </a:outerShdw>
-                </a:effectLst>
-                <a:latin typeface="MS PGothic" pitchFamily="34" charset="-128"/>
-                <a:ea typeface="MS PGothic" pitchFamily="34" charset="-128"/>
-                <a:cs typeface="Latha" pitchFamily="34" charset="0"/>
-              </a:rPr>
-              <a:t>me</a:t>
-            </a:r>
-            <a:endParaRPr lang="en-US" altLang="zh-TW" sz="4800" b="1" dirty="0">
-              <a:solidFill>
-                <a:srgbClr val="FF0000"/>
-              </a:solidFill>
-              <a:effectLst>
-                <a:outerShdw blurRad="38100" dist="38100" dir="2700000" algn="tl">
-                  <a:srgbClr val="000000">
-                    <a:alpha val="43137"/>
-                  </a:srgbClr>
-                </a:outerShdw>
-              </a:effectLst>
-              <a:latin typeface="MS PGothic" pitchFamily="34" charset="-128"/>
-              <a:ea typeface="MS PGothic" pitchFamily="34" charset="-128"/>
-              <a:cs typeface="Latha" pitchFamily="34" charset="0"/>
-            </a:endParaRPr>
+              <a:t>Jesus gives everything to me</a:t>
+            </a:r>
           </a:p>
           <a:p>
             <a:pPr marL="0" indent="0" algn="ctr">
@@ -3941,41 +9074,7 @@
                 <a:latin typeface="標楷體" pitchFamily="65" charset="-120"/>
                 <a:ea typeface="標楷體" pitchFamily="65" charset="-120"/>
               </a:rPr>
-              <a:t>要開開心</a:t>
-            </a:r>
-            <a:r>
-              <a:rPr lang="zh-TW" altLang="zh-TW" sz="4800" b="1" dirty="0">
-                <a:solidFill>
-                  <a:srgbClr val="FF0000"/>
-                </a:solidFill>
-                <a:effectLst>
-                  <a:outerShdw blurRad="38100" dist="38100" dir="2700000" algn="tl">
-                    <a:srgbClr val="000000">
-                      <a:alpha val="43137"/>
-                    </a:srgbClr>
-                  </a:outerShdw>
-                </a:effectLst>
-                <a:latin typeface="標楷體" pitchFamily="65" charset="-120"/>
-                <a:ea typeface="標楷體" pitchFamily="65" charset="-120"/>
-              </a:rPr>
-              <a:t>分享出去，話你</a:t>
-            </a:r>
-            <a:r>
-              <a:rPr lang="zh-TW" altLang="zh-TW" sz="4800" b="1" dirty="0">
-                <a:solidFill>
-                  <a:srgbClr val="FF0000"/>
-                </a:solidFill>
-                <a:effectLst>
-                  <a:outerShdw blurRad="38100" dist="38100" dir="2700000" algn="tl">
-                    <a:srgbClr val="000000">
-                      <a:alpha val="43137"/>
-                    </a:srgbClr>
-                  </a:outerShdw>
-                </a:effectLst>
-                <a:latin typeface="標楷體" pitchFamily="65" charset="-120"/>
-                <a:ea typeface="標楷體" pitchFamily="65" charset="-120"/>
-              </a:rPr>
-              <a:t>知</a:t>
+              <a:t>要開開心分享出去，話你知</a:t>
             </a:r>
             <a:endParaRPr lang="en-US" altLang="zh-TW" sz="4800" b="1" dirty="0">
               <a:solidFill>
@@ -4011,75 +9110,7 @@
                 <a:latin typeface="標楷體" pitchFamily="65" charset="-120"/>
                 <a:ea typeface="標楷體" pitchFamily="65" charset="-120"/>
               </a:rPr>
-              <a:t>記住</a:t>
-            </a:r>
-            <a:r>
-              <a:rPr lang="zh-TW" altLang="zh-TW" sz="4800" b="1" dirty="0">
-                <a:solidFill>
-                  <a:srgbClr val="FF0000"/>
-                </a:solidFill>
-                <a:effectLst>
-                  <a:outerShdw blurRad="38100" dist="38100" dir="2700000" algn="tl">
-                    <a:srgbClr val="000000">
-                      <a:alpha val="43137"/>
-                    </a:srgbClr>
-                  </a:outerShdw>
-                </a:effectLst>
-                <a:latin typeface="標楷體" pitchFamily="65" charset="-120"/>
-                <a:ea typeface="標楷體" pitchFamily="65" charset="-120"/>
-              </a:rPr>
-              <a:t>啦</a:t>
-            </a:r>
-            <a:r>
-              <a:rPr lang="zh-TW" altLang="zh-TW" sz="4800" b="1" dirty="0">
-                <a:solidFill>
-                  <a:srgbClr val="FF0000"/>
-                </a:solidFill>
-                <a:effectLst>
-                  <a:outerShdw blurRad="38100" dist="38100" dir="2700000" algn="tl">
-                    <a:srgbClr val="000000">
-                      <a:alpha val="43137"/>
-                    </a:srgbClr>
-                  </a:outerShdw>
-                </a:effectLst>
-                <a:latin typeface="標楷體" pitchFamily="65" charset="-120"/>
-                <a:ea typeface="標楷體" pitchFamily="65" charset="-120"/>
-              </a:rPr>
-              <a:t>，齊齊學</a:t>
-            </a:r>
-            <a:r>
-              <a:rPr lang="zh-TW" altLang="zh-TW" sz="4800" b="1" dirty="0">
-                <a:solidFill>
-                  <a:srgbClr val="FF0000"/>
-                </a:solidFill>
-                <a:effectLst>
-                  <a:outerShdw blurRad="38100" dist="38100" dir="2700000" algn="tl">
-                    <a:srgbClr val="000000">
-                      <a:alpha val="43137"/>
-                    </a:srgbClr>
-                  </a:outerShdw>
-                </a:effectLst>
-                <a:latin typeface="標楷體" pitchFamily="65" charset="-120"/>
-                <a:ea typeface="標楷體" pitchFamily="65" charset="-120"/>
-              </a:rPr>
-              <a:t>這</a:t>
-            </a:r>
-            <a:r>
-              <a:rPr lang="zh-TW" altLang="zh-TW" sz="4800" b="1" dirty="0">
-                <a:solidFill>
-                  <a:srgbClr val="FF0000"/>
-                </a:solidFill>
-                <a:effectLst>
-                  <a:outerShdw blurRad="38100" dist="38100" dir="2700000" algn="tl">
-                    <a:srgbClr val="000000">
-                      <a:alpha val="43137"/>
-                    </a:srgbClr>
-                  </a:outerShdw>
-                </a:effectLst>
-                <a:latin typeface="標楷體" pitchFamily="65" charset="-120"/>
-                <a:ea typeface="標楷體" pitchFamily="65" charset="-120"/>
-              </a:rPr>
-              <a:t>句子</a:t>
+              <a:t>記住啦，齊齊學這句子</a:t>
             </a:r>
             <a:endParaRPr lang="en-US" altLang="zh-TW" sz="4800" b="1" dirty="0">
               <a:solidFill>
@@ -4173,7 +9204,7 @@
     </p:spTree>
     <p:extLst>
       <p:ext uri="{BB962C8B-B14F-4D97-AF65-F5344CB8AC3E}">
-        <p14:creationId xmlns:p14="http://schemas.microsoft.com/office/powerpoint/2010/main" val="891116594"/>
+        <p14:creationId xmlns:p14="http://schemas.microsoft.com/office/powerpoint/2010/main" xmlns="" val="891116594"/>
       </p:ext>
     </p:extLst>
   </p:cSld>
@@ -4219,7 +9250,7 @@
           <a:blip r:embed="rId2">
             <a:extLst>
               <a:ext uri="{28A0092B-C50C-407E-A947-70E740481C1C}">
-                <a14:useLocalDpi xmlns:a14="http://schemas.microsoft.com/office/drawing/2010/main" val="0"/>
+                <a14:useLocalDpi xmlns:a14="http://schemas.microsoft.com/office/drawing/2010/main" xmlns="" val="0"/>
               </a:ext>
             </a:extLst>
           </a:blip>
@@ -4239,7 +9270,7 @@
           <a:noFill/>
           <a:extLst>
             <a:ext uri="{909E8E84-426E-40DD-AFC4-6F175D3DCCD1}">
-              <a14:hiddenFill xmlns:a14="http://schemas.microsoft.com/office/drawing/2010/main">
+              <a14:hiddenFill xmlns:a14="http://schemas.microsoft.com/office/drawing/2010/main" xmlns="">
                 <a:solidFill>
                   <a:srgbClr val="FFFFFF"/>
                 </a:solidFill>
@@ -4303,116 +9334,86 @@
                 <a:latin typeface="標楷體" pitchFamily="65" charset="-120"/>
                 <a:ea typeface="標楷體" pitchFamily="65" charset="-120"/>
               </a:rPr>
-              <a:t>不要只單</a:t>
-            </a:r>
-            <a:r>
-              <a:rPr lang="zh-TW" altLang="zh-TW" sz="4800" b="1" dirty="0">
+              <a:t>不要只單顧</a:t>
+            </a:r>
+            <a:r>
+              <a:rPr lang="en-US" altLang="zh-TW" sz="4800" b="1" dirty="0">
                 <a:solidFill>
                   <a:srgbClr val="FF0000"/>
                 </a:solidFill>
                 <a:latin typeface="標楷體" pitchFamily="65" charset="-120"/>
                 <a:ea typeface="標楷體" pitchFamily="65" charset="-120"/>
               </a:rPr>
-              <a:t>顧</a:t>
+              <a:t>  </a:t>
             </a:r>
             <a:r>
               <a:rPr lang="en-US" altLang="zh-TW" sz="4800" b="1" dirty="0">
+                <a:solidFill>
+                  <a:srgbClr val="FF0000"/>
+                </a:solidFill>
+                <a:latin typeface="MS PGothic" pitchFamily="34" charset="-128"/>
+                <a:ea typeface="MS PGothic" pitchFamily="34" charset="-128"/>
+              </a:rPr>
+              <a:t>me </a:t>
+            </a:r>
+            <a:r>
+              <a:rPr lang="en-US" altLang="zh-TW" sz="4800" b="1" dirty="0" err="1">
+                <a:solidFill>
+                  <a:srgbClr val="FF0000"/>
+                </a:solidFill>
+                <a:latin typeface="MS PGothic" pitchFamily="34" charset="-128"/>
+                <a:ea typeface="MS PGothic" pitchFamily="34" charset="-128"/>
+              </a:rPr>
+              <a:t>me</a:t>
+            </a:r>
+            <a:r>
+              <a:rPr lang="en-US" altLang="zh-TW" sz="4800" b="1" dirty="0">
+                <a:solidFill>
+                  <a:srgbClr val="FF0000"/>
+                </a:solidFill>
+                <a:latin typeface="MS PGothic" pitchFamily="34" charset="-128"/>
+                <a:ea typeface="MS PGothic" pitchFamily="34" charset="-128"/>
+              </a:rPr>
+              <a:t> </a:t>
+            </a:r>
+            <a:r>
+              <a:rPr lang="en-US" altLang="zh-TW" sz="4800" b="1" dirty="0" err="1">
+                <a:solidFill>
+                  <a:srgbClr val="FF0000"/>
+                </a:solidFill>
+                <a:latin typeface="MS PGothic" pitchFamily="34" charset="-128"/>
+                <a:ea typeface="MS PGothic" pitchFamily="34" charset="-128"/>
+              </a:rPr>
+              <a:t>me</a:t>
+            </a:r>
+            <a:r>
+              <a:rPr lang="en-US" altLang="zh-TW" sz="4800" b="1" dirty="0">
+                <a:solidFill>
+                  <a:srgbClr val="FF0000"/>
+                </a:solidFill>
+                <a:latin typeface="MS PGothic" pitchFamily="34" charset="-128"/>
+                <a:ea typeface="MS PGothic" pitchFamily="34" charset="-128"/>
+              </a:rPr>
+              <a:t/>
+            </a:r>
+            <a:br>
+              <a:rPr lang="en-US" altLang="zh-TW" sz="4800" b="1" dirty="0">
+                <a:solidFill>
+                  <a:srgbClr val="FF0000"/>
+                </a:solidFill>
+                <a:latin typeface="MS PGothic" pitchFamily="34" charset="-128"/>
+                <a:ea typeface="MS PGothic" pitchFamily="34" charset="-128"/>
+              </a:rPr>
+            </a:br>
+            <a:r>
+              <a:rPr lang="zh-TW" altLang="zh-TW" sz="4800" b="1" dirty="0">
                 <a:solidFill>
                   <a:srgbClr val="FF0000"/>
                 </a:solidFill>
                 <a:latin typeface="標楷體" pitchFamily="65" charset="-120"/>
                 <a:ea typeface="標楷體" pitchFamily="65" charset="-120"/>
               </a:rPr>
-              <a:t>  </a:t>
-            </a:r>
-            <a:r>
-              <a:rPr lang="en-US" altLang="zh-TW" sz="4800" b="1" dirty="0">
-                <a:solidFill>
-                  <a:srgbClr val="FF0000"/>
-                </a:solidFill>
-                <a:latin typeface="MS PGothic" pitchFamily="34" charset="-128"/>
-                <a:ea typeface="MS PGothic" pitchFamily="34" charset="-128"/>
-              </a:rPr>
-              <a:t>me </a:t>
-            </a:r>
-            <a:r>
-              <a:rPr lang="en-US" altLang="zh-TW" sz="4800" b="1" dirty="0" err="1">
-                <a:solidFill>
-                  <a:srgbClr val="FF0000"/>
-                </a:solidFill>
-                <a:latin typeface="MS PGothic" pitchFamily="34" charset="-128"/>
-                <a:ea typeface="MS PGothic" pitchFamily="34" charset="-128"/>
-              </a:rPr>
-              <a:t>me</a:t>
-            </a:r>
-            <a:r>
-              <a:rPr lang="en-US" altLang="zh-TW" sz="4800" b="1" dirty="0">
-                <a:solidFill>
-                  <a:srgbClr val="FF0000"/>
-                </a:solidFill>
-                <a:latin typeface="MS PGothic" pitchFamily="34" charset="-128"/>
-                <a:ea typeface="MS PGothic" pitchFamily="34" charset="-128"/>
-              </a:rPr>
-              <a:t> </a:t>
-            </a:r>
-            <a:r>
-              <a:rPr lang="en-US" altLang="zh-TW" sz="4800" b="1" dirty="0" err="1">
-                <a:solidFill>
-                  <a:srgbClr val="FF0000"/>
-                </a:solidFill>
-                <a:latin typeface="MS PGothic" pitchFamily="34" charset="-128"/>
-                <a:ea typeface="MS PGothic" pitchFamily="34" charset="-128"/>
-              </a:rPr>
-              <a:t>me</a:t>
-            </a:r>
-            <a:r>
-              <a:rPr lang="en-US" altLang="zh-TW" sz="4800" b="1" dirty="0">
-                <a:solidFill>
-                  <a:srgbClr val="FF0000"/>
-                </a:solidFill>
-                <a:latin typeface="MS PGothic" pitchFamily="34" charset="-128"/>
-                <a:ea typeface="MS PGothic" pitchFamily="34" charset="-128"/>
-              </a:rPr>
-              <a:t/>
-            </a:r>
-            <a:br>
-              <a:rPr lang="en-US" altLang="zh-TW" sz="4800" b="1" dirty="0">
-                <a:solidFill>
-                  <a:srgbClr val="FF0000"/>
-                </a:solidFill>
-                <a:latin typeface="MS PGothic" pitchFamily="34" charset="-128"/>
-                <a:ea typeface="MS PGothic" pitchFamily="34" charset="-128"/>
-              </a:rPr>
-            </a:br>
-            <a:r>
-              <a:rPr lang="zh-TW" altLang="zh-TW" sz="4800" b="1" dirty="0">
-                <a:solidFill>
-                  <a:srgbClr val="FF0000"/>
-                </a:solidFill>
-                <a:latin typeface="標楷體" pitchFamily="65" charset="-120"/>
-                <a:ea typeface="標楷體" pitchFamily="65" charset="-120"/>
-              </a:rPr>
-              <a:t>快樂要同</a:t>
-            </a:r>
-            <a:r>
-              <a:rPr lang="zh-TW" altLang="zh-TW" sz="4800" b="1" dirty="0">
-                <a:solidFill>
-                  <a:srgbClr val="FF0000"/>
-                </a:solidFill>
-                <a:latin typeface="標楷體" pitchFamily="65" charset="-120"/>
-                <a:ea typeface="標楷體" pitchFamily="65" charset="-120"/>
-              </a:rPr>
-              <a:t>唱，美食</a:t>
-            </a:r>
-            <a:r>
-              <a:rPr lang="zh-TW" altLang="zh-TW" sz="4800" b="1" dirty="0">
-                <a:solidFill>
-                  <a:srgbClr val="FF0000"/>
-                </a:solidFill>
-                <a:latin typeface="標楷體" pitchFamily="65" charset="-120"/>
-                <a:ea typeface="標楷體" pitchFamily="65" charset="-120"/>
-              </a:rPr>
-              <a:t>要同享</a:t>
+              <a:t>快樂要同唱，美食要同享</a:t>
             </a:r>
             <a:endParaRPr lang="en-US" altLang="zh-TW" sz="4800" b="1" dirty="0">
               <a:solidFill>
@@ -4434,17 +9435,7 @@
                 <a:latin typeface="標楷體" pitchFamily="65" charset="-120"/>
                 <a:ea typeface="標楷體" pitchFamily="65" charset="-120"/>
               </a:rPr>
-              <a:t>分享更樂趣</a:t>
-            </a:r>
-            <a:r>
-              <a:rPr lang="zh-TW" altLang="zh-TW" sz="4800" b="1" dirty="0">
-                <a:solidFill>
-                  <a:srgbClr val="FF0000"/>
-                </a:solidFill>
-                <a:latin typeface="標楷體" pitchFamily="65" charset="-120"/>
-                <a:ea typeface="標楷體" pitchFamily="65" charset="-120"/>
-              </a:rPr>
-              <a:t>多</a:t>
+              <a:t>分享更樂趣多</a:t>
             </a:r>
             <a:endParaRPr lang="en-US" altLang="zh-TW" sz="4800" b="1" dirty="0">
               <a:solidFill>
@@ -4466,27 +9457,7 @@
                 <a:latin typeface="MS PGothic" pitchFamily="34" charset="-128"/>
                 <a:ea typeface="MS PGothic" pitchFamily="34" charset="-128"/>
               </a:rPr>
-              <a:t>More </a:t>
-            </a:r>
-            <a:r>
-              <a:rPr lang="en-US" altLang="zh-TW" sz="4800" b="1" dirty="0">
-                <a:solidFill>
-                  <a:srgbClr val="FF0000"/>
-                </a:solidFill>
-                <a:latin typeface="MS PGothic" pitchFamily="34" charset="-128"/>
-                <a:ea typeface="MS PGothic" pitchFamily="34" charset="-128"/>
-              </a:rPr>
-              <a:t>and </a:t>
-            </a:r>
-            <a:r>
-              <a:rPr lang="en-US" altLang="zh-TW" sz="4800" b="1" dirty="0">
-                <a:solidFill>
-                  <a:srgbClr val="FF0000"/>
-                </a:solidFill>
-                <a:latin typeface="MS PGothic" pitchFamily="34" charset="-128"/>
-                <a:ea typeface="MS PGothic" pitchFamily="34" charset="-128"/>
-              </a:rPr>
-              <a:t>More</a:t>
+              <a:t>More and More</a:t>
             </a:r>
             <a:endParaRPr lang="zh-TW" altLang="en-US" sz="4800" b="1" dirty="0">
               <a:solidFill>
@@ -4543,7 +9514,7 @@
     </p:spTree>
     <p:extLst>
       <p:ext uri="{BB962C8B-B14F-4D97-AF65-F5344CB8AC3E}">
-        <p14:creationId xmlns:p14="http://schemas.microsoft.com/office/powerpoint/2010/main" val="1021510092"/>
+        <p14:creationId xmlns:p14="http://schemas.microsoft.com/office/powerpoint/2010/main" xmlns="" val="1021510092"/>
       </p:ext>
     </p:extLst>
   </p:cSld>
@@ -4589,7 +9560,7 @@
           <a:blip r:embed="rId2">
             <a:extLst>
               <a:ext uri="{28A0092B-C50C-407E-A947-70E740481C1C}">
-                <a14:useLocalDpi xmlns:a14="http://schemas.microsoft.com/office/drawing/2010/main" val="0"/>
+                <a14:useLocalDpi xmlns:a14="http://schemas.microsoft.com/office/drawing/2010/main" xmlns="" val="0"/>
               </a:ext>
             </a:extLst>
           </a:blip>
@@ -4609,7 +9580,7 @@
           <a:noFill/>
           <a:extLst>
             <a:ext uri="{909E8E84-426E-40DD-AFC4-6F175D3DCCD1}">
-              <a14:hiddenFill xmlns:a14="http://schemas.microsoft.com/office/drawing/2010/main">
+              <a14:hiddenFill xmlns:a14="http://schemas.microsoft.com/office/drawing/2010/main" xmlns="">
                 <a:solidFill>
                   <a:srgbClr val="FFFFFF"/>
                 </a:solidFill>
@@ -4694,10 +9665,10 @@
                 <a:ea typeface="MS PGothic" pitchFamily="34" charset="-128"/>
                 <a:cs typeface="Latha" pitchFamily="34" charset="0"/>
               </a:rPr>
-              <a:t>Jesus gives m</a:t>
-            </a:r>
-            <a:r>
-              <a:rPr lang="en-US" altLang="zh-TW" sz="4400" b="1" dirty="0">
+              <a:t>Jesus gives more and more</a:t>
+            </a:r>
+            <a:r>
+              <a:rPr lang="zh-TW" altLang="en-US" sz="4400" b="1" dirty="0">
                 <a:solidFill>
                   <a:srgbClr val="FF0000"/>
                 </a:solidFill>
@@ -4705,10 +9676,10 @@
                 <a:ea typeface="MS PGothic" pitchFamily="34" charset="-128"/>
                 <a:cs typeface="Latha" pitchFamily="34" charset="0"/>
               </a:rPr>
-              <a:t>ore and more</a:t>
-            </a:r>
-            <a:r>
-              <a:rPr lang="zh-TW" altLang="en-US" sz="4400" b="1" dirty="0">
+              <a:t> </a:t>
+            </a:r>
+            <a:r>
+              <a:rPr lang="en-US" altLang="zh-TW" sz="4400" b="1" dirty="0">
                 <a:solidFill>
                   <a:srgbClr val="FF0000"/>
                 </a:solidFill>
@@ -4716,27 +9687,8 @@
                 <a:ea typeface="MS PGothic" pitchFamily="34" charset="-128"/>
                 <a:cs typeface="Latha" pitchFamily="34" charset="0"/>
               </a:rPr>
-              <a:t> </a:t>
-            </a:r>
-            <a:r>
-              <a:rPr lang="en-US" altLang="zh-TW" sz="4400" b="1" dirty="0">
-                <a:solidFill>
-                  <a:srgbClr val="FF0000"/>
-                </a:solidFill>
-                <a:latin typeface="MS PGothic" pitchFamily="34" charset="-128"/>
-                <a:ea typeface="MS PGothic" pitchFamily="34" charset="-128"/>
-                <a:cs typeface="Latha" pitchFamily="34" charset="0"/>
-              </a:rPr>
               <a:t>to me</a:t>
             </a:r>
-            <a:endParaRPr lang="en-US" altLang="zh-TW" sz="4400" b="1" dirty="0">
-              <a:solidFill>
-                <a:srgbClr val="FF0000"/>
-              </a:solidFill>
-              <a:latin typeface="MS PGothic" pitchFamily="34" charset="-128"/>
-              <a:ea typeface="MS PGothic" pitchFamily="34" charset="-128"/>
-              <a:cs typeface="Latha" pitchFamily="34" charset="0"/>
-            </a:endParaRPr>
           </a:p>
           <a:p>
             <a:pPr marL="0" indent="0" algn="ctr">
@@ -4831,7 +9783,7 @@
     </p:spTree>
     <p:extLst>
       <p:ext uri="{BB962C8B-B14F-4D97-AF65-F5344CB8AC3E}">
-        <p14:creationId xmlns:p14="http://schemas.microsoft.com/office/powerpoint/2010/main" val="3370605936"/>
+        <p14:creationId xmlns:p14="http://schemas.microsoft.com/office/powerpoint/2010/main" xmlns="" val="3370605936"/>
       </p:ext>
     </p:extLst>
   </p:cSld>
@@ -4877,7 +9829,7 @@
           <a:blip r:embed="rId2">
             <a:extLst>
               <a:ext uri="{28A0092B-C50C-407E-A947-70E740481C1C}">
-                <a14:useLocalDpi xmlns:a14="http://schemas.microsoft.com/office/drawing/2010/main" val="0"/>
+                <a14:useLocalDpi xmlns:a14="http://schemas.microsoft.com/office/drawing/2010/main" xmlns="" val="0"/>
               </a:ext>
             </a:extLst>
           </a:blip>
@@ -4897,7 +9849,7 @@
           <a:noFill/>
           <a:extLst>
             <a:ext uri="{909E8E84-426E-40DD-AFC4-6F175D3DCCD1}">
-              <a14:hiddenFill xmlns:a14="http://schemas.microsoft.com/office/drawing/2010/main">
+              <a14:hiddenFill xmlns:a14="http://schemas.microsoft.com/office/drawing/2010/main" xmlns="">
                 <a:solidFill>
                   <a:srgbClr val="FFFFFF"/>
                 </a:solidFill>
@@ -4961,116 +9913,86 @@
                 <a:latin typeface="標楷體" pitchFamily="65" charset="-120"/>
                 <a:ea typeface="標楷體" pitchFamily="65" charset="-120"/>
               </a:rPr>
-              <a:t>不要只單</a:t>
-            </a:r>
-            <a:r>
-              <a:rPr lang="zh-TW" altLang="zh-TW" sz="4800" b="1" dirty="0">
+              <a:t>不要只單顧</a:t>
+            </a:r>
+            <a:r>
+              <a:rPr lang="en-US" altLang="zh-TW" sz="4800" b="1" dirty="0">
                 <a:solidFill>
                   <a:srgbClr val="FF0000"/>
                 </a:solidFill>
                 <a:latin typeface="標楷體" pitchFamily="65" charset="-120"/>
                 <a:ea typeface="標楷體" pitchFamily="65" charset="-120"/>
               </a:rPr>
-              <a:t>顧</a:t>
+              <a:t>  </a:t>
             </a:r>
             <a:r>
               <a:rPr lang="en-US" altLang="zh-TW" sz="4800" b="1" dirty="0">
+                <a:solidFill>
+                  <a:srgbClr val="FF0000"/>
+                </a:solidFill>
+                <a:latin typeface="MS PGothic" pitchFamily="34" charset="-128"/>
+                <a:ea typeface="MS PGothic" pitchFamily="34" charset="-128"/>
+              </a:rPr>
+              <a:t>me </a:t>
+            </a:r>
+            <a:r>
+              <a:rPr lang="en-US" altLang="zh-TW" sz="4800" b="1" dirty="0" err="1">
+                <a:solidFill>
+                  <a:srgbClr val="FF0000"/>
+                </a:solidFill>
+                <a:latin typeface="MS PGothic" pitchFamily="34" charset="-128"/>
+                <a:ea typeface="MS PGothic" pitchFamily="34" charset="-128"/>
+              </a:rPr>
+              <a:t>me</a:t>
+            </a:r>
+            <a:r>
+              <a:rPr lang="en-US" altLang="zh-TW" sz="4800" b="1" dirty="0">
+                <a:solidFill>
+                  <a:srgbClr val="FF0000"/>
+                </a:solidFill>
+                <a:latin typeface="MS PGothic" pitchFamily="34" charset="-128"/>
+                <a:ea typeface="MS PGothic" pitchFamily="34" charset="-128"/>
+              </a:rPr>
+              <a:t> </a:t>
+            </a:r>
+            <a:r>
+              <a:rPr lang="en-US" altLang="zh-TW" sz="4800" b="1" dirty="0" err="1">
+                <a:solidFill>
+                  <a:srgbClr val="FF0000"/>
+                </a:solidFill>
+                <a:latin typeface="MS PGothic" pitchFamily="34" charset="-128"/>
+                <a:ea typeface="MS PGothic" pitchFamily="34" charset="-128"/>
+              </a:rPr>
+              <a:t>me</a:t>
+            </a:r>
+            <a:r>
+              <a:rPr lang="en-US" altLang="zh-TW" sz="4800" b="1" dirty="0">
+                <a:solidFill>
+                  <a:srgbClr val="FF0000"/>
+                </a:solidFill>
+                <a:latin typeface="MS PGothic" pitchFamily="34" charset="-128"/>
+                <a:ea typeface="MS PGothic" pitchFamily="34" charset="-128"/>
+              </a:rPr>
+              <a:t/>
+            </a:r>
+            <a:br>
+              <a:rPr lang="en-US" altLang="zh-TW" sz="4800" b="1" dirty="0">
+                <a:solidFill>
+                  <a:srgbClr val="FF0000"/>
+                </a:solidFill>
+                <a:latin typeface="MS PGothic" pitchFamily="34" charset="-128"/>
+                <a:ea typeface="MS PGothic" pitchFamily="34" charset="-128"/>
+              </a:rPr>
+            </a:br>
+            <a:r>
+              <a:rPr lang="zh-TW" altLang="zh-TW" sz="4800" b="1" dirty="0">
                 <a:solidFill>
                   <a:srgbClr val="FF0000"/>
                 </a:solidFill>
                 <a:latin typeface="標楷體" pitchFamily="65" charset="-120"/>
                 <a:ea typeface="標楷體" pitchFamily="65" charset="-120"/>
               </a:rPr>
-              <a:t>  </a:t>
-            </a:r>
-            <a:r>
-              <a:rPr lang="en-US" altLang="zh-TW" sz="4800" b="1" dirty="0">
-                <a:solidFill>
-                  <a:srgbClr val="FF0000"/>
-                </a:solidFill>
-                <a:latin typeface="MS PGothic" pitchFamily="34" charset="-128"/>
-                <a:ea typeface="MS PGothic" pitchFamily="34" charset="-128"/>
-              </a:rPr>
-              <a:t>me </a:t>
-            </a:r>
-            <a:r>
-              <a:rPr lang="en-US" altLang="zh-TW" sz="4800" b="1" dirty="0" err="1">
-                <a:solidFill>
-                  <a:srgbClr val="FF0000"/>
-                </a:solidFill>
-                <a:latin typeface="MS PGothic" pitchFamily="34" charset="-128"/>
-                <a:ea typeface="MS PGothic" pitchFamily="34" charset="-128"/>
-              </a:rPr>
-              <a:t>me</a:t>
-            </a:r>
-            <a:r>
-              <a:rPr lang="en-US" altLang="zh-TW" sz="4800" b="1" dirty="0">
-                <a:solidFill>
-                  <a:srgbClr val="FF0000"/>
-                </a:solidFill>
-                <a:latin typeface="MS PGothic" pitchFamily="34" charset="-128"/>
-                <a:ea typeface="MS PGothic" pitchFamily="34" charset="-128"/>
-              </a:rPr>
-              <a:t> </a:t>
-            </a:r>
-            <a:r>
-              <a:rPr lang="en-US" altLang="zh-TW" sz="4800" b="1" dirty="0" err="1">
-                <a:solidFill>
-                  <a:srgbClr val="FF0000"/>
-                </a:solidFill>
-                <a:latin typeface="MS PGothic" pitchFamily="34" charset="-128"/>
-                <a:ea typeface="MS PGothic" pitchFamily="34" charset="-128"/>
-              </a:rPr>
-              <a:t>me</a:t>
-            </a:r>
-            <a:r>
-              <a:rPr lang="en-US" altLang="zh-TW" sz="4800" b="1" dirty="0">
-                <a:solidFill>
-                  <a:srgbClr val="FF0000"/>
-                </a:solidFill>
-                <a:latin typeface="MS PGothic" pitchFamily="34" charset="-128"/>
-                <a:ea typeface="MS PGothic" pitchFamily="34" charset="-128"/>
-              </a:rPr>
-              <a:t/>
-            </a:r>
-            <a:br>
-              <a:rPr lang="en-US" altLang="zh-TW" sz="4800" b="1" dirty="0">
-                <a:solidFill>
-                  <a:srgbClr val="FF0000"/>
-                </a:solidFill>
-                <a:latin typeface="MS PGothic" pitchFamily="34" charset="-128"/>
-                <a:ea typeface="MS PGothic" pitchFamily="34" charset="-128"/>
-              </a:rPr>
-            </a:br>
-            <a:r>
-              <a:rPr lang="zh-TW" altLang="zh-TW" sz="4800" b="1" dirty="0">
-                <a:solidFill>
-                  <a:srgbClr val="FF0000"/>
-                </a:solidFill>
-                <a:latin typeface="標楷體" pitchFamily="65" charset="-120"/>
-                <a:ea typeface="標楷體" pitchFamily="65" charset="-120"/>
-              </a:rPr>
-              <a:t>快樂要同</a:t>
-            </a:r>
-            <a:r>
-              <a:rPr lang="zh-TW" altLang="zh-TW" sz="4800" b="1" dirty="0">
-                <a:solidFill>
-                  <a:srgbClr val="FF0000"/>
-                </a:solidFill>
-                <a:latin typeface="標楷體" pitchFamily="65" charset="-120"/>
-                <a:ea typeface="標楷體" pitchFamily="65" charset="-120"/>
-              </a:rPr>
-              <a:t>唱，美食</a:t>
-            </a:r>
-            <a:r>
-              <a:rPr lang="zh-TW" altLang="zh-TW" sz="4800" b="1" dirty="0">
-                <a:solidFill>
-                  <a:srgbClr val="FF0000"/>
-                </a:solidFill>
-                <a:latin typeface="標楷體" pitchFamily="65" charset="-120"/>
-                <a:ea typeface="標楷體" pitchFamily="65" charset="-120"/>
-              </a:rPr>
-              <a:t>要同享</a:t>
+              <a:t>快樂要同唱，美食要同享</a:t>
             </a:r>
             <a:endParaRPr lang="en-US" altLang="zh-TW" sz="4800" b="1" dirty="0">
               <a:solidFill>
@@ -5092,17 +10014,7 @@
                 <a:latin typeface="標楷體" pitchFamily="65" charset="-120"/>
                 <a:ea typeface="標楷體" pitchFamily="65" charset="-120"/>
               </a:rPr>
-              <a:t>分享更樂趣</a:t>
-            </a:r>
-            <a:r>
-              <a:rPr lang="zh-TW" altLang="zh-TW" sz="4800" b="1" dirty="0">
-                <a:solidFill>
-                  <a:srgbClr val="FF0000"/>
-                </a:solidFill>
-                <a:latin typeface="標楷體" pitchFamily="65" charset="-120"/>
-                <a:ea typeface="標楷體" pitchFamily="65" charset="-120"/>
-              </a:rPr>
-              <a:t>多</a:t>
+              <a:t>分享更樂趣多</a:t>
             </a:r>
             <a:endParaRPr lang="en-US" altLang="zh-TW" sz="4800" b="1" dirty="0">
               <a:solidFill>
@@ -5124,27 +10036,7 @@
                 <a:latin typeface="MS PGothic" pitchFamily="34" charset="-128"/>
                 <a:ea typeface="MS PGothic" pitchFamily="34" charset="-128"/>
               </a:rPr>
-              <a:t>More </a:t>
-            </a:r>
-            <a:r>
-              <a:rPr lang="en-US" altLang="zh-TW" sz="4800" b="1" dirty="0">
-                <a:solidFill>
-                  <a:srgbClr val="FF0000"/>
-                </a:solidFill>
-                <a:latin typeface="MS PGothic" pitchFamily="34" charset="-128"/>
-                <a:ea typeface="MS PGothic" pitchFamily="34" charset="-128"/>
-              </a:rPr>
-              <a:t>and </a:t>
-            </a:r>
-            <a:r>
-              <a:rPr lang="en-US" altLang="zh-TW" sz="4800" b="1" dirty="0">
-                <a:solidFill>
-                  <a:srgbClr val="FF0000"/>
-                </a:solidFill>
-                <a:latin typeface="MS PGothic" pitchFamily="34" charset="-128"/>
-                <a:ea typeface="MS PGothic" pitchFamily="34" charset="-128"/>
-              </a:rPr>
-              <a:t>More</a:t>
+              <a:t>More and More</a:t>
             </a:r>
             <a:endParaRPr lang="zh-TW" altLang="en-US" sz="4800" b="1" dirty="0">
               <a:solidFill>
@@ -5201,7 +10093,7 @@
     </p:spTree>
     <p:extLst>
       <p:ext uri="{BB962C8B-B14F-4D97-AF65-F5344CB8AC3E}">
-        <p14:creationId xmlns:p14="http://schemas.microsoft.com/office/powerpoint/2010/main" val="2627715773"/>
+        <p14:creationId xmlns:p14="http://schemas.microsoft.com/office/powerpoint/2010/main" xmlns="" val="2627715773"/>
       </p:ext>
     </p:extLst>
   </p:cSld>
@@ -5247,7 +10139,7 @@
           <a:blip r:embed="rId2">
             <a:extLst>
               <a:ext uri="{28A0092B-C50C-407E-A947-70E740481C1C}">
-                <a14:useLocalDpi xmlns:a14="http://schemas.microsoft.com/office/drawing/2010/main" val="0"/>
+                <a14:useLocalDpi xmlns:a14="http://schemas.microsoft.com/office/drawing/2010/main" xmlns="" val="0"/>
               </a:ext>
             </a:extLst>
           </a:blip>
@@ -5267,7 +10159,7 @@
           <a:noFill/>
           <a:extLst>
             <a:ext uri="{909E8E84-426E-40DD-AFC4-6F175D3DCCD1}">
-              <a14:hiddenFill xmlns:a14="http://schemas.microsoft.com/office/drawing/2010/main">
+              <a14:hiddenFill xmlns:a14="http://schemas.microsoft.com/office/drawing/2010/main" xmlns="">
                 <a:solidFill>
                   <a:srgbClr val="FFFFFF"/>
                 </a:solidFill>
@@ -5352,10 +10244,10 @@
                 <a:ea typeface="MS PGothic" pitchFamily="34" charset="-128"/>
                 <a:cs typeface="Latha" pitchFamily="34" charset="0"/>
               </a:rPr>
-              <a:t>Jesus gives m</a:t>
-            </a:r>
-            <a:r>
-              <a:rPr lang="en-US" altLang="zh-TW" sz="4400" b="1" dirty="0">
+              <a:t>Jesus gives more and more</a:t>
+            </a:r>
+            <a:r>
+              <a:rPr lang="zh-TW" altLang="en-US" sz="4400" b="1" dirty="0">
                 <a:solidFill>
                   <a:srgbClr val="FF0000"/>
                 </a:solidFill>
@@ -5363,10 +10255,10 @@
                 <a:ea typeface="MS PGothic" pitchFamily="34" charset="-128"/>
                 <a:cs typeface="Latha" pitchFamily="34" charset="0"/>
               </a:rPr>
-              <a:t>ore and more</a:t>
-            </a:r>
-            <a:r>
-              <a:rPr lang="zh-TW" altLang="en-US" sz="4400" b="1" dirty="0">
+              <a:t> </a:t>
+            </a:r>
+            <a:r>
+              <a:rPr lang="en-US" altLang="zh-TW" sz="4400" b="1" dirty="0">
                 <a:solidFill>
                   <a:srgbClr val="FF0000"/>
                 </a:solidFill>
@@ -5374,27 +10266,8 @@
                 <a:ea typeface="MS PGothic" pitchFamily="34" charset="-128"/>
                 <a:cs typeface="Latha" pitchFamily="34" charset="0"/>
               </a:rPr>
-              <a:t> </a:t>
-            </a:r>
-            <a:r>
-              <a:rPr lang="en-US" altLang="zh-TW" sz="4400" b="1" dirty="0">
-                <a:solidFill>
-                  <a:srgbClr val="FF0000"/>
-                </a:solidFill>
-                <a:latin typeface="MS PGothic" pitchFamily="34" charset="-128"/>
-                <a:ea typeface="MS PGothic" pitchFamily="34" charset="-128"/>
-                <a:cs typeface="Latha" pitchFamily="34" charset="0"/>
-              </a:rPr>
               <a:t>to me</a:t>
             </a:r>
-            <a:endParaRPr lang="en-US" altLang="zh-TW" sz="4400" b="1" dirty="0">
-              <a:solidFill>
-                <a:srgbClr val="FF0000"/>
-              </a:solidFill>
-              <a:latin typeface="MS PGothic" pitchFamily="34" charset="-128"/>
-              <a:ea typeface="MS PGothic" pitchFamily="34" charset="-128"/>
-              <a:cs typeface="Latha" pitchFamily="34" charset="0"/>
-            </a:endParaRPr>
           </a:p>
           <a:p>
             <a:pPr marL="0" indent="0" algn="ctr">
@@ -5489,7 +10362,7 @@
     </p:spTree>
     <p:extLst>
       <p:ext uri="{BB962C8B-B14F-4D97-AF65-F5344CB8AC3E}">
-        <p14:creationId xmlns:p14="http://schemas.microsoft.com/office/powerpoint/2010/main" val="2479739150"/>
+        <p14:creationId xmlns:p14="http://schemas.microsoft.com/office/powerpoint/2010/main" xmlns="" val="2479739150"/>
       </p:ext>
     </p:extLst>
   </p:cSld>
@@ -5503,6 +10376,196 @@
       </p:par>
     </p:tnLst>
   </p:timing>
+</p:sld>
+</file>
+
+<file path=ppt/slides/slide8.xml><?xml version="1.0" encoding="utf-8"?>
+<p:sld xmlns:a="http://schemas.openxmlformats.org/drawingml/2006/main" xmlns:r="http://schemas.openxmlformats.org/officeDocument/2006/relationships" xmlns:p="http://schemas.openxmlformats.org/presentationml/2006/main">
+  <p:cSld>
+    <p:spTree>
+      <p:nvGrpSpPr>
+        <p:cNvPr id="1" name=""/>
+        <p:cNvGrpSpPr/>
+        <p:nvPr/>
+      </p:nvGrpSpPr>
+      <p:grpSpPr>
+        <a:xfrm>
+          <a:off x="0" y="0"/>
+          <a:ext cx="0" cy="0"/>
+          <a:chOff x="0" y="0"/>
+          <a:chExt cx="0" cy="0"/>
+        </a:xfrm>
+      </p:grpSpPr>
+      <p:sp>
+        <p:nvSpPr>
+          <p:cNvPr id="4" name="標題 3"/>
+          <p:cNvSpPr>
+            <a:spLocks noGrp="1"/>
+          </p:cNvSpPr>
+          <p:nvPr>
+            <p:ph type="title"/>
+          </p:nvPr>
+        </p:nvSpPr>
+        <p:spPr>
+          <a:xfrm>
+            <a:off x="0" y="2857513"/>
+            <a:ext cx="12192000" cy="1143000"/>
+          </a:xfrm>
+        </p:spPr>
+        <p:txBody>
+          <a:bodyPr>
+            <a:noAutofit/>
+          </a:bodyPr>
+          <a:lstStyle/>
+          <a:p>
+            <a:r>
+              <a:rPr lang="zh-CN" altLang="en-US" sz="7200" b="1" i="1" dirty="0">
+                <a:solidFill>
+                  <a:srgbClr val="000066"/>
+                </a:solidFill>
+                <a:effectLst>
+                  <a:outerShdw blurRad="38100" dist="38100" dir="2700000" algn="tl">
+                    <a:srgbClr val="000000">
+                      <a:alpha val="43137"/>
+                    </a:srgbClr>
+                  </a:outerShdw>
+                </a:effectLst>
+                <a:latin typeface="微軟正黑體" pitchFamily="34" charset="-120"/>
+                <a:ea typeface="微軟正黑體" pitchFamily="34" charset="-120"/>
+              </a:rPr>
+              <a:t>倚靠耶和華</a:t>
+            </a:r>
+            <a:endParaRPr lang="zh-TW" altLang="en-US" sz="7200" b="1" i="1" dirty="0">
+              <a:solidFill>
+                <a:srgbClr val="000066"/>
+              </a:solidFill>
+              <a:effectLst>
+                <a:outerShdw blurRad="38100" dist="38100" dir="2700000" algn="tl">
+                  <a:srgbClr val="000000">
+                    <a:alpha val="43137"/>
+                  </a:srgbClr>
+                </a:outerShdw>
+              </a:effectLst>
+              <a:latin typeface="微軟正黑體" pitchFamily="34" charset="-120"/>
+              <a:ea typeface="微軟正黑體" pitchFamily="34" charset="-120"/>
+            </a:endParaRPr>
+          </a:p>
+        </p:txBody>
+      </p:sp>
+    </p:spTree>
+    <p:extLst>
+      <p:ext uri="{BB962C8B-B14F-4D97-AF65-F5344CB8AC3E}">
+        <p14:creationId xmlns="" xmlns:p14="http://schemas.microsoft.com/office/powerpoint/2010/main" val="4048156359"/>
+      </p:ext>
+    </p:extLst>
+  </p:cSld>
+  <p:clrMapOvr>
+    <a:masterClrMapping/>
+  </p:clrMapOvr>
+  <p:timing>
+    <p:tnLst>
+      <p:par>
+        <p:cTn id="1" dur="indefinite" restart="never" nodeType="tmRoot"/>
+      </p:par>
+    </p:tnLst>
+  </p:timing>
+</p:sld>
+</file>
+
+<file path=ppt/slides/slide9.xml><?xml version="1.0" encoding="utf-8"?>
+<p:sld xmlns:a="http://schemas.openxmlformats.org/drawingml/2006/main" xmlns:r="http://schemas.openxmlformats.org/officeDocument/2006/relationships" xmlns:p="http://schemas.openxmlformats.org/presentationml/2006/main">
+  <p:cSld>
+    <p:spTree>
+      <p:nvGrpSpPr>
+        <p:cNvPr id="1" name=""/>
+        <p:cNvGrpSpPr/>
+        <p:nvPr/>
+      </p:nvGrpSpPr>
+      <p:grpSpPr>
+        <a:xfrm>
+          <a:off x="0" y="0"/>
+          <a:ext cx="0" cy="0"/>
+          <a:chOff x="0" y="0"/>
+          <a:chExt cx="0" cy="0"/>
+        </a:xfrm>
+      </p:grpSpPr>
+      <p:sp>
+        <p:nvSpPr>
+          <p:cNvPr id="5" name="內容版面配置區 4"/>
+          <p:cNvSpPr>
+            <a:spLocks noGrp="1"/>
+          </p:cNvSpPr>
+          <p:nvPr>
+            <p:ph idx="1"/>
+          </p:nvPr>
+        </p:nvSpPr>
+        <p:spPr>
+          <a:xfrm>
+            <a:off x="0" y="2084853"/>
+            <a:ext cx="12192000" cy="2404863"/>
+          </a:xfrm>
+        </p:spPr>
+        <p:txBody>
+          <a:bodyPr anchor="ctr">
+            <a:normAutofit/>
+          </a:bodyPr>
+          <a:lstStyle/>
+          <a:p>
+            <a:pPr marL="0" indent="0" algn="ctr">
+              <a:buNone/>
+            </a:pPr>
+            <a:r>
+              <a:rPr lang="zh-TW" altLang="en-US" sz="6400" b="1" dirty="0">
+                <a:solidFill>
+                  <a:srgbClr val="000066"/>
+                </a:solidFill>
+                <a:latin typeface="Microsoft JhengHei" panose="020B0604030504040204" pitchFamily="34" charset="-120"/>
+                <a:ea typeface="Microsoft JhengHei" panose="020B0604030504040204" pitchFamily="34" charset="-120"/>
+              </a:rPr>
+              <a:t>回頭望我歲月匆匆</a:t>
+            </a:r>
+            <a:endParaRPr lang="en-US" altLang="zh-TW" sz="6400" b="1" dirty="0">
+              <a:solidFill>
+                <a:srgbClr val="000066"/>
+              </a:solidFill>
+              <a:latin typeface="Microsoft JhengHei" panose="020B0604030504040204" pitchFamily="34" charset="-120"/>
+              <a:ea typeface="Microsoft JhengHei" panose="020B0604030504040204" pitchFamily="34" charset="-120"/>
+            </a:endParaRPr>
+          </a:p>
+          <a:p>
+            <a:pPr marL="0" indent="0" algn="ctr">
+              <a:buNone/>
+            </a:pPr>
+            <a:r>
+              <a:rPr lang="zh-TW" altLang="en-US" sz="6400" b="1" dirty="0">
+                <a:solidFill>
+                  <a:srgbClr val="000066"/>
+                </a:solidFill>
+                <a:latin typeface="Microsoft JhengHei" panose="020B0604030504040204" pitchFamily="34" charset="-120"/>
+                <a:ea typeface="Microsoft JhengHei" panose="020B0604030504040204" pitchFamily="34" charset="-120"/>
+              </a:rPr>
+              <a:t>經過困境與浪濤</a:t>
+            </a:r>
+            <a:endParaRPr lang="en-US" altLang="zh-TW" sz="6400" b="1" dirty="0">
+              <a:solidFill>
+                <a:srgbClr val="000066"/>
+              </a:solidFill>
+              <a:latin typeface="Microsoft JhengHei" panose="020B0604030504040204" pitchFamily="34" charset="-120"/>
+              <a:ea typeface="Microsoft JhengHei" panose="020B0604030504040204" pitchFamily="34" charset="-120"/>
+            </a:endParaRPr>
+          </a:p>
+        </p:txBody>
+      </p:sp>
+    </p:spTree>
+    <p:extLst>
+      <p:ext uri="{BB962C8B-B14F-4D97-AF65-F5344CB8AC3E}">
+        <p14:creationId xmlns="" xmlns:p14="http://schemas.microsoft.com/office/powerpoint/2010/main" val="2356360480"/>
+      </p:ext>
+    </p:extLst>
+  </p:cSld>
+  <p:clrMapOvr>
+    <a:masterClrMapping/>
+  </p:clrMapOvr>
 </p:sld>
 </file>
 
@@ -5789,4 +10852,287 @@
   <a:objectDefaults/>
   <a:extraClrSchemeLst/>
 </a:theme>
+</file>
+
+<file path=ppt/theme/theme2.xml><?xml version="1.0" encoding="utf-8"?>
+<a:theme xmlns:a="http://schemas.openxmlformats.org/drawingml/2006/main" name="佈景主題4">
+  <a:themeElements>
+    <a:clrScheme name="Office">
+      <a:dk1>
+        <a:sysClr val="windowText" lastClr="000000"/>
+      </a:dk1>
+      <a:lt1>
+        <a:sysClr val="window" lastClr="FFFFFF"/>
+      </a:lt1>
+      <a:dk2>
+        <a:srgbClr val="1F497D"/>
+      </a:dk2>
+      <a:lt2>
+        <a:srgbClr val="EEECE1"/>
+      </a:lt2>
+      <a:accent1>
+        <a:srgbClr val="4F81BD"/>
+      </a:accent1>
+      <a:accent2>
+        <a:srgbClr val="C0504D"/>
+      </a:accent2>
+      <a:accent3>
+        <a:srgbClr val="9BBB59"/>
+      </a:accent3>
+      <a:accent4>
+        <a:srgbClr val="8064A2"/>
+      </a:accent4>
+      <a:accent5>
+        <a:srgbClr val="4BACC6"/>
+      </a:accent5>
+      <a:accent6>
+        <a:srgbClr val="F79646"/>
+      </a:accent6>
+      <a:hlink>
+        <a:srgbClr val="0000FF"/>
+      </a:hlink>
+      <a:folHlink>
+        <a:srgbClr val="800080"/>
+      </a:folHlink>
+    </a:clrScheme>
+    <a:fontScheme name="Office">
+      <a:majorFont>
+        <a:latin typeface="Calibri"/>
+        <a:ea typeface=""/>
+        <a:cs typeface=""/>
+        <a:font script="Jpan" typeface="ＭＳ Ｐゴシック"/>
+        <a:font script="Hang" typeface="맑은 고딕"/>
+        <a:font script="Hans" typeface="宋体"/>
+        <a:font script="Hant" typeface="新細明體"/>
+        <a:font script="Arab" typeface="Times New Roman"/>
+        <a:font script="Hebr" typeface="Times New Roman"/>
+        <a:font script="Thai" typeface="Angsana New"/>
+        <a:font script="Ethi" typeface="Nyala"/>
+        <a:font script="Beng" typeface="Vrinda"/>
+        <a:font script="Gujr" typeface="Shruti"/>
+        <a:font script="Khmr" typeface="MoolBoran"/>
+        <a:font script="Knda" typeface="Tunga"/>
+        <a:font script="Guru" typeface="Raavi"/>
+        <a:font script="Cans" typeface="Euphemia"/>
+        <a:font script="Cher" typeface="Plantagenet Cherokee"/>
+        <a:font script="Yiii" typeface="Microsoft Yi Baiti"/>
+        <a:font script="Tibt" typeface="Microsoft Himalaya"/>
+        <a:font script="Thaa" typeface="MV Boli"/>
+        <a:font script="Deva" typeface="Mangal"/>
+        <a:font script="Telu" typeface="Gautami"/>
+        <a:font script="Taml" typeface="Latha"/>
+        <a:font script="Syrc" typeface="Estrangelo Edessa"/>
+        <a:font script="Orya" typeface="Kalinga"/>
+        <a:font script="Mlym" typeface="Kartika"/>
+        <a:font script="Laoo" typeface="DokChampa"/>
+        <a:font script="Sinh" typeface="Iskoola Pota"/>
+        <a:font script="Mong" typeface="Mongolian Baiti"/>
+        <a:font script="Viet" typeface="Times New Roman"/>
+        <a:font script="Uigh" typeface="Microsoft Uighur"/>
+      </a:majorFont>
+      <a:minorFont>
+        <a:latin typeface="Calibri"/>
+        <a:ea typeface=""/>
+        <a:cs typeface=""/>
+        <a:font script="Jpan" typeface="ＭＳ Ｐゴシック"/>
+        <a:font script="Hang" typeface="맑은 고딕"/>
+        <a:font script="Hans" typeface="宋体"/>
+        <a:font script="Hant" typeface="新細明體"/>
+        <a:font script="Arab" typeface="Arial"/>
+        <a:font script="Hebr" typeface="Arial"/>
+        <a:font script="Thai" typeface="Cordia New"/>
+        <a:font script="Ethi" typeface="Nyala"/>
+        <a:font script="Beng" typeface="Vrinda"/>
+        <a:font script="Gujr" typeface="Shruti"/>
+        <a:font script="Khmr" typeface="DaunPenh"/>
+        <a:font script="Knda" typeface="Tunga"/>
+        <a:font script="Guru" typeface="Raavi"/>
+        <a:font script="Cans" typeface="Euphemia"/>
+        <a:font script="Cher" typeface="Plantagenet Cherokee"/>
+        <a:font script="Yiii" typeface="Microsoft Yi Baiti"/>
+        <a:font script="Tibt" typeface="Microsoft Himalaya"/>
+        <a:font script="Thaa" typeface="MV Boli"/>
+        <a:font script="Deva" typeface="Mangal"/>
+        <a:font script="Telu" typeface="Gautami"/>
+        <a:font script="Taml" typeface="Latha"/>
+        <a:font script="Syrc" typeface="Estrangelo Edessa"/>
+        <a:font script="Orya" typeface="Kalinga"/>
+        <a:font script="Mlym" typeface="Kartika"/>
+        <a:font script="Laoo" typeface="DokChampa"/>
+        <a:font script="Sinh" typeface="Iskoola Pota"/>
+        <a:font script="Mong" typeface="Mongolian Baiti"/>
+        <a:font script="Viet" typeface="Arial"/>
+        <a:font script="Uigh" typeface="Microsoft Uighur"/>
+      </a:minorFont>
+    </a:fontScheme>
+    <a:fmtScheme name="Office">
+      <a:fillStyleLst>
+        <a:solidFill>
+          <a:schemeClr val="phClr"/>
+        </a:solidFill>
+        <a:gradFill rotWithShape="1">
+          <a:gsLst>
+            <a:gs pos="0">
+              <a:schemeClr val="phClr">
+                <a:tint val="50000"/>
+                <a:satMod val="300000"/>
+              </a:schemeClr>
+            </a:gs>
+            <a:gs pos="35000">
+              <a:schemeClr val="phClr">
+                <a:tint val="37000"/>
+                <a:satMod val="300000"/>
+              </a:schemeClr>
+            </a:gs>
+            <a:gs pos="100000">
+              <a:schemeClr val="phClr">
+                <a:tint val="15000"/>
+                <a:satMod val="350000"/>
+              </a:schemeClr>
+            </a:gs>
+          </a:gsLst>
+          <a:lin ang="16200000" scaled="1"/>
+        </a:gradFill>
+        <a:gradFill rotWithShape="1">
+          <a:gsLst>
+            <a:gs pos="0">
+              <a:schemeClr val="phClr">
+                <a:shade val="51000"/>
+                <a:satMod val="130000"/>
+              </a:schemeClr>
+            </a:gs>
+            <a:gs pos="80000">
+              <a:schemeClr val="phClr">
+                <a:shade val="93000"/>
+                <a:satMod val="130000"/>
+              </a:schemeClr>
+            </a:gs>
+            <a:gs pos="100000">
+              <a:schemeClr val="phClr">
+                <a:shade val="94000"/>
+                <a:satMod val="135000"/>
+              </a:schemeClr>
+            </a:gs>
+          </a:gsLst>
+          <a:lin ang="16200000" scaled="0"/>
+        </a:gradFill>
+      </a:fillStyleLst>
+      <a:lnStyleLst>
+        <a:ln w="9525" cap="flat" cmpd="sng" algn="ctr">
+          <a:solidFill>
+            <a:schemeClr val="phClr">
+              <a:shade val="95000"/>
+              <a:satMod val="105000"/>
+            </a:schemeClr>
+          </a:solidFill>
+          <a:prstDash val="solid"/>
+        </a:ln>
+        <a:ln w="25400" cap="flat" cmpd="sng" algn="ctr">
+          <a:solidFill>
+            <a:schemeClr val="phClr"/>
+          </a:solidFill>
+          <a:prstDash val="solid"/>
+        </a:ln>
+        <a:ln w="38100" cap="flat" cmpd="sng" algn="ctr">
+          <a:solidFill>
+            <a:schemeClr val="phClr"/>
+          </a:solidFill>
+          <a:prstDash val="solid"/>
+        </a:ln>
+      </a:lnStyleLst>
+      <a:effectStyleLst>
+        <a:effectStyle>
+          <a:effectLst>
+            <a:outerShdw blurRad="40000" dist="20000" dir="5400000" rotWithShape="0">
+              <a:srgbClr val="000000">
+                <a:alpha val="38000"/>
+              </a:srgbClr>
+            </a:outerShdw>
+          </a:effectLst>
+        </a:effectStyle>
+        <a:effectStyle>
+          <a:effectLst>
+            <a:outerShdw blurRad="40000" dist="23000" dir="5400000" rotWithShape="0">
+              <a:srgbClr val="000000">
+                <a:alpha val="35000"/>
+              </a:srgbClr>
+            </a:outerShdw>
+          </a:effectLst>
+        </a:effectStyle>
+        <a:effectStyle>
+          <a:effectLst>
+            <a:outerShdw blurRad="40000" dist="23000" dir="5400000" rotWithShape="0">
+              <a:srgbClr val="000000">
+                <a:alpha val="35000"/>
+              </a:srgbClr>
+            </a:outerShdw>
+          </a:effectLst>
+          <a:scene3d>
+            <a:camera prst="orthographicFront">
+              <a:rot lat="0" lon="0" rev="0"/>
+            </a:camera>
+            <a:lightRig rig="threePt" dir="t">
+              <a:rot lat="0" lon="0" rev="1200000"/>
+            </a:lightRig>
+          </a:scene3d>
+          <a:sp3d>
+            <a:bevelT w="63500" h="25400"/>
+          </a:sp3d>
+        </a:effectStyle>
+      </a:effectStyleLst>
+      <a:bgFillStyleLst>
+        <a:solidFill>
+          <a:schemeClr val="phClr"/>
+        </a:solidFill>
+        <a:gradFill rotWithShape="1">
+          <a:gsLst>
+            <a:gs pos="0">
+              <a:schemeClr val="phClr">
+                <a:tint val="40000"/>
+                <a:satMod val="350000"/>
+              </a:schemeClr>
+            </a:gs>
+            <a:gs pos="40000">
+              <a:schemeClr val="phClr">
+                <a:tint val="45000"/>
+                <a:shade val="99000"/>
+                <a:satMod val="350000"/>
+              </a:schemeClr>
+            </a:gs>
+            <a:gs pos="100000">
+              <a:schemeClr val="phClr">
+                <a:shade val="20000"/>
+                <a:satMod val="255000"/>
+              </a:schemeClr>
+            </a:gs>
+          </a:gsLst>
+          <a:path path="circle">
+            <a:fillToRect l="50000" t="-80000" r="50000" b="180000"/>
+          </a:path>
+        </a:gradFill>
+        <a:gradFill rotWithShape="1">
+          <a:gsLst>
+            <a:gs pos="0">
+              <a:schemeClr val="phClr">
+                <a:tint val="80000"/>
+                <a:satMod val="300000"/>
+              </a:schemeClr>
+            </a:gs>
+            <a:gs pos="100000">
+              <a:schemeClr val="phClr">
+                <a:shade val="30000"/>
+                <a:satMod val="200000"/>
+              </a:schemeClr>
+            </a:gs>
+          </a:gsLst>
+          <a:path path="circle">
+            <a:fillToRect l="50000" t="50000" r="50000" b="50000"/>
+          </a:path>
+        </a:gradFill>
+      </a:bgFillStyleLst>
+    </a:fmtScheme>
+  </a:themeElements>
+  <a:objectDefaults/>
+  <a:extraClrSchemeLst/>
+</a:theme>
 </file>